--- a/Michael_Green_Metis_Project2.pptx
+++ b/Michael_Green_Metis_Project2.pptx
@@ -1,12 +1,29 @@
 
 <file path=ppt/presentation.xml><?xml version="1.0" encoding="utf-8"?>
-<p:presentation xmlns:a="http://schemas.openxmlformats.org/drawingml/2006/main" xmlns:r="http://schemas.openxmlformats.org/officeDocument/2006/relationships" xmlns:p="http://schemas.openxmlformats.org/presentationml/2006/main" saveSubsetFonts="1" autoCompressPictures="0">
+<p:presentation xmlns:a="http://schemas.openxmlformats.org/drawingml/2006/main" xmlns:r="http://schemas.openxmlformats.org/officeDocument/2006/relationships" xmlns:p="http://schemas.openxmlformats.org/presentationml/2006/main" showSpecialPlsOnTitleSld="0" saveSubsetFonts="1" autoCompressPictures="0">
   <p:sldMasterIdLst>
     <p:sldMasterId id="2147483648" r:id="rId1"/>
   </p:sldMasterIdLst>
+  <p:notesMasterIdLst>
+    <p:notesMasterId r:id="rId18"/>
+  </p:notesMasterIdLst>
   <p:sldIdLst>
     <p:sldId id="256" r:id="rId2"/>
     <p:sldId id="257" r:id="rId3"/>
+    <p:sldId id="258" r:id="rId4"/>
+    <p:sldId id="259" r:id="rId5"/>
+    <p:sldId id="260" r:id="rId6"/>
+    <p:sldId id="261" r:id="rId7"/>
+    <p:sldId id="262" r:id="rId8"/>
+    <p:sldId id="263" r:id="rId9"/>
+    <p:sldId id="264" r:id="rId10"/>
+    <p:sldId id="265" r:id="rId11"/>
+    <p:sldId id="266" r:id="rId12"/>
+    <p:sldId id="267" r:id="rId13"/>
+    <p:sldId id="268" r:id="rId14"/>
+    <p:sldId id="269" r:id="rId15"/>
+    <p:sldId id="270" r:id="rId16"/>
+    <p:sldId id="271" r:id="rId17"/>
   </p:sldIdLst>
   <p:sldSz cx="12192000" cy="6858000"/>
   <p:notesSz cx="6858000" cy="9144000"/>
@@ -108,6 +125,439 @@
 </p:presentation>
 </file>
 
+<file path=ppt/notesMasters/notesMaster1.xml><?xml version="1.0" encoding="utf-8"?>
+<p:notesMaster xmlns:a="http://schemas.openxmlformats.org/drawingml/2006/main" xmlns:r="http://schemas.openxmlformats.org/officeDocument/2006/relationships" xmlns:p="http://schemas.openxmlformats.org/presentationml/2006/main">
+  <p:cSld>
+    <p:bg>
+      <p:bgRef idx="1001">
+        <a:schemeClr val="bg1"/>
+      </p:bgRef>
+    </p:bg>
+    <p:spTree>
+      <p:nvGrpSpPr>
+        <p:cNvPr id="1" name=""/>
+        <p:cNvGrpSpPr/>
+        <p:nvPr/>
+      </p:nvGrpSpPr>
+      <p:grpSpPr>
+        <a:xfrm>
+          <a:off x="0" y="0"/>
+          <a:ext cx="0" cy="0"/>
+          <a:chOff x="0" y="0"/>
+          <a:chExt cx="0" cy="0"/>
+        </a:xfrm>
+      </p:grpSpPr>
+      <p:sp>
+        <p:nvSpPr>
+          <p:cNvPr id="2" name="Header Placeholder 1"/>
+          <p:cNvSpPr>
+            <a:spLocks noGrp="1"/>
+          </p:cNvSpPr>
+          <p:nvPr>
+            <p:ph type="hdr" sz="quarter"/>
+          </p:nvPr>
+        </p:nvSpPr>
+        <p:spPr>
+          <a:xfrm>
+            <a:off x="0" y="0"/>
+            <a:ext cx="2971800" cy="458788"/>
+          </a:xfrm>
+          <a:prstGeom prst="rect">
+            <a:avLst/>
+          </a:prstGeom>
+        </p:spPr>
+        <p:txBody>
+          <a:bodyPr vert="horz" lIns="91440" tIns="45720" rIns="91440" bIns="45720" rtlCol="0"/>
+          <a:lstStyle>
+            <a:lvl1pPr algn="l">
+              <a:defRPr sz="1200"/>
+            </a:lvl1pPr>
+          </a:lstStyle>
+          <a:p>
+            <a:endParaRPr lang="en-US" dirty="0"/>
+          </a:p>
+        </p:txBody>
+      </p:sp>
+      <p:sp>
+        <p:nvSpPr>
+          <p:cNvPr id="3" name="Date Placeholder 2"/>
+          <p:cNvSpPr>
+            <a:spLocks noGrp="1"/>
+          </p:cNvSpPr>
+          <p:nvPr>
+            <p:ph type="dt" idx="1"/>
+          </p:nvPr>
+        </p:nvSpPr>
+        <p:spPr>
+          <a:xfrm>
+            <a:off x="3884613" y="0"/>
+            <a:ext cx="2971800" cy="458788"/>
+          </a:xfrm>
+          <a:prstGeom prst="rect">
+            <a:avLst/>
+          </a:prstGeom>
+        </p:spPr>
+        <p:txBody>
+          <a:bodyPr vert="horz" lIns="91440" tIns="45720" rIns="91440" bIns="45720" rtlCol="0"/>
+          <a:lstStyle>
+            <a:lvl1pPr algn="r">
+              <a:defRPr sz="1200"/>
+            </a:lvl1pPr>
+          </a:lstStyle>
+          <a:p>
+            <a:fld id="{A4379627-3702-B04D-BE32-5616376594A6}" type="datetimeFigureOut">
+              <a:rPr lang="en-US" smtClean="0"/>
+              <a:t>10/9/20</a:t>
+            </a:fld>
+            <a:endParaRPr lang="en-US" dirty="0"/>
+          </a:p>
+        </p:txBody>
+      </p:sp>
+      <p:sp>
+        <p:nvSpPr>
+          <p:cNvPr id="4" name="Slide Image Placeholder 3"/>
+          <p:cNvSpPr>
+            <a:spLocks noGrp="1" noRot="1" noChangeAspect="1"/>
+          </p:cNvSpPr>
+          <p:nvPr>
+            <p:ph type="sldImg" idx="2"/>
+          </p:nvPr>
+        </p:nvSpPr>
+        <p:spPr>
+          <a:xfrm>
+            <a:off x="685800" y="1143000"/>
+            <a:ext cx="5486400" cy="3086100"/>
+          </a:xfrm>
+          <a:prstGeom prst="rect">
+            <a:avLst/>
+          </a:prstGeom>
+          <a:noFill/>
+          <a:ln w="12700">
+            <a:solidFill>
+              <a:prstClr val="black"/>
+            </a:solidFill>
+          </a:ln>
+        </p:spPr>
+        <p:txBody>
+          <a:bodyPr vert="horz" lIns="91440" tIns="45720" rIns="91440" bIns="45720" rtlCol="0" anchor="ctr"/>
+          <a:lstStyle/>
+          <a:p>
+            <a:endParaRPr lang="en-US" dirty="0"/>
+          </a:p>
+        </p:txBody>
+      </p:sp>
+      <p:sp>
+        <p:nvSpPr>
+          <p:cNvPr id="5" name="Notes Placeholder 4"/>
+          <p:cNvSpPr>
+            <a:spLocks noGrp="1"/>
+          </p:cNvSpPr>
+          <p:nvPr>
+            <p:ph type="body" sz="quarter" idx="3"/>
+          </p:nvPr>
+        </p:nvSpPr>
+        <p:spPr>
+          <a:xfrm>
+            <a:off x="685800" y="4400550"/>
+            <a:ext cx="5486400" cy="3600450"/>
+          </a:xfrm>
+          <a:prstGeom prst="rect">
+            <a:avLst/>
+          </a:prstGeom>
+        </p:spPr>
+        <p:txBody>
+          <a:bodyPr vert="horz" lIns="91440" tIns="45720" rIns="91440" bIns="45720" rtlCol="0"/>
+          <a:lstStyle/>
+          <a:p>
+            <a:pPr lvl="0"/>
+            <a:r>
+              <a:rPr lang="en-US"/>
+              <a:t>Click to edit Master text styles</a:t>
+            </a:r>
+          </a:p>
+          <a:p>
+            <a:pPr lvl="1"/>
+            <a:r>
+              <a:rPr lang="en-US"/>
+              <a:t>Second level</a:t>
+            </a:r>
+          </a:p>
+          <a:p>
+            <a:pPr lvl="2"/>
+            <a:r>
+              <a:rPr lang="en-US"/>
+              <a:t>Third level</a:t>
+            </a:r>
+          </a:p>
+          <a:p>
+            <a:pPr lvl="3"/>
+            <a:r>
+              <a:rPr lang="en-US"/>
+              <a:t>Fourth level</a:t>
+            </a:r>
+          </a:p>
+          <a:p>
+            <a:pPr lvl="4"/>
+            <a:r>
+              <a:rPr lang="en-US"/>
+              <a:t>Fifth level</a:t>
+            </a:r>
+          </a:p>
+        </p:txBody>
+      </p:sp>
+      <p:sp>
+        <p:nvSpPr>
+          <p:cNvPr id="6" name="Footer Placeholder 5"/>
+          <p:cNvSpPr>
+            <a:spLocks noGrp="1"/>
+          </p:cNvSpPr>
+          <p:nvPr>
+            <p:ph type="ftr" sz="quarter" idx="4"/>
+          </p:nvPr>
+        </p:nvSpPr>
+        <p:spPr>
+          <a:xfrm>
+            <a:off x="0" y="8685213"/>
+            <a:ext cx="2971800" cy="458787"/>
+          </a:xfrm>
+          <a:prstGeom prst="rect">
+            <a:avLst/>
+          </a:prstGeom>
+        </p:spPr>
+        <p:txBody>
+          <a:bodyPr vert="horz" lIns="91440" tIns="45720" rIns="91440" bIns="45720" rtlCol="0" anchor="b"/>
+          <a:lstStyle>
+            <a:lvl1pPr algn="l">
+              <a:defRPr sz="1200"/>
+            </a:lvl1pPr>
+          </a:lstStyle>
+          <a:p>
+            <a:endParaRPr lang="en-US" dirty="0"/>
+          </a:p>
+        </p:txBody>
+      </p:sp>
+      <p:sp>
+        <p:nvSpPr>
+          <p:cNvPr id="7" name="Slide Number Placeholder 6"/>
+          <p:cNvSpPr>
+            <a:spLocks noGrp="1"/>
+          </p:cNvSpPr>
+          <p:nvPr>
+            <p:ph type="sldNum" sz="quarter" idx="5"/>
+          </p:nvPr>
+        </p:nvSpPr>
+        <p:spPr>
+          <a:xfrm>
+            <a:off x="3884613" y="8685213"/>
+            <a:ext cx="2971800" cy="458787"/>
+          </a:xfrm>
+          <a:prstGeom prst="rect">
+            <a:avLst/>
+          </a:prstGeom>
+        </p:spPr>
+        <p:txBody>
+          <a:bodyPr vert="horz" lIns="91440" tIns="45720" rIns="91440" bIns="45720" rtlCol="0" anchor="b"/>
+          <a:lstStyle>
+            <a:lvl1pPr algn="r">
+              <a:defRPr sz="1200"/>
+            </a:lvl1pPr>
+          </a:lstStyle>
+          <a:p>
+            <a:fld id="{97167177-B4C1-4941-B4B9-6FDD0021A57E}" type="slidenum">
+              <a:rPr lang="en-US" smtClean="0"/>
+              <a:t>‹#›</a:t>
+            </a:fld>
+            <a:endParaRPr lang="en-US" dirty="0"/>
+          </a:p>
+        </p:txBody>
+      </p:sp>
+    </p:spTree>
+    <p:extLst>
+      <p:ext uri="{BB962C8B-B14F-4D97-AF65-F5344CB8AC3E}">
+        <p14:creationId xmlns:p14="http://schemas.microsoft.com/office/powerpoint/2010/main" val="660197133"/>
+      </p:ext>
+    </p:extLst>
+  </p:cSld>
+  <p:clrMap bg1="lt1" tx1="dk1" bg2="lt2" tx2="dk2" accent1="accent1" accent2="accent2" accent3="accent3" accent4="accent4" accent5="accent5" accent6="accent6" hlink="hlink" folHlink="folHlink"/>
+  <p:notesStyle>
+    <a:lvl1pPr marL="0" algn="l" defTabSz="914400" rtl="0" eaLnBrk="1" latinLnBrk="0" hangingPunct="1">
+      <a:defRPr sz="1200" kern="1200">
+        <a:solidFill>
+          <a:schemeClr val="tx1"/>
+        </a:solidFill>
+        <a:latin typeface="+mn-lt"/>
+        <a:ea typeface="+mn-ea"/>
+        <a:cs typeface="+mn-cs"/>
+      </a:defRPr>
+    </a:lvl1pPr>
+    <a:lvl2pPr marL="457200" algn="l" defTabSz="914400" rtl="0" eaLnBrk="1" latinLnBrk="0" hangingPunct="1">
+      <a:defRPr sz="1200" kern="1200">
+        <a:solidFill>
+          <a:schemeClr val="tx1"/>
+        </a:solidFill>
+        <a:latin typeface="+mn-lt"/>
+        <a:ea typeface="+mn-ea"/>
+        <a:cs typeface="+mn-cs"/>
+      </a:defRPr>
+    </a:lvl2pPr>
+    <a:lvl3pPr marL="914400" algn="l" defTabSz="914400" rtl="0" eaLnBrk="1" latinLnBrk="0" hangingPunct="1">
+      <a:defRPr sz="1200" kern="1200">
+        <a:solidFill>
+          <a:schemeClr val="tx1"/>
+        </a:solidFill>
+        <a:latin typeface="+mn-lt"/>
+        <a:ea typeface="+mn-ea"/>
+        <a:cs typeface="+mn-cs"/>
+      </a:defRPr>
+    </a:lvl3pPr>
+    <a:lvl4pPr marL="1371600" algn="l" defTabSz="914400" rtl="0" eaLnBrk="1" latinLnBrk="0" hangingPunct="1">
+      <a:defRPr sz="1200" kern="1200">
+        <a:solidFill>
+          <a:schemeClr val="tx1"/>
+        </a:solidFill>
+        <a:latin typeface="+mn-lt"/>
+        <a:ea typeface="+mn-ea"/>
+        <a:cs typeface="+mn-cs"/>
+      </a:defRPr>
+    </a:lvl4pPr>
+    <a:lvl5pPr marL="1828800" algn="l" defTabSz="914400" rtl="0" eaLnBrk="1" latinLnBrk="0" hangingPunct="1">
+      <a:defRPr sz="1200" kern="1200">
+        <a:solidFill>
+          <a:schemeClr val="tx1"/>
+        </a:solidFill>
+        <a:latin typeface="+mn-lt"/>
+        <a:ea typeface="+mn-ea"/>
+        <a:cs typeface="+mn-cs"/>
+      </a:defRPr>
+    </a:lvl5pPr>
+    <a:lvl6pPr marL="2286000" algn="l" defTabSz="914400" rtl="0" eaLnBrk="1" latinLnBrk="0" hangingPunct="1">
+      <a:defRPr sz="1200" kern="1200">
+        <a:solidFill>
+          <a:schemeClr val="tx1"/>
+        </a:solidFill>
+        <a:latin typeface="+mn-lt"/>
+        <a:ea typeface="+mn-ea"/>
+        <a:cs typeface="+mn-cs"/>
+      </a:defRPr>
+    </a:lvl6pPr>
+    <a:lvl7pPr marL="2743200" algn="l" defTabSz="914400" rtl="0" eaLnBrk="1" latinLnBrk="0" hangingPunct="1">
+      <a:defRPr sz="1200" kern="1200">
+        <a:solidFill>
+          <a:schemeClr val="tx1"/>
+        </a:solidFill>
+        <a:latin typeface="+mn-lt"/>
+        <a:ea typeface="+mn-ea"/>
+        <a:cs typeface="+mn-cs"/>
+      </a:defRPr>
+    </a:lvl7pPr>
+    <a:lvl8pPr marL="3200400" algn="l" defTabSz="914400" rtl="0" eaLnBrk="1" latinLnBrk="0" hangingPunct="1">
+      <a:defRPr sz="1200" kern="1200">
+        <a:solidFill>
+          <a:schemeClr val="tx1"/>
+        </a:solidFill>
+        <a:latin typeface="+mn-lt"/>
+        <a:ea typeface="+mn-ea"/>
+        <a:cs typeface="+mn-cs"/>
+      </a:defRPr>
+    </a:lvl8pPr>
+    <a:lvl9pPr marL="3657600" algn="l" defTabSz="914400" rtl="0" eaLnBrk="1" latinLnBrk="0" hangingPunct="1">
+      <a:defRPr sz="1200" kern="1200">
+        <a:solidFill>
+          <a:schemeClr val="tx1"/>
+        </a:solidFill>
+        <a:latin typeface="+mn-lt"/>
+        <a:ea typeface="+mn-ea"/>
+        <a:cs typeface="+mn-cs"/>
+      </a:defRPr>
+    </a:lvl9pPr>
+  </p:notesStyle>
+</p:notesMaster>
+</file>
+
+<file path=ppt/notesSlides/notesSlide1.xml><?xml version="1.0" encoding="utf-8"?>
+<p:notes xmlns:a="http://schemas.openxmlformats.org/drawingml/2006/main" xmlns:r="http://schemas.openxmlformats.org/officeDocument/2006/relationships" xmlns:p="http://schemas.openxmlformats.org/presentationml/2006/main">
+  <p:cSld>
+    <p:spTree>
+      <p:nvGrpSpPr>
+        <p:cNvPr id="1" name=""/>
+        <p:cNvGrpSpPr/>
+        <p:nvPr/>
+      </p:nvGrpSpPr>
+      <p:grpSpPr>
+        <a:xfrm>
+          <a:off x="0" y="0"/>
+          <a:ext cx="0" cy="0"/>
+          <a:chOff x="0" y="0"/>
+          <a:chExt cx="0" cy="0"/>
+        </a:xfrm>
+      </p:grpSpPr>
+      <p:sp>
+        <p:nvSpPr>
+          <p:cNvPr id="2" name="Slide Image Placeholder 1"/>
+          <p:cNvSpPr>
+            <a:spLocks noGrp="1" noRot="1" noChangeAspect="1"/>
+          </p:cNvSpPr>
+          <p:nvPr>
+            <p:ph type="sldImg"/>
+          </p:nvPr>
+        </p:nvSpPr>
+        <p:spPr/>
+      </p:sp>
+      <p:sp>
+        <p:nvSpPr>
+          <p:cNvPr id="3" name="Notes Placeholder 2"/>
+          <p:cNvSpPr>
+            <a:spLocks noGrp="1"/>
+          </p:cNvSpPr>
+          <p:nvPr>
+            <p:ph type="body" idx="1"/>
+          </p:nvPr>
+        </p:nvSpPr>
+        <p:spPr/>
+        <p:txBody>
+          <a:bodyPr/>
+          <a:lstStyle/>
+          <a:p>
+            <a:endParaRPr lang="en-US" dirty="0"/>
+          </a:p>
+        </p:txBody>
+      </p:sp>
+      <p:sp>
+        <p:nvSpPr>
+          <p:cNvPr id="4" name="Slide Number Placeholder 3"/>
+          <p:cNvSpPr>
+            <a:spLocks noGrp="1"/>
+          </p:cNvSpPr>
+          <p:nvPr>
+            <p:ph type="sldNum" sz="quarter" idx="5"/>
+          </p:nvPr>
+        </p:nvSpPr>
+        <p:spPr/>
+        <p:txBody>
+          <a:bodyPr/>
+          <a:lstStyle/>
+          <a:p>
+            <a:fld id="{97167177-B4C1-4941-B4B9-6FDD0021A57E}" type="slidenum">
+              <a:rPr lang="en-US" smtClean="0"/>
+              <a:t>11</a:t>
+            </a:fld>
+            <a:endParaRPr lang="en-US" dirty="0"/>
+          </a:p>
+        </p:txBody>
+      </p:sp>
+    </p:spTree>
+    <p:extLst>
+      <p:ext uri="{BB962C8B-B14F-4D97-AF65-F5344CB8AC3E}">
+        <p14:creationId xmlns:p14="http://schemas.microsoft.com/office/powerpoint/2010/main" val="3883561019"/>
+      </p:ext>
+    </p:extLst>
+  </p:cSld>
+  <p:clrMapOvr>
+    <a:masterClrMapping/>
+  </p:clrMapOvr>
+</p:notes>
+</file>
+
 <file path=ppt/slideLayouts/slideLayout1.xml><?xml version="1.0" encoding="utf-8"?>
 <p:sldLayout xmlns:a="http://schemas.openxmlformats.org/drawingml/2006/main" xmlns:r="http://schemas.openxmlformats.org/officeDocument/2006/relationships" xmlns:p="http://schemas.openxmlformats.org/presentationml/2006/main" type="title" preserve="1">
   <p:cSld name="Title Slide">
@@ -253,11 +703,10 @@
           <a:bodyPr/>
           <a:lstStyle/>
           <a:p>
-            <a:fld id="{8796C88E-8C7C-464B-8F59-D065C623AD16}" type="datetimeFigureOut">
-              <a:rPr lang="en-US" smtClean="0"/>
+            <a:r>
+              <a:rPr lang="en-US" dirty="0"/>
               <a:t>10/8/20</a:t>
-            </a:fld>
-            <a:endParaRPr lang="en-US"/>
+            </a:r>
           </a:p>
         </p:txBody>
       </p:sp>
@@ -282,7 +731,7 @@
           <a:bodyPr/>
           <a:lstStyle/>
           <a:p>
-            <a:endParaRPr lang="en-US"/>
+            <a:endParaRPr lang="en-US" dirty="0"/>
           </a:p>
         </p:txBody>
       </p:sp>
@@ -311,7 +760,7 @@
               <a:rPr lang="en-US" smtClean="0"/>
               <a:t>‹#›</a:t>
             </a:fld>
-            <a:endParaRPr lang="en-US"/>
+            <a:endParaRPr lang="en-US" dirty="0"/>
           </a:p>
         </p:txBody>
       </p:sp>
@@ -451,11 +900,10 @@
           <a:bodyPr/>
           <a:lstStyle/>
           <a:p>
-            <a:fld id="{8796C88E-8C7C-464B-8F59-D065C623AD16}" type="datetimeFigureOut">
-              <a:rPr lang="en-US" smtClean="0"/>
+            <a:r>
+              <a:rPr lang="en-US" dirty="0"/>
               <a:t>10/8/20</a:t>
-            </a:fld>
-            <a:endParaRPr lang="en-US"/>
+            </a:r>
           </a:p>
         </p:txBody>
       </p:sp>
@@ -480,7 +928,7 @@
           <a:bodyPr/>
           <a:lstStyle/>
           <a:p>
-            <a:endParaRPr lang="en-US"/>
+            <a:endParaRPr lang="en-US" dirty="0"/>
           </a:p>
         </p:txBody>
       </p:sp>
@@ -509,7 +957,7 @@
               <a:rPr lang="en-US" smtClean="0"/>
               <a:t>‹#›</a:t>
             </a:fld>
-            <a:endParaRPr lang="en-US"/>
+            <a:endParaRPr lang="en-US" dirty="0"/>
           </a:p>
         </p:txBody>
       </p:sp>
@@ -659,11 +1107,10 @@
           <a:bodyPr/>
           <a:lstStyle/>
           <a:p>
-            <a:fld id="{8796C88E-8C7C-464B-8F59-D065C623AD16}" type="datetimeFigureOut">
-              <a:rPr lang="en-US" smtClean="0"/>
+            <a:r>
+              <a:rPr lang="en-US" dirty="0"/>
               <a:t>10/8/20</a:t>
-            </a:fld>
-            <a:endParaRPr lang="en-US"/>
+            </a:r>
           </a:p>
         </p:txBody>
       </p:sp>
@@ -688,7 +1135,7 @@
           <a:bodyPr/>
           <a:lstStyle/>
           <a:p>
-            <a:endParaRPr lang="en-US"/>
+            <a:endParaRPr lang="en-US" dirty="0"/>
           </a:p>
         </p:txBody>
       </p:sp>
@@ -717,7 +1164,7 @@
               <a:rPr lang="en-US" smtClean="0"/>
               <a:t>‹#›</a:t>
             </a:fld>
-            <a:endParaRPr lang="en-US"/>
+            <a:endParaRPr lang="en-US" dirty="0"/>
           </a:p>
         </p:txBody>
       </p:sp>
@@ -857,11 +1304,10 @@
           <a:bodyPr/>
           <a:lstStyle/>
           <a:p>
-            <a:fld id="{8796C88E-8C7C-464B-8F59-D065C623AD16}" type="datetimeFigureOut">
-              <a:rPr lang="en-US" smtClean="0"/>
+            <a:r>
+              <a:rPr lang="en-US" dirty="0"/>
               <a:t>10/8/20</a:t>
-            </a:fld>
-            <a:endParaRPr lang="en-US"/>
+            </a:r>
           </a:p>
         </p:txBody>
       </p:sp>
@@ -886,7 +1332,7 @@
           <a:bodyPr/>
           <a:lstStyle/>
           <a:p>
-            <a:endParaRPr lang="en-US"/>
+            <a:endParaRPr lang="en-US" dirty="0"/>
           </a:p>
         </p:txBody>
       </p:sp>
@@ -915,7 +1361,7 @@
               <a:rPr lang="en-US" smtClean="0"/>
               <a:t>‹#›</a:t>
             </a:fld>
-            <a:endParaRPr lang="en-US"/>
+            <a:endParaRPr lang="en-US" dirty="0"/>
           </a:p>
         </p:txBody>
       </p:sp>
@@ -1132,11 +1578,10 @@
           <a:bodyPr/>
           <a:lstStyle/>
           <a:p>
-            <a:fld id="{8796C88E-8C7C-464B-8F59-D065C623AD16}" type="datetimeFigureOut">
-              <a:rPr lang="en-US" smtClean="0"/>
+            <a:r>
+              <a:rPr lang="en-US" dirty="0"/>
               <a:t>10/8/20</a:t>
-            </a:fld>
-            <a:endParaRPr lang="en-US"/>
+            </a:r>
           </a:p>
         </p:txBody>
       </p:sp>
@@ -1161,7 +1606,7 @@
           <a:bodyPr/>
           <a:lstStyle/>
           <a:p>
-            <a:endParaRPr lang="en-US"/>
+            <a:endParaRPr lang="en-US" dirty="0"/>
           </a:p>
         </p:txBody>
       </p:sp>
@@ -1190,7 +1635,7 @@
               <a:rPr lang="en-US" smtClean="0"/>
               <a:t>‹#›</a:t>
             </a:fld>
-            <a:endParaRPr lang="en-US"/>
+            <a:endParaRPr lang="en-US" dirty="0"/>
           </a:p>
         </p:txBody>
       </p:sp>
@@ -1397,11 +1842,10 @@
           <a:bodyPr/>
           <a:lstStyle/>
           <a:p>
-            <a:fld id="{8796C88E-8C7C-464B-8F59-D065C623AD16}" type="datetimeFigureOut">
-              <a:rPr lang="en-US" smtClean="0"/>
+            <a:r>
+              <a:rPr lang="en-US" dirty="0"/>
               <a:t>10/8/20</a:t>
-            </a:fld>
-            <a:endParaRPr lang="en-US"/>
+            </a:r>
           </a:p>
         </p:txBody>
       </p:sp>
@@ -1426,7 +1870,7 @@
           <a:bodyPr/>
           <a:lstStyle/>
           <a:p>
-            <a:endParaRPr lang="en-US"/>
+            <a:endParaRPr lang="en-US" dirty="0"/>
           </a:p>
         </p:txBody>
       </p:sp>
@@ -1455,7 +1899,7 @@
               <a:rPr lang="en-US" smtClean="0"/>
               <a:t>‹#›</a:t>
             </a:fld>
-            <a:endParaRPr lang="en-US"/>
+            <a:endParaRPr lang="en-US" dirty="0"/>
           </a:p>
         </p:txBody>
       </p:sp>
@@ -1809,11 +2253,10 @@
           <a:bodyPr/>
           <a:lstStyle/>
           <a:p>
-            <a:fld id="{8796C88E-8C7C-464B-8F59-D065C623AD16}" type="datetimeFigureOut">
-              <a:rPr lang="en-US" smtClean="0"/>
+            <a:r>
+              <a:rPr lang="en-US" dirty="0"/>
               <a:t>10/8/20</a:t>
-            </a:fld>
-            <a:endParaRPr lang="en-US"/>
+            </a:r>
           </a:p>
         </p:txBody>
       </p:sp>
@@ -1838,7 +2281,7 @@
           <a:bodyPr/>
           <a:lstStyle/>
           <a:p>
-            <a:endParaRPr lang="en-US"/>
+            <a:endParaRPr lang="en-US" dirty="0"/>
           </a:p>
         </p:txBody>
       </p:sp>
@@ -1867,7 +2310,7 @@
               <a:rPr lang="en-US" smtClean="0"/>
               <a:t>‹#›</a:t>
             </a:fld>
-            <a:endParaRPr lang="en-US"/>
+            <a:endParaRPr lang="en-US" dirty="0"/>
           </a:p>
         </p:txBody>
       </p:sp>
@@ -1950,11 +2393,10 @@
           <a:bodyPr/>
           <a:lstStyle/>
           <a:p>
-            <a:fld id="{8796C88E-8C7C-464B-8F59-D065C623AD16}" type="datetimeFigureOut">
-              <a:rPr lang="en-US" smtClean="0"/>
+            <a:r>
+              <a:rPr lang="en-US" dirty="0"/>
               <a:t>10/8/20</a:t>
-            </a:fld>
-            <a:endParaRPr lang="en-US"/>
+            </a:r>
           </a:p>
         </p:txBody>
       </p:sp>
@@ -1979,7 +2421,7 @@
           <a:bodyPr/>
           <a:lstStyle/>
           <a:p>
-            <a:endParaRPr lang="en-US"/>
+            <a:endParaRPr lang="en-US" dirty="0"/>
           </a:p>
         </p:txBody>
       </p:sp>
@@ -2008,7 +2450,7 @@
               <a:rPr lang="en-US" smtClean="0"/>
               <a:t>‹#›</a:t>
             </a:fld>
-            <a:endParaRPr lang="en-US"/>
+            <a:endParaRPr lang="en-US" dirty="0"/>
           </a:p>
         </p:txBody>
       </p:sp>
@@ -2063,11 +2505,10 @@
           <a:bodyPr/>
           <a:lstStyle/>
           <a:p>
-            <a:fld id="{8796C88E-8C7C-464B-8F59-D065C623AD16}" type="datetimeFigureOut">
-              <a:rPr lang="en-US" smtClean="0"/>
+            <a:r>
+              <a:rPr lang="en-US" dirty="0"/>
               <a:t>10/8/20</a:t>
-            </a:fld>
-            <a:endParaRPr lang="en-US"/>
+            </a:r>
           </a:p>
         </p:txBody>
       </p:sp>
@@ -2092,7 +2533,7 @@
           <a:bodyPr/>
           <a:lstStyle/>
           <a:p>
-            <a:endParaRPr lang="en-US"/>
+            <a:endParaRPr lang="en-US" dirty="0"/>
           </a:p>
         </p:txBody>
       </p:sp>
@@ -2121,7 +2562,7 @@
               <a:rPr lang="en-US" smtClean="0"/>
               <a:t>‹#›</a:t>
             </a:fld>
-            <a:endParaRPr lang="en-US"/>
+            <a:endParaRPr lang="en-US" dirty="0"/>
           </a:p>
         </p:txBody>
       </p:sp>
@@ -2374,11 +2815,10 @@
           <a:bodyPr/>
           <a:lstStyle/>
           <a:p>
-            <a:fld id="{8796C88E-8C7C-464B-8F59-D065C623AD16}" type="datetimeFigureOut">
-              <a:rPr lang="en-US" smtClean="0"/>
+            <a:r>
+              <a:rPr lang="en-US" dirty="0"/>
               <a:t>10/8/20</a:t>
-            </a:fld>
-            <a:endParaRPr lang="en-US"/>
+            </a:r>
           </a:p>
         </p:txBody>
       </p:sp>
@@ -2403,7 +2843,7 @@
           <a:bodyPr/>
           <a:lstStyle/>
           <a:p>
-            <a:endParaRPr lang="en-US"/>
+            <a:endParaRPr lang="en-US" dirty="0"/>
           </a:p>
         </p:txBody>
       </p:sp>
@@ -2432,7 +2872,7 @@
               <a:rPr lang="en-US" smtClean="0"/>
               <a:t>‹#›</a:t>
             </a:fld>
-            <a:endParaRPr lang="en-US"/>
+            <a:endParaRPr lang="en-US" dirty="0"/>
           </a:p>
         </p:txBody>
       </p:sp>
@@ -2566,7 +3006,7 @@
             </a:lvl9pPr>
           </a:lstStyle>
           <a:p>
-            <a:endParaRPr lang="en-US"/>
+            <a:endParaRPr lang="en-US" dirty="0"/>
           </a:p>
         </p:txBody>
       </p:sp>
@@ -2662,11 +3102,10 @@
           <a:bodyPr/>
           <a:lstStyle/>
           <a:p>
-            <a:fld id="{8796C88E-8C7C-464B-8F59-D065C623AD16}" type="datetimeFigureOut">
-              <a:rPr lang="en-US" smtClean="0"/>
+            <a:r>
+              <a:rPr lang="en-US" dirty="0"/>
               <a:t>10/8/20</a:t>
-            </a:fld>
-            <a:endParaRPr lang="en-US"/>
+            </a:r>
           </a:p>
         </p:txBody>
       </p:sp>
@@ -2691,7 +3130,7 @@
           <a:bodyPr/>
           <a:lstStyle/>
           <a:p>
-            <a:endParaRPr lang="en-US"/>
+            <a:endParaRPr lang="en-US" dirty="0"/>
           </a:p>
         </p:txBody>
       </p:sp>
@@ -2720,7 +3159,7 @@
               <a:rPr lang="en-US" smtClean="0"/>
               <a:t>‹#›</a:t>
             </a:fld>
-            <a:endParaRPr lang="en-US"/>
+            <a:endParaRPr lang="en-US" dirty="0"/>
           </a:p>
         </p:txBody>
       </p:sp>
@@ -2903,11 +3342,10 @@
             </a:lvl1pPr>
           </a:lstStyle>
           <a:p>
-            <a:fld id="{8796C88E-8C7C-464B-8F59-D065C623AD16}" type="datetimeFigureOut">
-              <a:rPr lang="en-US" smtClean="0"/>
+            <a:r>
+              <a:rPr lang="en-US" dirty="0"/>
               <a:t>10/8/20</a:t>
-            </a:fld>
-            <a:endParaRPr lang="en-US"/>
+            </a:r>
           </a:p>
         </p:txBody>
       </p:sp>
@@ -2950,7 +3388,7 @@
             </a:lvl1pPr>
           </a:lstStyle>
           <a:p>
-            <a:endParaRPr lang="en-US"/>
+            <a:endParaRPr lang="en-US" dirty="0"/>
           </a:p>
         </p:txBody>
       </p:sp>
@@ -2997,7 +3435,7 @@
               <a:rPr lang="en-US" smtClean="0"/>
               <a:t>‹#›</a:t>
             </a:fld>
-            <a:endParaRPr lang="en-US"/>
+            <a:endParaRPr lang="en-US" dirty="0"/>
           </a:p>
         </p:txBody>
       </p:sp>
@@ -3022,6 +3460,7 @@
     <p:sldLayoutId id="2147483658" r:id="rId10"/>
     <p:sldLayoutId id="2147483659" r:id="rId11"/>
   </p:sldLayoutIdLst>
+  <p:hf hdr="0" ftr="0" dt="0"/>
   <p:txStyles>
     <p:titleStyle>
       <a:lvl1pPr algn="l" defTabSz="914400" rtl="0" eaLnBrk="1" latinLnBrk="0" hangingPunct="1">
@@ -3344,7 +3783,9 @@
           <a:lstStyle/>
           <a:p>
             <a:r>
-              <a:rPr lang="en-US" dirty="0"/>
+              <a:rPr lang="en-US" dirty="0">
+                <a:latin typeface="CCMeanwhile" pitchFamily="2" charset="77"/>
+              </a:rPr>
               <a:t>Predicting IMDB Star Ratings</a:t>
             </a:r>
           </a:p>
@@ -3382,6 +3823,2789 @@
     <p:extLst>
       <p:ext uri="{BB962C8B-B14F-4D97-AF65-F5344CB8AC3E}">
         <p14:creationId xmlns:p14="http://schemas.microsoft.com/office/powerpoint/2010/main" val="3691272936"/>
+      </p:ext>
+    </p:extLst>
+  </p:cSld>
+  <p:clrMapOvr>
+    <a:masterClrMapping/>
+  </p:clrMapOvr>
+</p:sld>
+</file>
+
+<file path=ppt/slides/slide10.xml><?xml version="1.0" encoding="utf-8"?>
+<p:sld xmlns:a="http://schemas.openxmlformats.org/drawingml/2006/main" xmlns:r="http://schemas.openxmlformats.org/officeDocument/2006/relationships" xmlns:p="http://schemas.openxmlformats.org/presentationml/2006/main">
+  <p:cSld>
+    <p:spTree>
+      <p:nvGrpSpPr>
+        <p:cNvPr id="1" name=""/>
+        <p:cNvGrpSpPr/>
+        <p:nvPr/>
+      </p:nvGrpSpPr>
+      <p:grpSpPr>
+        <a:xfrm>
+          <a:off x="0" y="0"/>
+          <a:ext cx="0" cy="0"/>
+          <a:chOff x="0" y="0"/>
+          <a:chExt cx="0" cy="0"/>
+        </a:xfrm>
+      </p:grpSpPr>
+      <p:sp>
+        <p:nvSpPr>
+          <p:cNvPr id="2" name="Title 1">
+            <a:extLst>
+              <a:ext uri="{FF2B5EF4-FFF2-40B4-BE49-F238E27FC236}">
+                <a16:creationId xmlns:a16="http://schemas.microsoft.com/office/drawing/2014/main" id="{0E08C3D8-A41F-334B-B9AB-0300C6D036CF}"/>
+              </a:ext>
+            </a:extLst>
+          </p:cNvPr>
+          <p:cNvSpPr>
+            <a:spLocks noGrp="1"/>
+          </p:cNvSpPr>
+          <p:nvPr>
+            <p:ph type="title"/>
+          </p:nvPr>
+        </p:nvSpPr>
+        <p:spPr>
+          <a:xfrm>
+            <a:off x="838200" y="365126"/>
+            <a:ext cx="10515600" cy="351848"/>
+          </a:xfrm>
+        </p:spPr>
+        <p:txBody>
+          <a:bodyPr>
+            <a:normAutofit/>
+          </a:bodyPr>
+          <a:lstStyle/>
+          <a:p>
+            <a:pPr algn="ctr"/>
+            <a:r>
+              <a:rPr lang="en-US" sz="1200" dirty="0">
+                <a:latin typeface="CCMeanwhile" pitchFamily="2" charset="77"/>
+              </a:rPr>
+              <a:t>Linear Equation with Coefficients</a:t>
+            </a:r>
+          </a:p>
+        </p:txBody>
+      </p:sp>
+      <mc:AlternateContent xmlns:mc="http://schemas.openxmlformats.org/markup-compatibility/2006">
+        <mc:Choice xmlns:a14="http://schemas.microsoft.com/office/drawing/2010/main" Requires="a14">
+          <p:sp>
+            <p:nvSpPr>
+              <p:cNvPr id="3" name="Content Placeholder 2">
+                <a:extLst>
+                  <a:ext uri="{FF2B5EF4-FFF2-40B4-BE49-F238E27FC236}">
+                    <a16:creationId xmlns:a16="http://schemas.microsoft.com/office/drawing/2014/main" id="{5694EFCD-EC71-C84D-A1D5-98B3236420DF}"/>
+                  </a:ext>
+                </a:extLst>
+              </p:cNvPr>
+              <p:cNvSpPr>
+                <a:spLocks noGrp="1"/>
+              </p:cNvSpPr>
+              <p:nvPr>
+                <p:ph idx="1"/>
+              </p:nvPr>
+            </p:nvSpPr>
+            <p:spPr>
+              <a:xfrm>
+                <a:off x="528204" y="921760"/>
+                <a:ext cx="11135591" cy="5790767"/>
+              </a:xfrm>
+            </p:spPr>
+            <p:txBody>
+              <a:bodyPr>
+                <a:normAutofit fontScale="92500"/>
+              </a:bodyPr>
+              <a:lstStyle/>
+              <a:p>
+                <a:pPr marL="0" indent="0">
+                  <a:buNone/>
+                </a:pPr>
+                <a14:m>
+                  <m:oMathPara xmlns:m="http://schemas.openxmlformats.org/officeDocument/2006/math">
+                    <m:oMathParaPr>
+                      <m:jc m:val="centerGroup"/>
+                    </m:oMathParaPr>
+                    <m:oMath xmlns:m="http://schemas.openxmlformats.org/officeDocument/2006/math">
+                      <m:r>
+                        <a:rPr lang="en-US" sz="1300" b="0" i="1" smtClean="0">
+                          <a:latin typeface="Cambria Math" panose="02040503050406030204" pitchFamily="18" charset="0"/>
+                        </a:rPr>
+                        <m:t>𝑦</m:t>
+                      </m:r>
+                      <m:r>
+                        <a:rPr lang="en-US" sz="1300" b="0" i="1" smtClean="0">
+                          <a:latin typeface="Cambria Math" panose="02040503050406030204" pitchFamily="18" charset="0"/>
+                        </a:rPr>
+                        <m:t>=</m:t>
+                      </m:r>
+                      <m:r>
+                        <m:rPr>
+                          <m:nor/>
+                        </m:rPr>
+                        <a:rPr lang="en-US" sz="1300" smtClean="0">
+                          <a:latin typeface="Courier" pitchFamily="2" charset="0"/>
+                        </a:rPr>
+                        <m:t>0.0258</m:t>
+                      </m:r>
+                      <m:r>
+                        <m:rPr>
+                          <m:nor/>
+                        </m:rPr>
+                        <a:rPr lang="en-US" sz="1300" b="0" i="0" smtClean="0">
+                          <a:latin typeface="Courier" pitchFamily="2" charset="0"/>
+                        </a:rPr>
+                        <m:t>runtime</m:t>
+                      </m:r>
+                      <m:r>
+                        <m:rPr>
+                          <m:nor/>
+                        </m:rPr>
+                        <a:rPr lang="en-US" sz="1300" b="0" i="0" smtClean="0">
+                          <a:latin typeface="Courier" pitchFamily="2" charset="0"/>
+                        </a:rPr>
+                        <m:t> </m:t>
+                      </m:r>
+                    </m:oMath>
+                  </m:oMathPara>
+                </a14:m>
+                <a:endParaRPr lang="en-US" sz="1300" b="0" i="0" dirty="0">
+                  <a:latin typeface="Courier" pitchFamily="2" charset="0"/>
+                </a:endParaRPr>
+              </a:p>
+              <a:p>
+                <a:pPr marL="0" indent="0">
+                  <a:buNone/>
+                </a:pPr>
+                <a14:m>
+                  <m:oMathPara xmlns:m="http://schemas.openxmlformats.org/officeDocument/2006/math">
+                    <m:oMathParaPr>
+                      <m:jc m:val="centerGroup"/>
+                    </m:oMathParaPr>
+                    <m:oMath xmlns:m="http://schemas.openxmlformats.org/officeDocument/2006/math">
+                      <m:r>
+                        <m:rPr>
+                          <m:nor/>
+                        </m:rPr>
+                        <a:rPr lang="en-US" sz="1300" b="0" i="0" smtClean="0">
+                          <a:latin typeface="Courier" pitchFamily="2" charset="0"/>
+                        </a:rPr>
+                        <m:t>+ 1.878</m:t>
+                      </m:r>
+                      <m:r>
+                        <m:rPr>
+                          <m:nor/>
+                        </m:rPr>
+                        <a:rPr lang="en-US" sz="1300" b="0" i="0" smtClean="0">
+                          <a:latin typeface="Courier" pitchFamily="2" charset="0"/>
+                        </a:rPr>
+                        <m:t>budget</m:t>
+                      </m:r>
+                      <m:r>
+                        <m:rPr>
+                          <m:nor/>
+                        </m:rPr>
+                        <a:rPr lang="en-US" sz="1300" b="0" i="0" smtClean="0">
+                          <a:latin typeface="Courier" pitchFamily="2" charset="0"/>
+                        </a:rPr>
+                        <m:t> </m:t>
+                      </m:r>
+                    </m:oMath>
+                  </m:oMathPara>
+                </a14:m>
+                <a:endParaRPr lang="en-US" sz="1300" b="0" i="0" dirty="0">
+                  <a:latin typeface="Courier" pitchFamily="2" charset="0"/>
+                </a:endParaRPr>
+              </a:p>
+              <a:p>
+                <a:pPr marL="0" indent="0">
+                  <a:buNone/>
+                </a:pPr>
+                <a14:m>
+                  <m:oMathPara xmlns:m="http://schemas.openxmlformats.org/officeDocument/2006/math">
+                    <m:oMathParaPr>
+                      <m:jc m:val="centerGroup"/>
+                    </m:oMathParaPr>
+                    <m:oMath xmlns:m="http://schemas.openxmlformats.org/officeDocument/2006/math">
+                      <m:r>
+                        <m:rPr>
+                          <m:nor/>
+                        </m:rPr>
+                        <a:rPr lang="en-US" sz="1300" b="0" i="0" smtClean="0">
+                          <a:latin typeface="Courier" pitchFamily="2" charset="0"/>
+                        </a:rPr>
+                        <m:t>+ 0.0449</m:t>
+                      </m:r>
+                      <m:r>
+                        <m:rPr>
+                          <m:nor/>
+                        </m:rPr>
+                        <a:rPr lang="en-US" sz="1300" b="0" i="0" smtClean="0">
+                          <a:latin typeface="Courier" pitchFamily="2" charset="0"/>
+                        </a:rPr>
+                        <m:t>August</m:t>
+                      </m:r>
+                      <m:r>
+                        <m:rPr>
+                          <m:nor/>
+                        </m:rPr>
+                        <a:rPr lang="en-US" sz="1300" b="0" i="0" smtClean="0">
+                          <a:latin typeface="Courier" pitchFamily="2" charset="0"/>
+                        </a:rPr>
+                        <m:t> </m:t>
+                      </m:r>
+                    </m:oMath>
+                  </m:oMathPara>
+                </a14:m>
+                <a:endParaRPr lang="en-US" sz="1300" b="0" i="0" dirty="0">
+                  <a:latin typeface="Courier" pitchFamily="2" charset="0"/>
+                </a:endParaRPr>
+              </a:p>
+              <a:p>
+                <a:pPr marL="0" indent="0">
+                  <a:buNone/>
+                </a:pPr>
+                <a14:m>
+                  <m:oMathPara xmlns:m="http://schemas.openxmlformats.org/officeDocument/2006/math">
+                    <m:oMathParaPr>
+                      <m:jc m:val="centerGroup"/>
+                    </m:oMathParaPr>
+                    <m:oMath xmlns:m="http://schemas.openxmlformats.org/officeDocument/2006/math">
+                      <m:r>
+                        <m:rPr>
+                          <m:nor/>
+                        </m:rPr>
+                        <a:rPr lang="en-US" sz="1300" b="0" i="0" smtClean="0">
+                          <a:latin typeface="Courier" pitchFamily="2" charset="0"/>
+                        </a:rPr>
+                        <m:t> - 0.1492</m:t>
+                      </m:r>
+                      <m:r>
+                        <m:rPr>
+                          <m:nor/>
+                        </m:rPr>
+                        <a:rPr lang="en-US" sz="1300" b="0" i="0" smtClean="0">
+                          <a:latin typeface="Courier" pitchFamily="2" charset="0"/>
+                        </a:rPr>
+                        <m:t>December</m:t>
+                      </m:r>
+                      <m:r>
+                        <m:rPr>
+                          <m:nor/>
+                        </m:rPr>
+                        <a:rPr lang="en-US" sz="1300" b="0" i="0" smtClean="0">
+                          <a:latin typeface="Courier" pitchFamily="2" charset="0"/>
+                        </a:rPr>
+                        <m:t> </m:t>
+                      </m:r>
+                    </m:oMath>
+                  </m:oMathPara>
+                </a14:m>
+                <a:endParaRPr lang="en-US" sz="1300" b="0" i="0" dirty="0">
+                  <a:latin typeface="Courier" pitchFamily="2" charset="0"/>
+                </a:endParaRPr>
+              </a:p>
+              <a:p>
+                <a:pPr marL="0" indent="0">
+                  <a:buNone/>
+                </a:pPr>
+                <a14:m>
+                  <m:oMathPara xmlns:m="http://schemas.openxmlformats.org/officeDocument/2006/math">
+                    <m:oMathParaPr>
+                      <m:jc m:val="centerGroup"/>
+                    </m:oMathParaPr>
+                    <m:oMath xmlns:m="http://schemas.openxmlformats.org/officeDocument/2006/math">
+                      <m:r>
+                        <m:rPr>
+                          <m:nor/>
+                        </m:rPr>
+                        <a:rPr lang="en-US" sz="1300" b="0" i="0" smtClean="0">
+                          <a:latin typeface="Courier" pitchFamily="2" charset="0"/>
+                        </a:rPr>
+                        <m:t>0.1206</m:t>
+                      </m:r>
+                      <m:r>
+                        <m:rPr>
+                          <m:nor/>
+                        </m:rPr>
+                        <a:rPr lang="en-US" sz="1300" b="0" i="0" smtClean="0">
+                          <a:latin typeface="Courier" pitchFamily="2" charset="0"/>
+                        </a:rPr>
+                        <m:t>February</m:t>
+                      </m:r>
+                      <m:r>
+                        <m:rPr>
+                          <m:nor/>
+                        </m:rPr>
+                        <a:rPr lang="en-US" sz="1300" b="0" i="0" smtClean="0">
+                          <a:latin typeface="Courier" pitchFamily="2" charset="0"/>
+                        </a:rPr>
+                        <m:t> </m:t>
+                      </m:r>
+                    </m:oMath>
+                  </m:oMathPara>
+                </a14:m>
+                <a:endParaRPr lang="en-US" sz="1300" b="0" i="0" dirty="0">
+                  <a:latin typeface="Courier" pitchFamily="2" charset="0"/>
+                </a:endParaRPr>
+              </a:p>
+              <a:p>
+                <a:pPr marL="0" indent="0">
+                  <a:buNone/>
+                </a:pPr>
+                <a14:m>
+                  <m:oMathPara xmlns:m="http://schemas.openxmlformats.org/officeDocument/2006/math">
+                    <m:oMathParaPr>
+                      <m:jc m:val="centerGroup"/>
+                    </m:oMathParaPr>
+                    <m:oMath xmlns:m="http://schemas.openxmlformats.org/officeDocument/2006/math">
+                      <m:r>
+                        <a:rPr lang="en-US" sz="1300" b="0" i="1" smtClean="0">
+                          <a:latin typeface="Courier" pitchFamily="2" charset="0"/>
+                        </a:rPr>
+                        <m:t>–</m:t>
+                      </m:r>
+                      <m:r>
+                        <m:rPr>
+                          <m:nor/>
+                        </m:rPr>
+                        <a:rPr lang="en-US" sz="1300" b="0" i="0" smtClean="0">
+                          <a:latin typeface="Courier" pitchFamily="2" charset="0"/>
+                        </a:rPr>
+                        <m:t> 0.0363</m:t>
+                      </m:r>
+                      <m:r>
+                        <m:rPr>
+                          <m:nor/>
+                        </m:rPr>
+                        <a:rPr lang="en-US" sz="1300" b="0" i="0" smtClean="0">
+                          <a:latin typeface="Courier" pitchFamily="2" charset="0"/>
+                        </a:rPr>
+                        <m:t>January</m:t>
+                      </m:r>
+                      <m:r>
+                        <m:rPr>
+                          <m:nor/>
+                        </m:rPr>
+                        <a:rPr lang="en-US" sz="1300" b="0" i="0" smtClean="0">
+                          <a:latin typeface="Courier" pitchFamily="2" charset="0"/>
+                        </a:rPr>
+                        <m:t> </m:t>
+                      </m:r>
+                    </m:oMath>
+                  </m:oMathPara>
+                </a14:m>
+                <a:endParaRPr lang="en-US" sz="1300" b="0" i="0" dirty="0">
+                  <a:latin typeface="Courier" pitchFamily="2" charset="0"/>
+                </a:endParaRPr>
+              </a:p>
+              <a:p>
+                <a:pPr marL="0" indent="0">
+                  <a:buNone/>
+                </a:pPr>
+                <a14:m>
+                  <m:oMathPara xmlns:m="http://schemas.openxmlformats.org/officeDocument/2006/math">
+                    <m:oMathParaPr>
+                      <m:jc m:val="centerGroup"/>
+                    </m:oMathParaPr>
+                    <m:oMath xmlns:m="http://schemas.openxmlformats.org/officeDocument/2006/math">
+                      <m:r>
+                        <m:rPr>
+                          <m:nor/>
+                        </m:rPr>
+                        <a:rPr lang="en-US" sz="1300" b="0" i="0" smtClean="0">
+                          <a:latin typeface="Courier" pitchFamily="2" charset="0"/>
+                        </a:rPr>
+                        <m:t>-0.0672</m:t>
+                      </m:r>
+                      <m:r>
+                        <m:rPr>
+                          <m:nor/>
+                        </m:rPr>
+                        <a:rPr lang="en-US" sz="1300" b="0" i="0" smtClean="0">
+                          <a:latin typeface="Courier" pitchFamily="2" charset="0"/>
+                        </a:rPr>
+                        <m:t>July</m:t>
+                      </m:r>
+                      <m:r>
+                        <m:rPr>
+                          <m:nor/>
+                        </m:rPr>
+                        <a:rPr lang="en-US" sz="1300" b="0" i="0" smtClean="0">
+                          <a:latin typeface="Courier" pitchFamily="2" charset="0"/>
+                        </a:rPr>
+                        <m:t> </m:t>
+                      </m:r>
+                    </m:oMath>
+                  </m:oMathPara>
+                </a14:m>
+                <a:endParaRPr lang="en-US" sz="1300" b="0" i="0" dirty="0">
+                  <a:latin typeface="Courier" pitchFamily="2" charset="0"/>
+                </a:endParaRPr>
+              </a:p>
+              <a:p>
+                <a:pPr marL="0" indent="0">
+                  <a:buNone/>
+                </a:pPr>
+                <a14:m>
+                  <m:oMathPara xmlns:m="http://schemas.openxmlformats.org/officeDocument/2006/math">
+                    <m:oMathParaPr>
+                      <m:jc m:val="centerGroup"/>
+                    </m:oMathParaPr>
+                    <m:oMath xmlns:m="http://schemas.openxmlformats.org/officeDocument/2006/math">
+                      <m:r>
+                        <a:rPr lang="en-US" sz="1300" b="0" i="1" smtClean="0">
+                          <a:latin typeface="Courier" pitchFamily="2" charset="0"/>
+                        </a:rPr>
+                        <m:t>–</m:t>
+                      </m:r>
+                      <m:r>
+                        <m:rPr>
+                          <m:nor/>
+                        </m:rPr>
+                        <a:rPr lang="en-US" sz="1300" b="0" i="0" smtClean="0">
+                          <a:latin typeface="Courier" pitchFamily="2" charset="0"/>
+                        </a:rPr>
+                        <m:t> 0.0296</m:t>
+                      </m:r>
+                      <m:r>
+                        <m:rPr>
+                          <m:nor/>
+                        </m:rPr>
+                        <a:rPr lang="en-US" sz="1300" b="0" i="0" smtClean="0">
+                          <a:latin typeface="Courier" pitchFamily="2" charset="0"/>
+                        </a:rPr>
+                        <m:t>June</m:t>
+                      </m:r>
+                      <m:r>
+                        <m:rPr>
+                          <m:nor/>
+                        </m:rPr>
+                        <a:rPr lang="en-US" sz="1300" b="0" i="0" smtClean="0">
+                          <a:latin typeface="Courier" pitchFamily="2" charset="0"/>
+                        </a:rPr>
+                        <m:t> </m:t>
+                      </m:r>
+                    </m:oMath>
+                  </m:oMathPara>
+                </a14:m>
+                <a:endParaRPr lang="en-US" sz="1300" b="0" i="0" dirty="0">
+                  <a:latin typeface="Courier" pitchFamily="2" charset="0"/>
+                </a:endParaRPr>
+              </a:p>
+              <a:p>
+                <a:pPr marL="0" indent="0">
+                  <a:buNone/>
+                </a:pPr>
+                <a14:m>
+                  <m:oMathPara xmlns:m="http://schemas.openxmlformats.org/officeDocument/2006/math">
+                    <m:oMathParaPr>
+                      <m:jc m:val="centerGroup"/>
+                    </m:oMathParaPr>
+                    <m:oMath xmlns:m="http://schemas.openxmlformats.org/officeDocument/2006/math">
+                      <m:r>
+                        <a:rPr lang="en-US" sz="1300" b="0" i="1" smtClean="0">
+                          <a:latin typeface="Courier" pitchFamily="2" charset="0"/>
+                        </a:rPr>
+                        <m:t>–</m:t>
+                      </m:r>
+                      <m:r>
+                        <m:rPr>
+                          <m:nor/>
+                        </m:rPr>
+                        <a:rPr lang="en-US" sz="1300" b="0" i="0" smtClean="0">
+                          <a:latin typeface="Courier" pitchFamily="2" charset="0"/>
+                        </a:rPr>
+                        <m:t> 0.0638</m:t>
+                      </m:r>
+                      <m:r>
+                        <m:rPr>
+                          <m:nor/>
+                        </m:rPr>
+                        <a:rPr lang="en-US" sz="1300" b="0" i="0" smtClean="0">
+                          <a:latin typeface="Courier" pitchFamily="2" charset="0"/>
+                        </a:rPr>
+                        <m:t>March</m:t>
+                      </m:r>
+                      <m:r>
+                        <m:rPr>
+                          <m:nor/>
+                        </m:rPr>
+                        <a:rPr lang="en-US" sz="1300" b="0" i="0" smtClean="0">
+                          <a:latin typeface="Courier" pitchFamily="2" charset="0"/>
+                        </a:rPr>
+                        <m:t> </m:t>
+                      </m:r>
+                    </m:oMath>
+                  </m:oMathPara>
+                </a14:m>
+                <a:endParaRPr lang="en-US" sz="1300" b="0" i="0" dirty="0">
+                  <a:latin typeface="Courier" pitchFamily="2" charset="0"/>
+                </a:endParaRPr>
+              </a:p>
+              <a:p>
+                <a:pPr marL="0" indent="0">
+                  <a:buNone/>
+                </a:pPr>
+                <a14:m>
+                  <m:oMathPara xmlns:m="http://schemas.openxmlformats.org/officeDocument/2006/math">
+                    <m:oMathParaPr>
+                      <m:jc m:val="centerGroup"/>
+                    </m:oMathParaPr>
+                    <m:oMath xmlns:m="http://schemas.openxmlformats.org/officeDocument/2006/math">
+                      <m:r>
+                        <a:rPr lang="en-US" sz="1300" b="0" i="1" smtClean="0">
+                          <a:latin typeface="Courier" pitchFamily="2" charset="0"/>
+                        </a:rPr>
+                        <m:t>–</m:t>
+                      </m:r>
+                      <m:r>
+                        <m:rPr>
+                          <m:nor/>
+                        </m:rPr>
+                        <a:rPr lang="en-US" sz="1300" b="0" i="0" smtClean="0">
+                          <a:latin typeface="Courier" pitchFamily="2" charset="0"/>
+                        </a:rPr>
+                        <m:t> 0.1692</m:t>
+                      </m:r>
+                      <m:r>
+                        <m:rPr>
+                          <m:nor/>
+                        </m:rPr>
+                        <a:rPr lang="en-US" sz="1300" b="0" i="0" smtClean="0">
+                          <a:latin typeface="Courier" pitchFamily="2" charset="0"/>
+                        </a:rPr>
+                        <m:t>May</m:t>
+                      </m:r>
+                      <m:r>
+                        <m:rPr>
+                          <m:nor/>
+                        </m:rPr>
+                        <a:rPr lang="en-US" sz="1300" b="0" i="0" smtClean="0">
+                          <a:latin typeface="Courier" pitchFamily="2" charset="0"/>
+                        </a:rPr>
+                        <m:t> </m:t>
+                      </m:r>
+                    </m:oMath>
+                  </m:oMathPara>
+                </a14:m>
+                <a:endParaRPr lang="en-US" sz="1300" b="0" i="0" dirty="0">
+                  <a:latin typeface="Courier" pitchFamily="2" charset="0"/>
+                </a:endParaRPr>
+              </a:p>
+              <a:p>
+                <a:pPr marL="0" indent="0">
+                  <a:buNone/>
+                </a:pPr>
+                <a14:m>
+                  <m:oMathPara xmlns:m="http://schemas.openxmlformats.org/officeDocument/2006/math">
+                    <m:oMathParaPr>
+                      <m:jc m:val="centerGroup"/>
+                    </m:oMathParaPr>
+                    <m:oMath xmlns:m="http://schemas.openxmlformats.org/officeDocument/2006/math">
+                      <m:r>
+                        <a:rPr lang="en-US" sz="1300" b="0" i="1" smtClean="0">
+                          <a:latin typeface="Cambria Math" panose="02040503050406030204" pitchFamily="18" charset="0"/>
+                        </a:rPr>
+                        <m:t>+</m:t>
+                      </m:r>
+                      <m:r>
+                        <m:rPr>
+                          <m:nor/>
+                        </m:rPr>
+                        <a:rPr lang="en-US" sz="1300" b="0" i="0" smtClean="0">
+                          <a:latin typeface="Courier" pitchFamily="2" charset="0"/>
+                        </a:rPr>
+                        <m:t> 0.06582</m:t>
+                      </m:r>
+                      <m:r>
+                        <m:rPr>
+                          <m:nor/>
+                        </m:rPr>
+                        <a:rPr lang="en-US" sz="1300" b="0" i="0" smtClean="0">
+                          <a:latin typeface="Courier" pitchFamily="2" charset="0"/>
+                        </a:rPr>
+                        <m:t>November</m:t>
+                      </m:r>
+                      <m:r>
+                        <m:rPr>
+                          <m:nor/>
+                        </m:rPr>
+                        <a:rPr lang="en-US" sz="1300" b="0" i="0" smtClean="0">
+                          <a:latin typeface="Courier" pitchFamily="2" charset="0"/>
+                        </a:rPr>
+                        <m:t> </m:t>
+                      </m:r>
+                    </m:oMath>
+                  </m:oMathPara>
+                </a14:m>
+                <a:endParaRPr lang="en-US" sz="1300" b="0" i="0" dirty="0">
+                  <a:latin typeface="Courier" pitchFamily="2" charset="0"/>
+                </a:endParaRPr>
+              </a:p>
+              <a:p>
+                <a:pPr marL="0" indent="0">
+                  <a:buNone/>
+                </a:pPr>
+                <a14:m>
+                  <m:oMathPara xmlns:m="http://schemas.openxmlformats.org/officeDocument/2006/math">
+                    <m:oMathParaPr>
+                      <m:jc m:val="centerGroup"/>
+                    </m:oMathParaPr>
+                    <m:oMath xmlns:m="http://schemas.openxmlformats.org/officeDocument/2006/math">
+                      <m:r>
+                        <a:rPr lang="en-US" sz="1300" b="0" i="1" smtClean="0">
+                          <a:latin typeface="Cambria Math" panose="02040503050406030204" pitchFamily="18" charset="0"/>
+                        </a:rPr>
+                        <m:t>+</m:t>
+                      </m:r>
+                      <m:r>
+                        <m:rPr>
+                          <m:nor/>
+                        </m:rPr>
+                        <a:rPr lang="en-US" sz="1300" b="0" i="0" smtClean="0">
+                          <a:latin typeface="Courier" pitchFamily="2" charset="0"/>
+                        </a:rPr>
+                        <m:t> 0.0294</m:t>
+                      </m:r>
+                      <m:r>
+                        <m:rPr>
+                          <m:nor/>
+                        </m:rPr>
+                        <a:rPr lang="en-US" sz="1300" b="0" i="0" smtClean="0">
+                          <a:latin typeface="Courier" pitchFamily="2" charset="0"/>
+                        </a:rPr>
+                        <m:t>October</m:t>
+                      </m:r>
+                      <m:r>
+                        <m:rPr>
+                          <m:nor/>
+                        </m:rPr>
+                        <a:rPr lang="en-US" sz="1300" b="0" i="0" smtClean="0">
+                          <a:latin typeface="Courier" pitchFamily="2" charset="0"/>
+                        </a:rPr>
+                        <m:t> </m:t>
+                      </m:r>
+                    </m:oMath>
+                  </m:oMathPara>
+                </a14:m>
+                <a:endParaRPr lang="en-US" sz="1300" b="0" i="0" dirty="0">
+                  <a:latin typeface="Courier" pitchFamily="2" charset="0"/>
+                </a:endParaRPr>
+              </a:p>
+              <a:p>
+                <a:pPr marL="0" indent="0">
+                  <a:buNone/>
+                </a:pPr>
+                <a14:m>
+                  <m:oMathPara xmlns:m="http://schemas.openxmlformats.org/officeDocument/2006/math">
+                    <m:oMathParaPr>
+                      <m:jc m:val="centerGroup"/>
+                    </m:oMathParaPr>
+                    <m:oMath xmlns:m="http://schemas.openxmlformats.org/officeDocument/2006/math">
+                      <m:r>
+                        <a:rPr lang="en-US" sz="1300" b="0" i="1" smtClean="0">
+                          <a:latin typeface="Cambria Math" panose="02040503050406030204" pitchFamily="18" charset="0"/>
+                        </a:rPr>
+                        <m:t>+</m:t>
+                      </m:r>
+                      <m:r>
+                        <m:rPr>
+                          <m:nor/>
+                        </m:rPr>
+                        <a:rPr lang="en-US" sz="1300" b="0" i="0" smtClean="0">
+                          <a:latin typeface="Courier" pitchFamily="2" charset="0"/>
+                        </a:rPr>
+                        <m:t> 0.005259</m:t>
+                      </m:r>
+                      <m:r>
+                        <m:rPr>
+                          <m:nor/>
+                        </m:rPr>
+                        <a:rPr lang="en-US" sz="1300" b="0" i="0" smtClean="0">
+                          <a:latin typeface="Courier" pitchFamily="2" charset="0"/>
+                        </a:rPr>
+                        <m:t>September</m:t>
+                      </m:r>
+                      <m:r>
+                        <m:rPr>
+                          <m:nor/>
+                        </m:rPr>
+                        <a:rPr lang="en-US" sz="1300" b="0" i="0" smtClean="0">
+                          <a:latin typeface="Courier" pitchFamily="2" charset="0"/>
+                        </a:rPr>
+                        <m:t> </m:t>
+                      </m:r>
+                    </m:oMath>
+                  </m:oMathPara>
+                </a14:m>
+                <a:endParaRPr lang="en-US" sz="1300" b="0" i="0" dirty="0">
+                  <a:latin typeface="Courier" pitchFamily="2" charset="0"/>
+                </a:endParaRPr>
+              </a:p>
+              <a:p>
+                <a:pPr marL="0" indent="0">
+                  <a:buNone/>
+                </a:pPr>
+                <a14:m>
+                  <m:oMathPara xmlns:m="http://schemas.openxmlformats.org/officeDocument/2006/math">
+                    <m:oMathParaPr>
+                      <m:jc m:val="centerGroup"/>
+                    </m:oMathParaPr>
+                    <m:oMath xmlns:m="http://schemas.openxmlformats.org/officeDocument/2006/math">
+                      <m:r>
+                        <a:rPr lang="en-US" sz="1300" b="0" i="1" smtClean="0">
+                          <a:latin typeface="Cambria Math" panose="02040503050406030204" pitchFamily="18" charset="0"/>
+                        </a:rPr>
+                        <m:t>+</m:t>
+                      </m:r>
+                      <m:r>
+                        <m:rPr>
+                          <m:nor/>
+                        </m:rPr>
+                        <a:rPr lang="en-US" sz="1300" b="0" i="0" smtClean="0">
+                          <a:latin typeface="Courier" pitchFamily="2" charset="0"/>
+                        </a:rPr>
+                        <m:t> 0.3251</m:t>
+                      </m:r>
+                      <m:r>
+                        <m:rPr>
+                          <m:nor/>
+                        </m:rPr>
+                        <a:rPr lang="en-US" sz="1300" b="0" i="0" smtClean="0">
+                          <a:latin typeface="Courier" pitchFamily="2" charset="0"/>
+                        </a:rPr>
+                        <m:t>Adventure</m:t>
+                      </m:r>
+                      <m:r>
+                        <m:rPr>
+                          <m:nor/>
+                        </m:rPr>
+                        <a:rPr lang="en-US" sz="1300" b="0" i="0" smtClean="0">
+                          <a:latin typeface="Courier" pitchFamily="2" charset="0"/>
+                        </a:rPr>
+                        <m:t> </m:t>
+                      </m:r>
+                    </m:oMath>
+                  </m:oMathPara>
+                </a14:m>
+                <a:endParaRPr lang="en-US" sz="1300" b="0" i="0" dirty="0">
+                  <a:latin typeface="Courier" pitchFamily="2" charset="0"/>
+                </a:endParaRPr>
+              </a:p>
+              <a:p>
+                <a:pPr marL="0" indent="0">
+                  <a:buNone/>
+                </a:pPr>
+                <a14:m>
+                  <m:oMathPara xmlns:m="http://schemas.openxmlformats.org/officeDocument/2006/math">
+                    <m:oMathParaPr>
+                      <m:jc m:val="centerGroup"/>
+                    </m:oMathParaPr>
+                    <m:oMath xmlns:m="http://schemas.openxmlformats.org/officeDocument/2006/math">
+                      <m:r>
+                        <m:rPr>
+                          <m:nor/>
+                        </m:rPr>
+                        <a:rPr lang="en-US" sz="1300" b="0" i="0" smtClean="0">
+                          <a:latin typeface="Courier" pitchFamily="2" charset="0"/>
+                        </a:rPr>
+                        <m:t>+ 0.8829</m:t>
+                      </m:r>
+                      <m:r>
+                        <m:rPr>
+                          <m:nor/>
+                        </m:rPr>
+                        <a:rPr lang="en-US" sz="1300" b="0" i="0" smtClean="0">
+                          <a:latin typeface="Courier" pitchFamily="2" charset="0"/>
+                        </a:rPr>
+                        <m:t>Animation</m:t>
+                      </m:r>
+                      <m:r>
+                        <m:rPr>
+                          <m:nor/>
+                        </m:rPr>
+                        <a:rPr lang="en-US" sz="1300" b="0" i="0" smtClean="0">
+                          <a:latin typeface="Courier" pitchFamily="2" charset="0"/>
+                        </a:rPr>
+                        <m:t> </m:t>
+                      </m:r>
+                    </m:oMath>
+                  </m:oMathPara>
+                </a14:m>
+                <a:endParaRPr lang="en-US" sz="1300" b="0" i="0" dirty="0">
+                  <a:latin typeface="Courier" pitchFamily="2" charset="0"/>
+                </a:endParaRPr>
+              </a:p>
+              <a:p>
+                <a:pPr marL="0" indent="0">
+                  <a:buNone/>
+                </a:pPr>
+                <a14:m>
+                  <m:oMathPara xmlns:m="http://schemas.openxmlformats.org/officeDocument/2006/math">
+                    <m:oMathParaPr>
+                      <m:jc m:val="centerGroup"/>
+                    </m:oMathParaPr>
+                    <m:oMath xmlns:m="http://schemas.openxmlformats.org/officeDocument/2006/math">
+                      <m:r>
+                        <m:rPr>
+                          <m:nor/>
+                        </m:rPr>
+                        <a:rPr lang="en-US" sz="1300" b="0" i="0" smtClean="0">
+                          <a:latin typeface="Courier" pitchFamily="2" charset="0"/>
+                        </a:rPr>
+                        <m:t>+ 0.7957</m:t>
+                      </m:r>
+                      <m:r>
+                        <m:rPr>
+                          <m:nor/>
+                        </m:rPr>
+                        <a:rPr lang="en-US" sz="1300" b="0" i="0" smtClean="0">
+                          <a:latin typeface="Courier" pitchFamily="2" charset="0"/>
+                        </a:rPr>
+                        <m:t>Biography</m:t>
+                      </m:r>
+                      <m:r>
+                        <m:rPr>
+                          <m:nor/>
+                        </m:rPr>
+                        <a:rPr lang="en-US" sz="1300" b="0" i="0" smtClean="0">
+                          <a:latin typeface="Courier" pitchFamily="2" charset="0"/>
+                        </a:rPr>
+                        <m:t> </m:t>
+                      </m:r>
+                    </m:oMath>
+                  </m:oMathPara>
+                </a14:m>
+                <a:endParaRPr lang="en-US" sz="1300" b="0" i="0" dirty="0">
+                  <a:latin typeface="Courier" pitchFamily="2" charset="0"/>
+                </a:endParaRPr>
+              </a:p>
+              <a:p>
+                <a:pPr marL="0" indent="0">
+                  <a:buNone/>
+                </a:pPr>
+                <a14:m>
+                  <m:oMathPara xmlns:m="http://schemas.openxmlformats.org/officeDocument/2006/math">
+                    <m:oMathParaPr>
+                      <m:jc m:val="centerGroup"/>
+                    </m:oMathParaPr>
+                    <m:oMath xmlns:m="http://schemas.openxmlformats.org/officeDocument/2006/math">
+                      <m:r>
+                        <m:rPr>
+                          <m:nor/>
+                        </m:rPr>
+                        <a:rPr lang="en-US" sz="1300" b="0" i="0" smtClean="0">
+                          <a:latin typeface="Courier" pitchFamily="2" charset="0"/>
+                        </a:rPr>
+                        <m:t>+ 0.2936</m:t>
+                      </m:r>
+                      <m:r>
+                        <m:rPr>
+                          <m:nor/>
+                        </m:rPr>
+                        <a:rPr lang="en-US" sz="1300" b="0" i="0" smtClean="0">
+                          <a:latin typeface="Courier" pitchFamily="2" charset="0"/>
+                        </a:rPr>
+                        <m:t>Comedy</m:t>
+                      </m:r>
+                      <m:r>
+                        <m:rPr>
+                          <m:nor/>
+                        </m:rPr>
+                        <a:rPr lang="en-US" sz="1300" b="0" i="0" smtClean="0">
+                          <a:latin typeface="Courier" pitchFamily="2" charset="0"/>
+                        </a:rPr>
+                        <m:t> </m:t>
+                      </m:r>
+                    </m:oMath>
+                  </m:oMathPara>
+                </a14:m>
+                <a:endParaRPr lang="en-US" sz="1300" b="0" i="0" dirty="0">
+                  <a:latin typeface="Courier" pitchFamily="2" charset="0"/>
+                </a:endParaRPr>
+              </a:p>
+              <a:p>
+                <a:pPr marL="0" indent="0">
+                  <a:buNone/>
+                </a:pPr>
+                <a14:m>
+                  <m:oMathPara xmlns:m="http://schemas.openxmlformats.org/officeDocument/2006/math">
+                    <m:oMathParaPr>
+                      <m:jc m:val="centerGroup"/>
+                    </m:oMathParaPr>
+                    <m:oMath xmlns:m="http://schemas.openxmlformats.org/officeDocument/2006/math">
+                      <m:r>
+                        <m:rPr>
+                          <m:nor/>
+                        </m:rPr>
+                        <a:rPr lang="en-US" sz="1300" b="0" i="0" smtClean="0">
+                          <a:latin typeface="Courier" pitchFamily="2" charset="0"/>
+                        </a:rPr>
+                        <m:t>+ 0.3785</m:t>
+                      </m:r>
+                      <m:r>
+                        <m:rPr>
+                          <m:nor/>
+                        </m:rPr>
+                        <a:rPr lang="en-US" sz="1300" b="0" i="0" smtClean="0">
+                          <a:latin typeface="Courier" pitchFamily="2" charset="0"/>
+                        </a:rPr>
+                        <m:t>Crime</m:t>
+                      </m:r>
+                      <m:r>
+                        <m:rPr>
+                          <m:nor/>
+                        </m:rPr>
+                        <a:rPr lang="en-US" sz="1300" b="0" i="0" smtClean="0">
+                          <a:latin typeface="Courier" pitchFamily="2" charset="0"/>
+                        </a:rPr>
+                        <m:t> </m:t>
+                      </m:r>
+                    </m:oMath>
+                  </m:oMathPara>
+                </a14:m>
+                <a:endParaRPr lang="en-US" sz="1300" b="0" i="0" dirty="0">
+                  <a:latin typeface="Courier" pitchFamily="2" charset="0"/>
+                </a:endParaRPr>
+              </a:p>
+              <a:p>
+                <a:pPr marL="0" indent="0">
+                  <a:buNone/>
+                </a:pPr>
+                <a14:m>
+                  <m:oMathPara xmlns:m="http://schemas.openxmlformats.org/officeDocument/2006/math">
+                    <m:oMathParaPr>
+                      <m:jc m:val="centerGroup"/>
+                    </m:oMathParaPr>
+                    <m:oMath xmlns:m="http://schemas.openxmlformats.org/officeDocument/2006/math">
+                      <m:r>
+                        <m:rPr>
+                          <m:nor/>
+                        </m:rPr>
+                        <a:rPr lang="en-US" sz="1300" b="0" i="0" smtClean="0">
+                          <a:latin typeface="Courier" pitchFamily="2" charset="0"/>
+                        </a:rPr>
+                        <m:t>+ 0.5407</m:t>
+                      </m:r>
+                      <m:r>
+                        <m:rPr>
+                          <m:nor/>
+                        </m:rPr>
+                        <a:rPr lang="en-US" sz="1300" b="0" i="0" smtClean="0">
+                          <a:latin typeface="Courier" pitchFamily="2" charset="0"/>
+                        </a:rPr>
+                        <m:t>Drama</m:t>
+                      </m:r>
+                      <m:r>
+                        <m:rPr>
+                          <m:nor/>
+                        </m:rPr>
+                        <a:rPr lang="en-US" sz="1300" b="0" i="0" smtClean="0">
+                          <a:latin typeface="Courier" pitchFamily="2" charset="0"/>
+                        </a:rPr>
+                        <m:t> </m:t>
+                      </m:r>
+                    </m:oMath>
+                  </m:oMathPara>
+                </a14:m>
+                <a:endParaRPr lang="en-US" sz="1300" b="0" i="0" dirty="0">
+                  <a:latin typeface="Courier" pitchFamily="2" charset="0"/>
+                </a:endParaRPr>
+              </a:p>
+              <a:p>
+                <a:pPr marL="0" indent="0">
+                  <a:buNone/>
+                </a:pPr>
+                <a14:m>
+                  <m:oMathPara xmlns:m="http://schemas.openxmlformats.org/officeDocument/2006/math">
+                    <m:oMathParaPr>
+                      <m:jc m:val="centerGroup"/>
+                    </m:oMathParaPr>
+                    <m:oMath xmlns:m="http://schemas.openxmlformats.org/officeDocument/2006/math">
+                      <m:r>
+                        <m:rPr>
+                          <m:nor/>
+                        </m:rPr>
+                        <a:rPr lang="en-US" sz="1300" b="0" i="0" smtClean="0">
+                          <a:latin typeface="Courier" pitchFamily="2" charset="0"/>
+                        </a:rPr>
+                        <m:t>- 0.3144</m:t>
+                      </m:r>
+                      <m:r>
+                        <m:rPr>
+                          <m:nor/>
+                        </m:rPr>
+                        <a:rPr lang="en-US" sz="1300" b="0" i="0" smtClean="0">
+                          <a:latin typeface="Courier" pitchFamily="2" charset="0"/>
+                        </a:rPr>
+                        <m:t>Family</m:t>
+                      </m:r>
+                      <m:r>
+                        <m:rPr>
+                          <m:nor/>
+                        </m:rPr>
+                        <a:rPr lang="en-US" sz="1300" b="0" i="0" smtClean="0">
+                          <a:latin typeface="Courier" pitchFamily="2" charset="0"/>
+                        </a:rPr>
+                        <m:t> </m:t>
+                      </m:r>
+                    </m:oMath>
+                  </m:oMathPara>
+                </a14:m>
+                <a:endParaRPr lang="en-US" sz="1300" b="0" i="0" dirty="0">
+                  <a:latin typeface="Courier" pitchFamily="2" charset="0"/>
+                </a:endParaRPr>
+              </a:p>
+              <a:p>
+                <a:pPr marL="0" indent="0">
+                  <a:buNone/>
+                </a:pPr>
+                <a14:m>
+                  <m:oMathPara xmlns:m="http://schemas.openxmlformats.org/officeDocument/2006/math">
+                    <m:oMathParaPr>
+                      <m:jc m:val="centerGroup"/>
+                    </m:oMathParaPr>
+                    <m:oMath xmlns:m="http://schemas.openxmlformats.org/officeDocument/2006/math">
+                      <m:r>
+                        <m:rPr>
+                          <m:nor/>
+                        </m:rPr>
+                        <a:rPr lang="en-US" sz="1300" b="0" i="0" smtClean="0">
+                          <a:latin typeface="Courier" pitchFamily="2" charset="0"/>
+                        </a:rPr>
+                        <m:t>- 0.42562</m:t>
+                      </m:r>
+                      <m:r>
+                        <m:rPr>
+                          <m:nor/>
+                        </m:rPr>
+                        <a:rPr lang="en-US" sz="1300" b="0" i="0" smtClean="0">
+                          <a:latin typeface="Courier" pitchFamily="2" charset="0"/>
+                        </a:rPr>
+                        <m:t>Fantasy</m:t>
+                      </m:r>
+                      <m:r>
+                        <m:rPr>
+                          <m:nor/>
+                        </m:rPr>
+                        <a:rPr lang="en-US" sz="1300" b="0" i="0" smtClean="0">
+                          <a:latin typeface="Courier" pitchFamily="2" charset="0"/>
+                        </a:rPr>
+                        <m:t> </m:t>
+                      </m:r>
+                    </m:oMath>
+                  </m:oMathPara>
+                </a14:m>
+                <a:endParaRPr lang="en-US" sz="1300" b="0" i="0" dirty="0">
+                  <a:latin typeface="Courier" pitchFamily="2" charset="0"/>
+                </a:endParaRPr>
+              </a:p>
+              <a:p>
+                <a:pPr marL="0" indent="0">
+                  <a:buNone/>
+                </a:pPr>
+                <a14:m>
+                  <m:oMathPara xmlns:m="http://schemas.openxmlformats.org/officeDocument/2006/math">
+                    <m:oMathParaPr>
+                      <m:jc m:val="centerGroup"/>
+                    </m:oMathParaPr>
+                    <m:oMath xmlns:m="http://schemas.openxmlformats.org/officeDocument/2006/math">
+                      <m:r>
+                        <a:rPr lang="en-US" sz="1300" b="0" i="1" smtClean="0">
+                          <a:latin typeface="Courier" pitchFamily="2" charset="0"/>
+                        </a:rPr>
+                        <m:t>–</m:t>
+                      </m:r>
+                      <m:r>
+                        <m:rPr>
+                          <m:nor/>
+                        </m:rPr>
+                        <a:rPr lang="en-US" sz="1300" b="0" i="0" smtClean="0">
+                          <a:latin typeface="Courier" pitchFamily="2" charset="0"/>
+                        </a:rPr>
+                        <m:t> 0.08323</m:t>
+                      </m:r>
+                      <m:r>
+                        <m:rPr>
+                          <m:nor/>
+                        </m:rPr>
+                        <a:rPr lang="en-US" sz="1300" b="0" i="0" smtClean="0">
+                          <a:latin typeface="Courier" pitchFamily="2" charset="0"/>
+                        </a:rPr>
+                        <m:t>Horror</m:t>
+                      </m:r>
+                      <m:r>
+                        <m:rPr>
+                          <m:nor/>
+                        </m:rPr>
+                        <a:rPr lang="en-US" sz="1300" b="0" i="0" smtClean="0">
+                          <a:latin typeface="Courier" pitchFamily="2" charset="0"/>
+                        </a:rPr>
+                        <m:t> </m:t>
+                      </m:r>
+                    </m:oMath>
+                  </m:oMathPara>
+                </a14:m>
+                <a:endParaRPr lang="en-US" sz="1300" b="0" i="0" dirty="0">
+                  <a:latin typeface="Courier" pitchFamily="2" charset="0"/>
+                </a:endParaRPr>
+              </a:p>
+              <a:p>
+                <a:pPr marL="0" indent="0">
+                  <a:buNone/>
+                </a:pPr>
+                <a14:m>
+                  <m:oMathPara xmlns:m="http://schemas.openxmlformats.org/officeDocument/2006/math">
+                    <m:oMathParaPr>
+                      <m:jc m:val="centerGroup"/>
+                    </m:oMathParaPr>
+                    <m:oMath xmlns:m="http://schemas.openxmlformats.org/officeDocument/2006/math">
+                      <m:r>
+                        <m:rPr>
+                          <m:nor/>
+                        </m:rPr>
+                        <a:rPr lang="en-US" sz="1300" b="0" i="0" smtClean="0">
+                          <a:latin typeface="Courier" pitchFamily="2" charset="0"/>
+                        </a:rPr>
+                        <m:t>+ 1.6462</m:t>
+                      </m:r>
+                      <m:r>
+                        <m:rPr>
+                          <m:nor/>
+                        </m:rPr>
+                        <a:rPr lang="en-US" sz="1300" b="0" i="0" smtClean="0">
+                          <a:latin typeface="Courier" pitchFamily="2" charset="0"/>
+                        </a:rPr>
+                        <m:t>Music</m:t>
+                      </m:r>
+                      <m:r>
+                        <m:rPr>
+                          <m:nor/>
+                        </m:rPr>
+                        <a:rPr lang="en-US" sz="1300" b="0" i="0" smtClean="0">
+                          <a:latin typeface="Courier" pitchFamily="2" charset="0"/>
+                        </a:rPr>
+                        <m:t> </m:t>
+                      </m:r>
+                    </m:oMath>
+                  </m:oMathPara>
+                </a14:m>
+                <a:endParaRPr lang="en-US" sz="1300" b="0" i="0" dirty="0">
+                  <a:latin typeface="Courier" pitchFamily="2" charset="0"/>
+                </a:endParaRPr>
+              </a:p>
+              <a:p>
+                <a:pPr marL="0" indent="0">
+                  <a:buNone/>
+                </a:pPr>
+                <a14:m>
+                  <m:oMathPara xmlns:m="http://schemas.openxmlformats.org/officeDocument/2006/math">
+                    <m:oMathParaPr>
+                      <m:jc m:val="centerGroup"/>
+                    </m:oMathParaPr>
+                    <m:oMath xmlns:m="http://schemas.openxmlformats.org/officeDocument/2006/math">
+                      <m:r>
+                        <m:rPr>
+                          <m:nor/>
+                        </m:rPr>
+                        <a:rPr lang="en-US" sz="1300" b="0" i="0" smtClean="0">
+                          <a:latin typeface="Courier" pitchFamily="2" charset="0"/>
+                        </a:rPr>
+                        <m:t>+ 2.198</m:t>
+                      </m:r>
+                      <m:r>
+                        <m:rPr>
+                          <m:nor/>
+                        </m:rPr>
+                        <a:rPr lang="en-US" sz="1300" b="0" i="0" smtClean="0">
+                          <a:latin typeface="Courier" pitchFamily="2" charset="0"/>
+                        </a:rPr>
+                        <m:t>Musical</m:t>
+                      </m:r>
+                      <m:r>
+                        <m:rPr>
+                          <m:nor/>
+                        </m:rPr>
+                        <a:rPr lang="en-US" sz="1300" b="0" i="0" smtClean="0">
+                          <a:latin typeface="Courier" pitchFamily="2" charset="0"/>
+                        </a:rPr>
+                        <m:t> </m:t>
+                      </m:r>
+                    </m:oMath>
+                  </m:oMathPara>
+                </a14:m>
+                <a:endParaRPr lang="en-US" sz="1300" b="0" i="0" dirty="0">
+                  <a:latin typeface="Courier" pitchFamily="2" charset="0"/>
+                </a:endParaRPr>
+              </a:p>
+              <a:p>
+                <a:pPr marL="0" indent="0">
+                  <a:buNone/>
+                </a:pPr>
+                <a14:m>
+                  <m:oMathPara xmlns:m="http://schemas.openxmlformats.org/officeDocument/2006/math">
+                    <m:oMathParaPr>
+                      <m:jc m:val="centerGroup"/>
+                    </m:oMathParaPr>
+                    <m:oMath xmlns:m="http://schemas.openxmlformats.org/officeDocument/2006/math">
+                      <m:r>
+                        <m:rPr>
+                          <m:nor/>
+                        </m:rPr>
+                        <a:rPr lang="en-US" sz="1300" b="0" i="0" smtClean="0">
+                          <a:latin typeface="Courier" pitchFamily="2" charset="0"/>
+                        </a:rPr>
+                        <m:t>+ 1.003</m:t>
+                      </m:r>
+                      <m:r>
+                        <m:rPr>
+                          <m:nor/>
+                        </m:rPr>
+                        <a:rPr lang="en-US" sz="1300" b="0" i="0" smtClean="0">
+                          <a:latin typeface="Courier" pitchFamily="2" charset="0"/>
+                        </a:rPr>
+                        <m:t>Myster</m:t>
+                      </m:r>
+                      <m:r>
+                        <m:rPr>
+                          <m:nor/>
+                        </m:rPr>
+                        <a:rPr lang="en-US" sz="1300" b="0" i="0" smtClean="0">
+                          <a:latin typeface="Courier" pitchFamily="2" charset="0"/>
+                        </a:rPr>
+                        <m:t> </m:t>
+                      </m:r>
+                    </m:oMath>
+                  </m:oMathPara>
+                </a14:m>
+                <a:endParaRPr lang="en-US" sz="1300" b="0" i="0" dirty="0">
+                  <a:latin typeface="Courier" pitchFamily="2" charset="0"/>
+                </a:endParaRPr>
+              </a:p>
+              <a:p>
+                <a:pPr marL="0" indent="0">
+                  <a:buNone/>
+                </a:pPr>
+                <a14:m>
+                  <m:oMathPara xmlns:m="http://schemas.openxmlformats.org/officeDocument/2006/math">
+                    <m:oMathParaPr>
+                      <m:jc m:val="centerGroup"/>
+                    </m:oMathParaPr>
+                    <m:oMath xmlns:m="http://schemas.openxmlformats.org/officeDocument/2006/math">
+                      <m:r>
+                        <m:rPr>
+                          <m:nor/>
+                        </m:rPr>
+                        <a:rPr lang="en-US" sz="1300" b="0" i="0" smtClean="0">
+                          <a:latin typeface="Courier" pitchFamily="2" charset="0"/>
+                        </a:rPr>
+                        <m:t>+ 0.45469</m:t>
+                      </m:r>
+                      <m:r>
+                        <m:rPr>
+                          <m:nor/>
+                        </m:rPr>
+                        <a:rPr lang="en-US" sz="1300" b="0" i="0" smtClean="0">
+                          <a:latin typeface="Courier" pitchFamily="2" charset="0"/>
+                        </a:rPr>
+                        <m:t>Romance</m:t>
+                      </m:r>
+                      <m:r>
+                        <m:rPr>
+                          <m:nor/>
+                        </m:rPr>
+                        <a:rPr lang="en-US" sz="1300" b="0" i="0" smtClean="0">
+                          <a:latin typeface="Courier" pitchFamily="2" charset="0"/>
+                        </a:rPr>
+                        <m:t> </m:t>
+                      </m:r>
+                    </m:oMath>
+                  </m:oMathPara>
+                </a14:m>
+                <a:endParaRPr lang="en-US" sz="1300" b="0" i="0" dirty="0">
+                  <a:latin typeface="Courier" pitchFamily="2" charset="0"/>
+                </a:endParaRPr>
+              </a:p>
+              <a:p>
+                <a:pPr marL="0" indent="0">
+                  <a:buNone/>
+                </a:pPr>
+                <a14:m>
+                  <m:oMathPara xmlns:m="http://schemas.openxmlformats.org/officeDocument/2006/math">
+                    <m:oMathParaPr>
+                      <m:jc m:val="centerGroup"/>
+                    </m:oMathParaPr>
+                    <m:oMath xmlns:m="http://schemas.openxmlformats.org/officeDocument/2006/math">
+                      <m:r>
+                        <m:rPr>
+                          <m:nor/>
+                        </m:rPr>
+                        <a:rPr lang="en-US" sz="1300" b="0" i="0" smtClean="0">
+                          <a:latin typeface="Courier" pitchFamily="2" charset="0"/>
+                        </a:rPr>
+                        <m:t>+ 0.9918</m:t>
+                      </m:r>
+                      <m:r>
+                        <m:rPr>
+                          <m:nor/>
+                        </m:rPr>
+                        <a:rPr lang="en-US" sz="1300" b="0" i="0" smtClean="0">
+                          <a:latin typeface="Courier" pitchFamily="2" charset="0"/>
+                        </a:rPr>
+                        <m:t>Sci</m:t>
+                      </m:r>
+                      <m:r>
+                        <m:rPr>
+                          <m:nor/>
+                        </m:rPr>
+                        <a:rPr lang="en-US" sz="1300" b="0" i="0" smtClean="0">
+                          <a:latin typeface="Courier" pitchFamily="2" charset="0"/>
+                        </a:rPr>
+                        <m:t>-</m:t>
+                      </m:r>
+                      <m:r>
+                        <m:rPr>
+                          <m:nor/>
+                        </m:rPr>
+                        <a:rPr lang="en-US" sz="1300" b="0" i="0" smtClean="0">
+                          <a:latin typeface="Courier" pitchFamily="2" charset="0"/>
+                        </a:rPr>
+                        <m:t>Fi</m:t>
+                      </m:r>
+                      <m:r>
+                        <m:rPr>
+                          <m:nor/>
+                        </m:rPr>
+                        <a:rPr lang="en-US" sz="1300" b="0" i="0" smtClean="0">
+                          <a:latin typeface="Courier" pitchFamily="2" charset="0"/>
+                        </a:rPr>
+                        <m:t> </m:t>
+                      </m:r>
+                    </m:oMath>
+                  </m:oMathPara>
+                </a14:m>
+                <a:endParaRPr lang="en-US" sz="1300" b="0" i="0" dirty="0">
+                  <a:latin typeface="Courier" pitchFamily="2" charset="0"/>
+                </a:endParaRPr>
+              </a:p>
+              <a:p>
+                <a:pPr marL="0" indent="0">
+                  <a:buNone/>
+                </a:pPr>
+                <a14:m>
+                  <m:oMathPara xmlns:m="http://schemas.openxmlformats.org/officeDocument/2006/math">
+                    <m:oMathParaPr>
+                      <m:jc m:val="centerGroup"/>
+                    </m:oMathParaPr>
+                    <m:oMath xmlns:m="http://schemas.openxmlformats.org/officeDocument/2006/math">
+                      <m:r>
+                        <m:rPr>
+                          <m:nor/>
+                        </m:rPr>
+                        <a:rPr lang="en-US" sz="1300" b="0" i="0" smtClean="0">
+                          <a:latin typeface="Courier" pitchFamily="2" charset="0"/>
+                        </a:rPr>
+                        <m:t>+ 1.93200</m:t>
+                      </m:r>
+                      <m:r>
+                        <m:rPr>
+                          <m:nor/>
+                        </m:rPr>
+                        <a:rPr lang="en-US" sz="1300" b="0" i="0" smtClean="0">
+                          <a:latin typeface="Courier" pitchFamily="2" charset="0"/>
+                        </a:rPr>
+                        <m:t>Sport</m:t>
+                      </m:r>
+                      <m:r>
+                        <m:rPr>
+                          <m:nor/>
+                        </m:rPr>
+                        <a:rPr lang="en-US" sz="1300" b="0" i="0" smtClean="0">
+                          <a:latin typeface="Courier" pitchFamily="2" charset="0"/>
+                        </a:rPr>
+                        <m:t> </m:t>
+                      </m:r>
+                    </m:oMath>
+                  </m:oMathPara>
+                </a14:m>
+                <a:endParaRPr lang="en-US" sz="1300" b="0" i="0" dirty="0">
+                  <a:latin typeface="Courier" pitchFamily="2" charset="0"/>
+                </a:endParaRPr>
+              </a:p>
+              <a:p>
+                <a:pPr marL="0" indent="0">
+                  <a:buNone/>
+                </a:pPr>
+                <a14:m>
+                  <m:oMathPara xmlns:m="http://schemas.openxmlformats.org/officeDocument/2006/math">
+                    <m:oMathParaPr>
+                      <m:jc m:val="centerGroup"/>
+                    </m:oMathParaPr>
+                    <m:oMath xmlns:m="http://schemas.openxmlformats.org/officeDocument/2006/math">
+                      <m:r>
+                        <a:rPr lang="en-US" sz="1300" b="0" i="1" smtClean="0">
+                          <a:latin typeface="Courier" pitchFamily="2" charset="0"/>
+                        </a:rPr>
+                        <m:t>–</m:t>
+                      </m:r>
+                      <m:r>
+                        <m:rPr>
+                          <m:nor/>
+                        </m:rPr>
+                        <a:rPr lang="en-US" sz="1300" b="0" i="0" smtClean="0">
+                          <a:latin typeface="Courier" pitchFamily="2" charset="0"/>
+                        </a:rPr>
+                        <m:t> 0.53621</m:t>
+                      </m:r>
+                      <m:r>
+                        <m:rPr>
+                          <m:nor/>
+                        </m:rPr>
+                        <a:rPr lang="en-US" sz="1300" b="0" i="0" smtClean="0">
+                          <a:latin typeface="Courier" pitchFamily="2" charset="0"/>
+                        </a:rPr>
+                        <m:t>Thriller</m:t>
+                      </m:r>
+                      <m:r>
+                        <m:rPr>
+                          <m:nor/>
+                        </m:rPr>
+                        <a:rPr lang="en-US" sz="1300" b="0" i="0" smtClean="0">
+                          <a:latin typeface="Courier" pitchFamily="2" charset="0"/>
+                        </a:rPr>
+                        <m:t> </m:t>
+                      </m:r>
+                    </m:oMath>
+                  </m:oMathPara>
+                </a14:m>
+                <a:endParaRPr lang="en-US" sz="1300" b="0" i="0" dirty="0">
+                  <a:latin typeface="Courier" pitchFamily="2" charset="0"/>
+                </a:endParaRPr>
+              </a:p>
+              <a:p>
+                <a:pPr marL="0" indent="0">
+                  <a:buNone/>
+                </a:pPr>
+                <a14:m>
+                  <m:oMathPara xmlns:m="http://schemas.openxmlformats.org/officeDocument/2006/math">
+                    <m:oMathParaPr>
+                      <m:jc m:val="centerGroup"/>
+                    </m:oMathParaPr>
+                    <m:oMath xmlns:m="http://schemas.openxmlformats.org/officeDocument/2006/math">
+                      <m:r>
+                        <a:rPr lang="en-US" sz="1300" b="0" i="1" smtClean="0">
+                          <a:latin typeface="Courier" pitchFamily="2" charset="0"/>
+                        </a:rPr>
+                        <m:t>–</m:t>
+                      </m:r>
+                      <m:r>
+                        <m:rPr>
+                          <m:nor/>
+                        </m:rPr>
+                        <a:rPr lang="en-US" sz="1300" b="0" i="0" smtClean="0">
+                          <a:latin typeface="Courier" pitchFamily="2" charset="0"/>
+                        </a:rPr>
+                        <m:t> 1.778</m:t>
+                      </m:r>
+                      <m:r>
+                        <m:rPr>
+                          <m:nor/>
+                        </m:rPr>
+                        <a:rPr lang="en-US" sz="1300" b="0" i="0" smtClean="0">
+                          <a:latin typeface="Courier" pitchFamily="2" charset="0"/>
+                        </a:rPr>
+                        <m:t>Wester</m:t>
+                      </m:r>
+                      <m:r>
+                        <m:rPr>
+                          <m:nor/>
+                        </m:rPr>
+                        <a:rPr lang="en-US" sz="1300" b="0" i="0" smtClean="0">
+                          <a:latin typeface="Courier" pitchFamily="2" charset="0"/>
+                        </a:rPr>
+                        <m:t> </m:t>
+                      </m:r>
+                    </m:oMath>
+                  </m:oMathPara>
+                </a14:m>
+                <a:endParaRPr lang="en-US" sz="1300" b="0" i="0" dirty="0">
+                  <a:latin typeface="Courier" pitchFamily="2" charset="0"/>
+                </a:endParaRPr>
+              </a:p>
+              <a:p>
+                <a:pPr marL="0" indent="0">
+                  <a:buNone/>
+                </a:pPr>
+                <a14:m>
+                  <m:oMathPara xmlns:m="http://schemas.openxmlformats.org/officeDocument/2006/math">
+                    <m:oMathParaPr>
+                      <m:jc m:val="centerGroup"/>
+                    </m:oMathParaPr>
+                    <m:oMath xmlns:m="http://schemas.openxmlformats.org/officeDocument/2006/math">
+                      <m:r>
+                        <a:rPr lang="en-US" sz="1300" b="0" i="1" smtClean="0">
+                          <a:latin typeface="Courier" pitchFamily="2" charset="0"/>
+                        </a:rPr>
+                        <m:t>–</m:t>
+                      </m:r>
+                      <m:r>
+                        <m:rPr>
+                          <m:nor/>
+                        </m:rPr>
+                        <a:rPr lang="en-US" sz="1300" b="0" i="0" smtClean="0">
+                          <a:latin typeface="Courier" pitchFamily="2" charset="0"/>
+                        </a:rPr>
+                        <m:t> 1.146</m:t>
+                      </m:r>
+                      <m:r>
+                        <m:rPr>
+                          <m:nor/>
+                        </m:rPr>
+                        <a:rPr lang="en-US" sz="1300" b="0" i="0" smtClean="0">
+                          <a:latin typeface="Courier" pitchFamily="2" charset="0"/>
+                        </a:rPr>
+                        <m:t>PG</m:t>
+                      </m:r>
+                      <m:r>
+                        <m:rPr>
+                          <m:nor/>
+                        </m:rPr>
+                        <a:rPr lang="en-US" sz="1300" b="0" i="0" smtClean="0">
+                          <a:latin typeface="Courier" pitchFamily="2" charset="0"/>
+                        </a:rPr>
+                        <m:t> </m:t>
+                      </m:r>
+                    </m:oMath>
+                  </m:oMathPara>
+                </a14:m>
+                <a:endParaRPr lang="en-US" sz="1300" b="0" i="0" dirty="0">
+                  <a:latin typeface="Courier" pitchFamily="2" charset="0"/>
+                </a:endParaRPr>
+              </a:p>
+              <a:p>
+                <a:pPr marL="0" indent="0" algn="ctr">
+                  <a:buNone/>
+                </a:pPr>
+                <a14:m>
+                  <m:oMathPara xmlns:m="http://schemas.openxmlformats.org/officeDocument/2006/math">
+                    <m:oMathParaPr>
+                      <m:jc m:val="centerGroup"/>
+                    </m:oMathParaPr>
+                    <m:oMath xmlns:m="http://schemas.openxmlformats.org/officeDocument/2006/math">
+                      <m:r>
+                        <a:rPr lang="en-US" sz="1300" b="0" i="0" smtClean="0">
+                          <a:latin typeface="Cambria Math" panose="02040503050406030204" pitchFamily="18" charset="0"/>
+                        </a:rPr>
+                        <m:t>− </m:t>
+                      </m:r>
+                      <m:r>
+                        <m:rPr>
+                          <m:nor/>
+                        </m:rPr>
+                        <a:rPr lang="en-US" sz="1300" b="0" i="0" smtClean="0">
+                          <a:latin typeface="Courier" pitchFamily="2" charset="0"/>
+                        </a:rPr>
+                        <m:t>0.977</m:t>
+                      </m:r>
+                      <m:r>
+                        <m:rPr>
+                          <m:nor/>
+                        </m:rPr>
+                        <a:rPr lang="en-US" sz="1300" b="0" i="0" smtClean="0">
+                          <a:latin typeface="Courier" pitchFamily="2" charset="0"/>
+                        </a:rPr>
+                        <m:t>PG</m:t>
+                      </m:r>
+                      <m:r>
+                        <m:rPr>
+                          <m:nor/>
+                        </m:rPr>
+                        <a:rPr lang="en-US" sz="1300" b="0" i="0" smtClean="0">
+                          <a:latin typeface="Courier" pitchFamily="2" charset="0"/>
+                        </a:rPr>
+                        <m:t>-13 </m:t>
+                      </m:r>
+                    </m:oMath>
+                  </m:oMathPara>
+                </a14:m>
+                <a:endParaRPr lang="en-US" sz="1300" b="0" i="0" dirty="0">
+                  <a:latin typeface="Courier" pitchFamily="2" charset="0"/>
+                </a:endParaRPr>
+              </a:p>
+              <a:p>
+                <a:pPr marL="0" indent="0">
+                  <a:buNone/>
+                </a:pPr>
+                <a14:m>
+                  <m:oMathPara xmlns:m="http://schemas.openxmlformats.org/officeDocument/2006/math">
+                    <m:oMathParaPr>
+                      <m:jc m:val="centerGroup"/>
+                    </m:oMathParaPr>
+                    <m:oMath xmlns:m="http://schemas.openxmlformats.org/officeDocument/2006/math">
+                      <m:r>
+                        <a:rPr lang="en-US" sz="1300" b="0" i="1" smtClean="0">
+                          <a:latin typeface="Courier" pitchFamily="2" charset="0"/>
+                        </a:rPr>
+                        <m:t>–</m:t>
+                      </m:r>
+                      <m:r>
+                        <m:rPr>
+                          <m:nor/>
+                        </m:rPr>
+                        <a:rPr lang="en-US" sz="1300" b="0" i="0" smtClean="0">
+                          <a:latin typeface="Courier" pitchFamily="2" charset="0"/>
+                        </a:rPr>
+                        <m:t> 0.9303</m:t>
+                      </m:r>
+                      <m:r>
+                        <m:rPr>
+                          <m:nor/>
+                        </m:rPr>
+                        <a:rPr lang="en-US" sz="1300" b="0" i="0" smtClean="0">
+                          <a:latin typeface="Courier" pitchFamily="2" charset="0"/>
+                        </a:rPr>
+                        <m:t>R</m:t>
+                      </m:r>
+                      <m:r>
+                        <m:rPr>
+                          <m:nor/>
+                        </m:rPr>
+                        <a:rPr lang="en-US" sz="1300" b="0" i="0" smtClean="0">
+                          <a:latin typeface="Courier" pitchFamily="2" charset="0"/>
+                        </a:rPr>
+                        <m:t> + 0.18929</m:t>
+                      </m:r>
+                      <m:r>
+                        <m:rPr>
+                          <m:nor/>
+                        </m:rPr>
+                        <a:rPr lang="en-US" sz="1300" b="0" i="0" smtClean="0">
+                          <a:latin typeface="Courier" pitchFamily="2" charset="0"/>
+                        </a:rPr>
+                        <m:t>star</m:t>
+                      </m:r>
+                      <m:r>
+                        <m:rPr>
+                          <m:nor/>
+                        </m:rPr>
+                        <a:rPr lang="en-US" sz="1300" b="0" i="0" smtClean="0">
+                          <a:latin typeface="Courier" pitchFamily="2" charset="0"/>
+                        </a:rPr>
+                        <m:t>_</m:t>
+                      </m:r>
+                      <m:r>
+                        <m:rPr>
+                          <m:nor/>
+                        </m:rPr>
+                        <a:rPr lang="en-US" sz="1300" b="0" i="0" smtClean="0">
+                          <a:latin typeface="Courier" pitchFamily="2" charset="0"/>
+                        </a:rPr>
+                        <m:t>power</m:t>
+                      </m:r>
+                      <m:r>
+                        <m:rPr>
+                          <m:nor/>
+                        </m:rPr>
+                        <a:rPr lang="en-US" sz="1300" b="0" i="0" smtClean="0">
+                          <a:latin typeface="Courier" pitchFamily="2" charset="0"/>
+                        </a:rPr>
+                        <m:t> + 0.10356*</m:t>
+                      </m:r>
+                      <m:r>
+                        <m:rPr>
+                          <m:nor/>
+                        </m:rPr>
+                        <a:rPr lang="en-US" sz="1300" b="0" i="0" smtClean="0">
+                          <a:latin typeface="Courier" pitchFamily="2" charset="0"/>
+                        </a:rPr>
+                        <m:t>cast</m:t>
+                      </m:r>
+                      <m:r>
+                        <m:rPr>
+                          <m:nor/>
+                        </m:rPr>
+                        <a:rPr lang="en-US" sz="1300" b="0" i="0" smtClean="0">
+                          <a:latin typeface="Courier" pitchFamily="2" charset="0"/>
+                        </a:rPr>
+                        <m:t>1_</m:t>
+                      </m:r>
+                      <m:r>
+                        <m:rPr>
+                          <m:nor/>
+                        </m:rPr>
+                        <a:rPr lang="en-US" sz="1300" b="0" i="0" smtClean="0">
+                          <a:latin typeface="Courier" pitchFamily="2" charset="0"/>
+                        </a:rPr>
+                        <m:t>starpower</m:t>
+                      </m:r>
+                      <m:r>
+                        <m:rPr>
+                          <m:nor/>
+                        </m:rPr>
+                        <a:rPr lang="en-US" sz="1300" b="0" i="0" smtClean="0">
+                          <a:latin typeface="Courier" pitchFamily="2" charset="0"/>
+                        </a:rPr>
+                        <m:t> +0*(</m:t>
+                      </m:r>
+                      <m:r>
+                        <m:rPr>
+                          <m:nor/>
+                        </m:rPr>
+                        <a:rPr lang="en-US" sz="1300" b="0" i="0" smtClean="0">
+                          <a:latin typeface="Courier" pitchFamily="2" charset="0"/>
+                        </a:rPr>
+                        <m:t>cast</m:t>
+                      </m:r>
+                      <m:r>
+                        <m:rPr>
+                          <m:nor/>
+                        </m:rPr>
+                        <a:rPr lang="en-US" sz="1300" b="0" i="0" smtClean="0">
+                          <a:latin typeface="Courier" pitchFamily="2" charset="0"/>
+                        </a:rPr>
+                        <m:t>2_</m:t>
+                      </m:r>
+                      <m:r>
+                        <m:rPr>
+                          <m:nor/>
+                        </m:rPr>
+                        <a:rPr lang="en-US" sz="1300" b="0" i="0" smtClean="0">
+                          <a:latin typeface="Courier" pitchFamily="2" charset="0"/>
+                        </a:rPr>
+                        <m:t>starpower</m:t>
+                      </m:r>
+                      <m:r>
+                        <m:rPr>
+                          <m:nor/>
+                        </m:rPr>
+                        <a:rPr lang="en-US" sz="1300" b="0" i="0" smtClean="0">
+                          <a:latin typeface="Courier" pitchFamily="2" charset="0"/>
+                        </a:rPr>
+                        <m:t> + </m:t>
+                      </m:r>
+                      <m:r>
+                        <m:rPr>
+                          <m:nor/>
+                        </m:rPr>
+                        <a:rPr lang="en-US" sz="1300" b="0" i="0" smtClean="0">
+                          <a:latin typeface="Courier" pitchFamily="2" charset="0"/>
+                        </a:rPr>
+                        <m:t>cast</m:t>
+                      </m:r>
+                      <m:r>
+                        <m:rPr>
+                          <m:nor/>
+                        </m:rPr>
+                        <a:rPr lang="en-US" sz="1300" b="0" i="0" smtClean="0">
+                          <a:latin typeface="Courier" pitchFamily="2" charset="0"/>
+                        </a:rPr>
+                        <m:t>3_</m:t>
+                      </m:r>
+                      <m:r>
+                        <m:rPr>
+                          <m:nor/>
+                        </m:rPr>
+                        <a:rPr lang="en-US" sz="1300" b="0" i="0" smtClean="0">
+                          <a:latin typeface="Courier" pitchFamily="2" charset="0"/>
+                        </a:rPr>
+                        <m:t>starpower</m:t>
+                      </m:r>
+                      <m:r>
+                        <m:rPr>
+                          <m:nor/>
+                        </m:rPr>
+                        <a:rPr lang="en-US" sz="1300" b="0" i="0" smtClean="0">
+                          <a:latin typeface="Courier" pitchFamily="2" charset="0"/>
+                        </a:rPr>
+                        <m:t>) + 0.14988</m:t>
+                      </m:r>
+                      <m:r>
+                        <m:rPr>
+                          <m:nor/>
+                        </m:rPr>
+                        <a:rPr lang="en-US" sz="1300" b="0" i="0" smtClean="0">
+                          <a:latin typeface="Courier" pitchFamily="2" charset="0"/>
+                        </a:rPr>
+                        <m:t>budget</m:t>
+                      </m:r>
+                      <m:r>
+                        <m:rPr>
+                          <m:nor/>
+                        </m:rPr>
+                        <a:rPr lang="en-US" sz="1300" b="0" i="0" smtClean="0">
+                          <a:latin typeface="Courier" pitchFamily="2" charset="0"/>
+                        </a:rPr>
+                        <m:t> </m:t>
+                      </m:r>
+                    </m:oMath>
+                  </m:oMathPara>
+                </a14:m>
+                <a:endParaRPr lang="en-US" sz="1300" b="0" i="0" dirty="0">
+                  <a:latin typeface="Courier" pitchFamily="2" charset="0"/>
+                </a:endParaRPr>
+              </a:p>
+              <a:p>
+                <a:pPr marL="0" indent="0">
+                  <a:buNone/>
+                </a:pPr>
+                <a14:m>
+                  <m:oMathPara xmlns:m="http://schemas.openxmlformats.org/officeDocument/2006/math">
+                    <m:oMathParaPr>
+                      <m:jc m:val="centerGroup"/>
+                    </m:oMathParaPr>
+                    <m:oMath xmlns:m="http://schemas.openxmlformats.org/officeDocument/2006/math">
+                      <m:r>
+                        <m:rPr>
+                          <m:nor/>
+                        </m:rPr>
+                        <a:rPr lang="en-US" sz="1300" b="0" i="0" smtClean="0">
+                          <a:latin typeface="Courier" pitchFamily="2" charset="0"/>
+                        </a:rPr>
+                        <m:t>+ 1.5468</m:t>
+                      </m:r>
+                    </m:oMath>
+                  </m:oMathPara>
+                </a14:m>
+                <a:endParaRPr lang="en-US" sz="1300" dirty="0">
+                  <a:latin typeface="Courier" pitchFamily="2" charset="0"/>
+                </a:endParaRPr>
+              </a:p>
+            </p:txBody>
+          </p:sp>
+        </mc:Choice>
+        <mc:Fallback>
+          <p:sp>
+            <p:nvSpPr>
+              <p:cNvPr id="3" name="Content Placeholder 2">
+                <a:extLst>
+                  <a:ext uri="{FF2B5EF4-FFF2-40B4-BE49-F238E27FC236}">
+                    <a16:creationId xmlns:a16="http://schemas.microsoft.com/office/drawing/2014/main" id="{5694EFCD-EC71-C84D-A1D5-98B3236420DF}"/>
+                  </a:ext>
+                </a:extLst>
+              </p:cNvPr>
+              <p:cNvSpPr>
+                <a:spLocks noGrp="1" noRot="1" noChangeAspect="1" noMove="1" noResize="1" noEditPoints="1" noAdjustHandles="1" noChangeArrowheads="1" noChangeShapeType="1" noTextEdit="1"/>
+              </p:cNvSpPr>
+              <p:nvPr>
+                <p:ph idx="1"/>
+              </p:nvPr>
+            </p:nvSpPr>
+            <p:spPr>
+              <a:xfrm>
+                <a:off x="528204" y="921760"/>
+                <a:ext cx="11135591" cy="5790767"/>
+              </a:xfrm>
+              <a:blipFill>
+                <a:blip r:embed="rId2"/>
+                <a:stretch>
+                  <a:fillRect/>
+                </a:stretch>
+              </a:blipFill>
+            </p:spPr>
+            <p:txBody>
+              <a:bodyPr/>
+              <a:lstStyle/>
+              <a:p>
+                <a:r>
+                  <a:rPr lang="en-US">
+                    <a:noFill/>
+                  </a:rPr>
+                  <a:t> </a:t>
+                </a:r>
+              </a:p>
+            </p:txBody>
+          </p:sp>
+        </mc:Fallback>
+      </mc:AlternateContent>
+      <p:sp>
+        <p:nvSpPr>
+          <p:cNvPr id="4" name="Slide Number Placeholder 3">
+            <a:extLst>
+              <a:ext uri="{FF2B5EF4-FFF2-40B4-BE49-F238E27FC236}">
+                <a16:creationId xmlns:a16="http://schemas.microsoft.com/office/drawing/2014/main" id="{A72FD0EB-46BF-1243-B7F4-33717C6A1556}"/>
+              </a:ext>
+            </a:extLst>
+          </p:cNvPr>
+          <p:cNvSpPr>
+            <a:spLocks noGrp="1"/>
+          </p:cNvSpPr>
+          <p:nvPr>
+            <p:ph type="sldNum" sz="quarter" idx="12"/>
+          </p:nvPr>
+        </p:nvSpPr>
+        <p:spPr/>
+        <p:txBody>
+          <a:bodyPr/>
+          <a:lstStyle/>
+          <a:p>
+            <a:fld id="{8FD628FE-D6DE-D844-B3CE-80CC651E15E2}" type="slidenum">
+              <a:rPr lang="en-US" smtClean="0"/>
+              <a:t>10</a:t>
+            </a:fld>
+            <a:endParaRPr lang="en-US" dirty="0"/>
+          </a:p>
+        </p:txBody>
+      </p:sp>
+    </p:spTree>
+    <p:extLst>
+      <p:ext uri="{BB962C8B-B14F-4D97-AF65-F5344CB8AC3E}">
+        <p14:creationId xmlns:p14="http://schemas.microsoft.com/office/powerpoint/2010/main" val="2568640398"/>
+      </p:ext>
+    </p:extLst>
+  </p:cSld>
+  <p:clrMapOvr>
+    <a:masterClrMapping/>
+  </p:clrMapOvr>
+</p:sld>
+</file>
+
+<file path=ppt/slides/slide11.xml><?xml version="1.0" encoding="utf-8"?>
+<p:sld xmlns:a="http://schemas.openxmlformats.org/drawingml/2006/main" xmlns:r="http://schemas.openxmlformats.org/officeDocument/2006/relationships" xmlns:p="http://schemas.openxmlformats.org/presentationml/2006/main">
+  <p:cSld>
+    <p:spTree>
+      <p:nvGrpSpPr>
+        <p:cNvPr id="1" name=""/>
+        <p:cNvGrpSpPr/>
+        <p:nvPr/>
+      </p:nvGrpSpPr>
+      <p:grpSpPr>
+        <a:xfrm>
+          <a:off x="0" y="0"/>
+          <a:ext cx="0" cy="0"/>
+          <a:chOff x="0" y="0"/>
+          <a:chExt cx="0" cy="0"/>
+        </a:xfrm>
+      </p:grpSpPr>
+      <p:sp>
+        <p:nvSpPr>
+          <p:cNvPr id="2" name="Title 1">
+            <a:extLst>
+              <a:ext uri="{FF2B5EF4-FFF2-40B4-BE49-F238E27FC236}">
+                <a16:creationId xmlns:a16="http://schemas.microsoft.com/office/drawing/2014/main" id="{0BB9EEC6-FB63-924C-AA19-18474F96CFE3}"/>
+              </a:ext>
+            </a:extLst>
+          </p:cNvPr>
+          <p:cNvSpPr>
+            <a:spLocks noGrp="1"/>
+          </p:cNvSpPr>
+          <p:nvPr>
+            <p:ph type="title"/>
+          </p:nvPr>
+        </p:nvSpPr>
+        <p:spPr/>
+        <p:txBody>
+          <a:bodyPr/>
+          <a:lstStyle/>
+          <a:p>
+            <a:pPr algn="ctr"/>
+            <a:r>
+              <a:rPr lang="en-US" dirty="0">
+                <a:latin typeface="CCMeanwhile" pitchFamily="2" charset="77"/>
+              </a:rPr>
+              <a:t>Final Test Score</a:t>
+            </a:r>
+          </a:p>
+        </p:txBody>
+      </p:sp>
+      <mc:AlternateContent xmlns:mc="http://schemas.openxmlformats.org/markup-compatibility/2006">
+        <mc:Choice xmlns:a14="http://schemas.microsoft.com/office/drawing/2010/main" Requires="a14">
+          <p:sp>
+            <p:nvSpPr>
+              <p:cNvPr id="3" name="Content Placeholder 2">
+                <a:extLst>
+                  <a:ext uri="{FF2B5EF4-FFF2-40B4-BE49-F238E27FC236}">
+                    <a16:creationId xmlns:a16="http://schemas.microsoft.com/office/drawing/2014/main" id="{7D93368E-86CF-9543-AECA-E6ED4571F178}"/>
+                  </a:ext>
+                </a:extLst>
+              </p:cNvPr>
+              <p:cNvSpPr>
+                <a:spLocks noGrp="1"/>
+              </p:cNvSpPr>
+              <p:nvPr>
+                <p:ph idx="1"/>
+              </p:nvPr>
+            </p:nvSpPr>
+            <p:spPr/>
+            <p:txBody>
+              <a:bodyPr>
+                <a:normAutofit/>
+              </a:bodyPr>
+              <a:lstStyle/>
+              <a:p>
+                <a:pPr marL="0" indent="0">
+                  <a:buNone/>
+                </a:pPr>
+                <a14:m>
+                  <m:oMathPara xmlns:m="http://schemas.openxmlformats.org/officeDocument/2006/math">
+                    <m:oMathParaPr>
+                      <m:jc m:val="centerGroup"/>
+                    </m:oMathParaPr>
+                    <m:oMath xmlns:m="http://schemas.openxmlformats.org/officeDocument/2006/math">
+                      <m:sSup>
+                        <m:sSupPr>
+                          <m:ctrlPr>
+                            <a:rPr lang="en-US" sz="5400" b="0" i="1" smtClean="0">
+                              <a:latin typeface="Cambria Math" panose="02040503050406030204" pitchFamily="18" charset="0"/>
+                            </a:rPr>
+                          </m:ctrlPr>
+                        </m:sSupPr>
+                        <m:e>
+                          <m:r>
+                            <a:rPr lang="en-US" sz="5400" b="0" i="1" smtClean="0">
+                              <a:latin typeface="Cambria Math" panose="02040503050406030204" pitchFamily="18" charset="0"/>
+                            </a:rPr>
+                            <m:t>𝑅</m:t>
+                          </m:r>
+                        </m:e>
+                        <m:sup>
+                          <m:r>
+                            <a:rPr lang="en-US" sz="5400" b="0" i="1" smtClean="0">
+                              <a:latin typeface="Cambria Math" panose="02040503050406030204" pitchFamily="18" charset="0"/>
+                            </a:rPr>
+                            <m:t>2</m:t>
+                          </m:r>
+                        </m:sup>
+                      </m:sSup>
+                      <m:r>
+                        <a:rPr lang="en-US" sz="5400" b="0" i="1" smtClean="0">
+                          <a:latin typeface="Cambria Math" panose="02040503050406030204" pitchFamily="18" charset="0"/>
+                        </a:rPr>
+                        <m:t>=0.363</m:t>
+                      </m:r>
+                    </m:oMath>
+                  </m:oMathPara>
+                </a14:m>
+                <a:endParaRPr lang="en-US" sz="5400" dirty="0"/>
+              </a:p>
+              <a:p>
+                <a:pPr marL="0" indent="0">
+                  <a:buNone/>
+                </a:pPr>
+                <a:endParaRPr lang="en-US" sz="5400" dirty="0"/>
+              </a:p>
+              <a:p>
+                <a:pPr marL="0" indent="0">
+                  <a:buNone/>
+                </a:pPr>
+                <a:r>
+                  <a:rPr lang="en-US" sz="5400" dirty="0"/>
+                  <a:t>Better than guessing, where you have a 1/100 chance of getting it right.</a:t>
+                </a:r>
+              </a:p>
+            </p:txBody>
+          </p:sp>
+        </mc:Choice>
+        <mc:Fallback>
+          <p:sp>
+            <p:nvSpPr>
+              <p:cNvPr id="3" name="Content Placeholder 2">
+                <a:extLst>
+                  <a:ext uri="{FF2B5EF4-FFF2-40B4-BE49-F238E27FC236}">
+                    <a16:creationId xmlns:a16="http://schemas.microsoft.com/office/drawing/2014/main" id="{7D93368E-86CF-9543-AECA-E6ED4571F178}"/>
+                  </a:ext>
+                </a:extLst>
+              </p:cNvPr>
+              <p:cNvSpPr>
+                <a:spLocks noGrp="1" noRot="1" noChangeAspect="1" noMove="1" noResize="1" noEditPoints="1" noAdjustHandles="1" noChangeArrowheads="1" noChangeShapeType="1" noTextEdit="1"/>
+              </p:cNvSpPr>
+              <p:nvPr>
+                <p:ph idx="1"/>
+              </p:nvPr>
+            </p:nvSpPr>
+            <p:spPr>
+              <a:blipFill>
+                <a:blip r:embed="rId3"/>
+                <a:stretch>
+                  <a:fillRect l="-3136" t="-581" b="-1453"/>
+                </a:stretch>
+              </a:blipFill>
+            </p:spPr>
+            <p:txBody>
+              <a:bodyPr/>
+              <a:lstStyle/>
+              <a:p>
+                <a:r>
+                  <a:rPr lang="en-US">
+                    <a:noFill/>
+                  </a:rPr>
+                  <a:t> </a:t>
+                </a:r>
+              </a:p>
+            </p:txBody>
+          </p:sp>
+        </mc:Fallback>
+      </mc:AlternateContent>
+      <p:sp>
+        <p:nvSpPr>
+          <p:cNvPr id="4" name="Slide Number Placeholder 3">
+            <a:extLst>
+              <a:ext uri="{FF2B5EF4-FFF2-40B4-BE49-F238E27FC236}">
+                <a16:creationId xmlns:a16="http://schemas.microsoft.com/office/drawing/2014/main" id="{C1FB8AD8-6579-6845-96FE-52304B50FF72}"/>
+              </a:ext>
+            </a:extLst>
+          </p:cNvPr>
+          <p:cNvSpPr>
+            <a:spLocks noGrp="1"/>
+          </p:cNvSpPr>
+          <p:nvPr>
+            <p:ph type="sldNum" sz="quarter" idx="12"/>
+          </p:nvPr>
+        </p:nvSpPr>
+        <p:spPr/>
+        <p:txBody>
+          <a:bodyPr/>
+          <a:lstStyle/>
+          <a:p>
+            <a:fld id="{8FD628FE-D6DE-D844-B3CE-80CC651E15E2}" type="slidenum">
+              <a:rPr lang="en-US" smtClean="0"/>
+              <a:t>11</a:t>
+            </a:fld>
+            <a:endParaRPr lang="en-US" dirty="0"/>
+          </a:p>
+        </p:txBody>
+      </p:sp>
+    </p:spTree>
+    <p:extLst>
+      <p:ext uri="{BB962C8B-B14F-4D97-AF65-F5344CB8AC3E}">
+        <p14:creationId xmlns:p14="http://schemas.microsoft.com/office/powerpoint/2010/main" val="1563571808"/>
+      </p:ext>
+    </p:extLst>
+  </p:cSld>
+  <p:clrMapOvr>
+    <a:masterClrMapping/>
+  </p:clrMapOvr>
+</p:sld>
+</file>
+
+<file path=ppt/slides/slide12.xml><?xml version="1.0" encoding="utf-8"?>
+<p:sld xmlns:a="http://schemas.openxmlformats.org/drawingml/2006/main" xmlns:r="http://schemas.openxmlformats.org/officeDocument/2006/relationships" xmlns:p="http://schemas.openxmlformats.org/presentationml/2006/main">
+  <p:cSld>
+    <p:spTree>
+      <p:nvGrpSpPr>
+        <p:cNvPr id="1" name=""/>
+        <p:cNvGrpSpPr/>
+        <p:nvPr/>
+      </p:nvGrpSpPr>
+      <p:grpSpPr>
+        <a:xfrm>
+          <a:off x="0" y="0"/>
+          <a:ext cx="0" cy="0"/>
+          <a:chOff x="0" y="0"/>
+          <a:chExt cx="0" cy="0"/>
+        </a:xfrm>
+      </p:grpSpPr>
+      <p:sp>
+        <p:nvSpPr>
+          <p:cNvPr id="2" name="Title 1">
+            <a:extLst>
+              <a:ext uri="{FF2B5EF4-FFF2-40B4-BE49-F238E27FC236}">
+                <a16:creationId xmlns:a16="http://schemas.microsoft.com/office/drawing/2014/main" id="{1FE3BC98-FB5F-5A4A-932E-0ED85BDE1F7E}"/>
+              </a:ext>
+            </a:extLst>
+          </p:cNvPr>
+          <p:cNvSpPr>
+            <a:spLocks noGrp="1"/>
+          </p:cNvSpPr>
+          <p:nvPr>
+            <p:ph type="title"/>
+          </p:nvPr>
+        </p:nvSpPr>
+        <p:spPr>
+          <a:xfrm>
+            <a:off x="838200" y="209262"/>
+            <a:ext cx="10515600" cy="154420"/>
+          </a:xfrm>
+        </p:spPr>
+        <p:txBody>
+          <a:bodyPr>
+            <a:noAutofit/>
+          </a:bodyPr>
+          <a:lstStyle/>
+          <a:p>
+            <a:pPr algn="ctr"/>
+            <a:r>
+              <a:rPr lang="en-US" sz="2400" dirty="0">
+                <a:latin typeface="CCMeanwhile" pitchFamily="2" charset="77"/>
+              </a:rPr>
+              <a:t>Residual Plot</a:t>
+            </a:r>
+          </a:p>
+        </p:txBody>
+      </p:sp>
+      <p:pic>
+        <p:nvPicPr>
+          <p:cNvPr id="5" name="Content Placeholder 4" descr="Chart, scatter chart&#10;&#10;Description automatically generated">
+            <a:extLst>
+              <a:ext uri="{FF2B5EF4-FFF2-40B4-BE49-F238E27FC236}">
+                <a16:creationId xmlns:a16="http://schemas.microsoft.com/office/drawing/2014/main" id="{93C6EB0B-5DDA-6D43-8C48-81E2F2D26D22}"/>
+              </a:ext>
+            </a:extLst>
+          </p:cNvPr>
+          <p:cNvPicPr>
+            <a:picLocks noGrp="1" noChangeAspect="1"/>
+          </p:cNvPicPr>
+          <p:nvPr>
+            <p:ph idx="1"/>
+          </p:nvPr>
+        </p:nvPicPr>
+        <p:blipFill>
+          <a:blip r:embed="rId2"/>
+          <a:stretch>
+            <a:fillRect/>
+          </a:stretch>
+        </p:blipFill>
+        <p:spPr>
+          <a:xfrm>
+            <a:off x="2324624" y="-499965"/>
+            <a:ext cx="8042562" cy="8042562"/>
+          </a:xfrm>
+        </p:spPr>
+      </p:pic>
+      <p:sp>
+        <p:nvSpPr>
+          <p:cNvPr id="6" name="TextBox 5">
+            <a:extLst>
+              <a:ext uri="{FF2B5EF4-FFF2-40B4-BE49-F238E27FC236}">
+                <a16:creationId xmlns:a16="http://schemas.microsoft.com/office/drawing/2014/main" id="{19AEF368-2AC6-F748-A3E5-61D8B01970D4}"/>
+              </a:ext>
+            </a:extLst>
+          </p:cNvPr>
+          <p:cNvSpPr txBox="1"/>
+          <p:nvPr/>
+        </p:nvSpPr>
+        <p:spPr>
+          <a:xfrm>
+            <a:off x="405245" y="1171359"/>
+            <a:ext cx="2566215" cy="369332"/>
+          </a:xfrm>
+          <a:prstGeom prst="rect">
+            <a:avLst/>
+          </a:prstGeom>
+          <a:noFill/>
+        </p:spPr>
+        <p:txBody>
+          <a:bodyPr wrap="none" rtlCol="0">
+            <a:spAutoFit/>
+          </a:bodyPr>
+          <a:lstStyle/>
+          <a:p>
+            <a:r>
+              <a:rPr lang="en-US" dirty="0"/>
+              <a:t>Mean of the Error = -0.02</a:t>
+            </a:r>
+          </a:p>
+        </p:txBody>
+      </p:sp>
+      <p:sp>
+        <p:nvSpPr>
+          <p:cNvPr id="7" name="Slide Number Placeholder 6">
+            <a:extLst>
+              <a:ext uri="{FF2B5EF4-FFF2-40B4-BE49-F238E27FC236}">
+                <a16:creationId xmlns:a16="http://schemas.microsoft.com/office/drawing/2014/main" id="{26F63E82-CF1E-8B4A-9FC6-E196E64FF186}"/>
+              </a:ext>
+            </a:extLst>
+          </p:cNvPr>
+          <p:cNvSpPr>
+            <a:spLocks noGrp="1"/>
+          </p:cNvSpPr>
+          <p:nvPr>
+            <p:ph type="sldNum" sz="quarter" idx="12"/>
+          </p:nvPr>
+        </p:nvSpPr>
+        <p:spPr/>
+        <p:txBody>
+          <a:bodyPr/>
+          <a:lstStyle/>
+          <a:p>
+            <a:fld id="{8FD628FE-D6DE-D844-B3CE-80CC651E15E2}" type="slidenum">
+              <a:rPr lang="en-US" smtClean="0"/>
+              <a:t>12</a:t>
+            </a:fld>
+            <a:endParaRPr lang="en-US" dirty="0"/>
+          </a:p>
+        </p:txBody>
+      </p:sp>
+    </p:spTree>
+    <p:extLst>
+      <p:ext uri="{BB962C8B-B14F-4D97-AF65-F5344CB8AC3E}">
+        <p14:creationId xmlns:p14="http://schemas.microsoft.com/office/powerpoint/2010/main" val="1764995074"/>
+      </p:ext>
+    </p:extLst>
+  </p:cSld>
+  <p:clrMapOvr>
+    <a:masterClrMapping/>
+  </p:clrMapOvr>
+</p:sld>
+</file>
+
+<file path=ppt/slides/slide13.xml><?xml version="1.0" encoding="utf-8"?>
+<p:sld xmlns:a="http://schemas.openxmlformats.org/drawingml/2006/main" xmlns:r="http://schemas.openxmlformats.org/officeDocument/2006/relationships" xmlns:p="http://schemas.openxmlformats.org/presentationml/2006/main">
+  <p:cSld>
+    <p:spTree>
+      <p:nvGrpSpPr>
+        <p:cNvPr id="1" name=""/>
+        <p:cNvGrpSpPr/>
+        <p:nvPr/>
+      </p:nvGrpSpPr>
+      <p:grpSpPr>
+        <a:xfrm>
+          <a:off x="0" y="0"/>
+          <a:ext cx="0" cy="0"/>
+          <a:chOff x="0" y="0"/>
+          <a:chExt cx="0" cy="0"/>
+        </a:xfrm>
+      </p:grpSpPr>
+      <p:sp>
+        <p:nvSpPr>
+          <p:cNvPr id="2" name="Title 1">
+            <a:extLst>
+              <a:ext uri="{FF2B5EF4-FFF2-40B4-BE49-F238E27FC236}">
+                <a16:creationId xmlns:a16="http://schemas.microsoft.com/office/drawing/2014/main" id="{438EFBFD-EBD3-BC49-AF76-3BB042FC4386}"/>
+              </a:ext>
+            </a:extLst>
+          </p:cNvPr>
+          <p:cNvSpPr>
+            <a:spLocks noGrp="1"/>
+          </p:cNvSpPr>
+          <p:nvPr>
+            <p:ph type="title"/>
+          </p:nvPr>
+        </p:nvSpPr>
+        <p:spPr>
+          <a:xfrm>
+            <a:off x="838200" y="119237"/>
+            <a:ext cx="10515600" cy="315912"/>
+          </a:xfrm>
+        </p:spPr>
+        <p:txBody>
+          <a:bodyPr>
+            <a:normAutofit fontScale="90000"/>
+          </a:bodyPr>
+          <a:lstStyle/>
+          <a:p>
+            <a:pPr algn="ctr"/>
+            <a:r>
+              <a:rPr lang="en-US" sz="2400" dirty="0">
+                <a:latin typeface="CCMeanwhile" pitchFamily="2" charset="77"/>
+              </a:rPr>
+              <a:t>Distribution of Error</a:t>
+            </a:r>
+          </a:p>
+        </p:txBody>
+      </p:sp>
+      <p:pic>
+        <p:nvPicPr>
+          <p:cNvPr id="5" name="Content Placeholder 4" descr="Logo&#10;&#10;Description automatically generated">
+            <a:extLst>
+              <a:ext uri="{FF2B5EF4-FFF2-40B4-BE49-F238E27FC236}">
+                <a16:creationId xmlns:a16="http://schemas.microsoft.com/office/drawing/2014/main" id="{C3C133CA-4C8F-0A40-A3D2-23491AC33529}"/>
+              </a:ext>
+            </a:extLst>
+          </p:cNvPr>
+          <p:cNvPicPr>
+            <a:picLocks noGrp="1" noChangeAspect="1"/>
+          </p:cNvPicPr>
+          <p:nvPr>
+            <p:ph idx="1"/>
+          </p:nvPr>
+        </p:nvPicPr>
+        <p:blipFill>
+          <a:blip r:embed="rId2"/>
+          <a:stretch>
+            <a:fillRect/>
+          </a:stretch>
+        </p:blipFill>
+        <p:spPr>
+          <a:xfrm>
+            <a:off x="2568581" y="-70341"/>
+            <a:ext cx="7413619" cy="7413619"/>
+          </a:xfrm>
+        </p:spPr>
+      </p:pic>
+      <p:sp>
+        <p:nvSpPr>
+          <p:cNvPr id="6" name="Slide Number Placeholder 5">
+            <a:extLst>
+              <a:ext uri="{FF2B5EF4-FFF2-40B4-BE49-F238E27FC236}">
+                <a16:creationId xmlns:a16="http://schemas.microsoft.com/office/drawing/2014/main" id="{EEE7BABA-5E94-8045-9D8D-93F75A95FCDD}"/>
+              </a:ext>
+            </a:extLst>
+          </p:cNvPr>
+          <p:cNvSpPr>
+            <a:spLocks noGrp="1"/>
+          </p:cNvSpPr>
+          <p:nvPr>
+            <p:ph type="sldNum" sz="quarter" idx="12"/>
+          </p:nvPr>
+        </p:nvSpPr>
+        <p:spPr/>
+        <p:txBody>
+          <a:bodyPr/>
+          <a:lstStyle/>
+          <a:p>
+            <a:fld id="{8FD628FE-D6DE-D844-B3CE-80CC651E15E2}" type="slidenum">
+              <a:rPr lang="en-US" smtClean="0"/>
+              <a:t>13</a:t>
+            </a:fld>
+            <a:endParaRPr lang="en-US" dirty="0"/>
+          </a:p>
+        </p:txBody>
+      </p:sp>
+    </p:spTree>
+    <p:extLst>
+      <p:ext uri="{BB962C8B-B14F-4D97-AF65-F5344CB8AC3E}">
+        <p14:creationId xmlns:p14="http://schemas.microsoft.com/office/powerpoint/2010/main" val="3405701484"/>
+      </p:ext>
+    </p:extLst>
+  </p:cSld>
+  <p:clrMapOvr>
+    <a:masterClrMapping/>
+  </p:clrMapOvr>
+</p:sld>
+</file>
+
+<file path=ppt/slides/slide14.xml><?xml version="1.0" encoding="utf-8"?>
+<p:sld xmlns:a="http://schemas.openxmlformats.org/drawingml/2006/main" xmlns:r="http://schemas.openxmlformats.org/officeDocument/2006/relationships" xmlns:p="http://schemas.openxmlformats.org/presentationml/2006/main">
+  <p:cSld>
+    <p:spTree>
+      <p:nvGrpSpPr>
+        <p:cNvPr id="1" name=""/>
+        <p:cNvGrpSpPr/>
+        <p:nvPr/>
+      </p:nvGrpSpPr>
+      <p:grpSpPr>
+        <a:xfrm>
+          <a:off x="0" y="0"/>
+          <a:ext cx="0" cy="0"/>
+          <a:chOff x="0" y="0"/>
+          <a:chExt cx="0" cy="0"/>
+        </a:xfrm>
+      </p:grpSpPr>
+      <p:sp>
+        <p:nvSpPr>
+          <p:cNvPr id="2" name="Title 1">
+            <a:extLst>
+              <a:ext uri="{FF2B5EF4-FFF2-40B4-BE49-F238E27FC236}">
+                <a16:creationId xmlns:a16="http://schemas.microsoft.com/office/drawing/2014/main" id="{AAEDD18F-FFE3-BB40-9495-9F65F631B234}"/>
+              </a:ext>
+            </a:extLst>
+          </p:cNvPr>
+          <p:cNvSpPr>
+            <a:spLocks noGrp="1"/>
+          </p:cNvSpPr>
+          <p:nvPr>
+            <p:ph type="title"/>
+          </p:nvPr>
+        </p:nvSpPr>
+        <p:spPr>
+          <a:xfrm>
+            <a:off x="838200" y="96185"/>
+            <a:ext cx="10515600" cy="303386"/>
+          </a:xfrm>
+        </p:spPr>
+        <p:txBody>
+          <a:bodyPr>
+            <a:normAutofit fontScale="90000"/>
+          </a:bodyPr>
+          <a:lstStyle/>
+          <a:p>
+            <a:pPr algn="ctr"/>
+            <a:r>
+              <a:rPr lang="en-US" sz="2400" dirty="0">
+                <a:latin typeface="CCMeanwhile" pitchFamily="2" charset="77"/>
+              </a:rPr>
+              <a:t>QQ Plot</a:t>
+            </a:r>
+          </a:p>
+        </p:txBody>
+      </p:sp>
+      <p:pic>
+        <p:nvPicPr>
+          <p:cNvPr id="11" name="Content Placeholder 10" descr="Chart, line chart&#10;&#10;Description automatically generated">
+            <a:extLst>
+              <a:ext uri="{FF2B5EF4-FFF2-40B4-BE49-F238E27FC236}">
+                <a16:creationId xmlns:a16="http://schemas.microsoft.com/office/drawing/2014/main" id="{4FB758B1-55CE-2849-B268-09EB50339E67}"/>
+              </a:ext>
+            </a:extLst>
+          </p:cNvPr>
+          <p:cNvPicPr>
+            <a:picLocks noGrp="1" noChangeAspect="1"/>
+          </p:cNvPicPr>
+          <p:nvPr>
+            <p:ph idx="1"/>
+          </p:nvPr>
+        </p:nvPicPr>
+        <p:blipFill>
+          <a:blip r:embed="rId2"/>
+          <a:stretch>
+            <a:fillRect/>
+          </a:stretch>
+        </p:blipFill>
+        <p:spPr>
+          <a:xfrm>
+            <a:off x="2105609" y="-357249"/>
+            <a:ext cx="7980781" cy="7980781"/>
+          </a:xfrm>
+        </p:spPr>
+      </p:pic>
+      <p:sp>
+        <p:nvSpPr>
+          <p:cNvPr id="12" name="Slide Number Placeholder 11">
+            <a:extLst>
+              <a:ext uri="{FF2B5EF4-FFF2-40B4-BE49-F238E27FC236}">
+                <a16:creationId xmlns:a16="http://schemas.microsoft.com/office/drawing/2014/main" id="{6ADCBEB7-6FA2-7842-A0AE-709B52E320D4}"/>
+              </a:ext>
+            </a:extLst>
+          </p:cNvPr>
+          <p:cNvSpPr>
+            <a:spLocks noGrp="1"/>
+          </p:cNvSpPr>
+          <p:nvPr>
+            <p:ph type="sldNum" sz="quarter" idx="12"/>
+          </p:nvPr>
+        </p:nvSpPr>
+        <p:spPr/>
+        <p:txBody>
+          <a:bodyPr/>
+          <a:lstStyle/>
+          <a:p>
+            <a:fld id="{8FD628FE-D6DE-D844-B3CE-80CC651E15E2}" type="slidenum">
+              <a:rPr lang="en-US" smtClean="0"/>
+              <a:t>14</a:t>
+            </a:fld>
+            <a:endParaRPr lang="en-US" dirty="0"/>
+          </a:p>
+        </p:txBody>
+      </p:sp>
+    </p:spTree>
+    <p:extLst>
+      <p:ext uri="{BB962C8B-B14F-4D97-AF65-F5344CB8AC3E}">
+        <p14:creationId xmlns:p14="http://schemas.microsoft.com/office/powerpoint/2010/main" val="3350637844"/>
+      </p:ext>
+    </p:extLst>
+  </p:cSld>
+  <p:clrMapOvr>
+    <a:masterClrMapping/>
+  </p:clrMapOvr>
+</p:sld>
+</file>
+
+<file path=ppt/slides/slide15.xml><?xml version="1.0" encoding="utf-8"?>
+<p:sld xmlns:a="http://schemas.openxmlformats.org/drawingml/2006/main" xmlns:r="http://schemas.openxmlformats.org/officeDocument/2006/relationships" xmlns:p="http://schemas.openxmlformats.org/presentationml/2006/main">
+  <p:cSld>
+    <p:spTree>
+      <p:nvGrpSpPr>
+        <p:cNvPr id="1" name=""/>
+        <p:cNvGrpSpPr/>
+        <p:nvPr/>
+      </p:nvGrpSpPr>
+      <p:grpSpPr>
+        <a:xfrm>
+          <a:off x="0" y="0"/>
+          <a:ext cx="0" cy="0"/>
+          <a:chOff x="0" y="0"/>
+          <a:chExt cx="0" cy="0"/>
+        </a:xfrm>
+      </p:grpSpPr>
+      <p:sp>
+        <p:nvSpPr>
+          <p:cNvPr id="2" name="Title 1">
+            <a:extLst>
+              <a:ext uri="{FF2B5EF4-FFF2-40B4-BE49-F238E27FC236}">
+                <a16:creationId xmlns:a16="http://schemas.microsoft.com/office/drawing/2014/main" id="{39868870-0F88-004A-A189-04D4E4EE5ADF}"/>
+              </a:ext>
+            </a:extLst>
+          </p:cNvPr>
+          <p:cNvSpPr>
+            <a:spLocks noGrp="1"/>
+          </p:cNvSpPr>
+          <p:nvPr>
+            <p:ph type="title"/>
+          </p:nvPr>
+        </p:nvSpPr>
+        <p:spPr/>
+        <p:txBody>
+          <a:bodyPr/>
+          <a:lstStyle/>
+          <a:p>
+            <a:pPr algn="ctr"/>
+            <a:r>
+              <a:rPr lang="en-US" dirty="0">
+                <a:latin typeface="CCMeanwhile" pitchFamily="2" charset="77"/>
+              </a:rPr>
+              <a:t>Future Work</a:t>
+            </a:r>
+          </a:p>
+        </p:txBody>
+      </p:sp>
+      <p:sp>
+        <p:nvSpPr>
+          <p:cNvPr id="3" name="Content Placeholder 2">
+            <a:extLst>
+              <a:ext uri="{FF2B5EF4-FFF2-40B4-BE49-F238E27FC236}">
+                <a16:creationId xmlns:a16="http://schemas.microsoft.com/office/drawing/2014/main" id="{6A44B18A-5917-3C49-9294-18A517682E0F}"/>
+              </a:ext>
+            </a:extLst>
+          </p:cNvPr>
+          <p:cNvSpPr>
+            <a:spLocks noGrp="1"/>
+          </p:cNvSpPr>
+          <p:nvPr>
+            <p:ph idx="1"/>
+          </p:nvPr>
+        </p:nvSpPr>
+        <p:spPr/>
+        <p:txBody>
+          <a:bodyPr/>
+          <a:lstStyle/>
+          <a:p>
+            <a:r>
+              <a:rPr lang="en-US" dirty="0"/>
+              <a:t>Scrape more data. There are over 50,000 movies that have been released over the last 10 years.</a:t>
+            </a:r>
+          </a:p>
+          <a:p>
+            <a:r>
+              <a:rPr lang="en-US" dirty="0"/>
+              <a:t>Collect more data on the cast and crew: How many producers on the movie have been awarded Best Picture, how many writers have been awarded for Best Adapted Screen Play.</a:t>
+            </a:r>
+          </a:p>
+          <a:p>
+            <a:r>
+              <a:rPr lang="en-US" dirty="0"/>
+              <a:t>Dynamic Duos, Trios, Quartets, Etc.: Anecdotally there are a lot of movies where you see the same (director, cast) combinations. Quantify the level of influence the existence of these tuples have on the star rating of the movie.</a:t>
+            </a:r>
+          </a:p>
+        </p:txBody>
+      </p:sp>
+      <p:sp>
+        <p:nvSpPr>
+          <p:cNvPr id="4" name="Slide Number Placeholder 3">
+            <a:extLst>
+              <a:ext uri="{FF2B5EF4-FFF2-40B4-BE49-F238E27FC236}">
+                <a16:creationId xmlns:a16="http://schemas.microsoft.com/office/drawing/2014/main" id="{F47ED09F-96D8-1345-A379-241DBF55FB5D}"/>
+              </a:ext>
+            </a:extLst>
+          </p:cNvPr>
+          <p:cNvSpPr>
+            <a:spLocks noGrp="1"/>
+          </p:cNvSpPr>
+          <p:nvPr>
+            <p:ph type="sldNum" sz="quarter" idx="12"/>
+          </p:nvPr>
+        </p:nvSpPr>
+        <p:spPr/>
+        <p:txBody>
+          <a:bodyPr/>
+          <a:lstStyle/>
+          <a:p>
+            <a:fld id="{8FD628FE-D6DE-D844-B3CE-80CC651E15E2}" type="slidenum">
+              <a:rPr lang="en-US" smtClean="0"/>
+              <a:t>15</a:t>
+            </a:fld>
+            <a:endParaRPr lang="en-US" dirty="0"/>
+          </a:p>
+        </p:txBody>
+      </p:sp>
+    </p:spTree>
+    <p:extLst>
+      <p:ext uri="{BB962C8B-B14F-4D97-AF65-F5344CB8AC3E}">
+        <p14:creationId xmlns:p14="http://schemas.microsoft.com/office/powerpoint/2010/main" val="1926948567"/>
+      </p:ext>
+    </p:extLst>
+  </p:cSld>
+  <p:clrMapOvr>
+    <a:masterClrMapping/>
+  </p:clrMapOvr>
+</p:sld>
+</file>
+
+<file path=ppt/slides/slide16.xml><?xml version="1.0" encoding="utf-8"?>
+<p:sld xmlns:a="http://schemas.openxmlformats.org/drawingml/2006/main" xmlns:r="http://schemas.openxmlformats.org/officeDocument/2006/relationships" xmlns:p="http://schemas.openxmlformats.org/presentationml/2006/main">
+  <p:cSld>
+    <p:spTree>
+      <p:nvGrpSpPr>
+        <p:cNvPr id="1" name=""/>
+        <p:cNvGrpSpPr/>
+        <p:nvPr/>
+      </p:nvGrpSpPr>
+      <p:grpSpPr>
+        <a:xfrm>
+          <a:off x="0" y="0"/>
+          <a:ext cx="0" cy="0"/>
+          <a:chOff x="0" y="0"/>
+          <a:chExt cx="0" cy="0"/>
+        </a:xfrm>
+      </p:grpSpPr>
+      <p:sp>
+        <p:nvSpPr>
+          <p:cNvPr id="2" name="Title 1">
+            <a:extLst>
+              <a:ext uri="{FF2B5EF4-FFF2-40B4-BE49-F238E27FC236}">
+                <a16:creationId xmlns:a16="http://schemas.microsoft.com/office/drawing/2014/main" id="{1B292867-AB98-9A40-A063-FCE612F629E8}"/>
+              </a:ext>
+            </a:extLst>
+          </p:cNvPr>
+          <p:cNvSpPr>
+            <a:spLocks noGrp="1"/>
+          </p:cNvSpPr>
+          <p:nvPr>
+            <p:ph type="title"/>
+          </p:nvPr>
+        </p:nvSpPr>
+        <p:spPr>
+          <a:xfrm>
+            <a:off x="838200" y="2024876"/>
+            <a:ext cx="10515600" cy="1325563"/>
+          </a:xfrm>
+        </p:spPr>
+        <p:txBody>
+          <a:bodyPr/>
+          <a:lstStyle/>
+          <a:p>
+            <a:pPr algn="ctr"/>
+            <a:r>
+              <a:rPr lang="en-US" dirty="0">
+                <a:latin typeface="CCMeanwhile" pitchFamily="2" charset="77"/>
+              </a:rPr>
+              <a:t>Appendix</a:t>
+            </a:r>
+          </a:p>
+        </p:txBody>
+      </p:sp>
+      <p:sp>
+        <p:nvSpPr>
+          <p:cNvPr id="3" name="Slide Number Placeholder 2">
+            <a:extLst>
+              <a:ext uri="{FF2B5EF4-FFF2-40B4-BE49-F238E27FC236}">
+                <a16:creationId xmlns:a16="http://schemas.microsoft.com/office/drawing/2014/main" id="{D11E404F-EF70-F349-A993-21A2B7467082}"/>
+              </a:ext>
+            </a:extLst>
+          </p:cNvPr>
+          <p:cNvSpPr>
+            <a:spLocks noGrp="1"/>
+          </p:cNvSpPr>
+          <p:nvPr>
+            <p:ph type="sldNum" sz="quarter" idx="12"/>
+          </p:nvPr>
+        </p:nvSpPr>
+        <p:spPr/>
+        <p:txBody>
+          <a:bodyPr/>
+          <a:lstStyle/>
+          <a:p>
+            <a:fld id="{8FD628FE-D6DE-D844-B3CE-80CC651E15E2}" type="slidenum">
+              <a:rPr lang="en-US" smtClean="0"/>
+              <a:t>16</a:t>
+            </a:fld>
+            <a:endParaRPr lang="en-US" dirty="0"/>
+          </a:p>
+        </p:txBody>
+      </p:sp>
+    </p:spTree>
+    <p:extLst>
+      <p:ext uri="{BB962C8B-B14F-4D97-AF65-F5344CB8AC3E}">
+        <p14:creationId xmlns:p14="http://schemas.microsoft.com/office/powerpoint/2010/main" val="3110715633"/>
       </p:ext>
     </p:extLst>
   </p:cSld>
@@ -3430,26 +6654,115 @@
           <a:lstStyle/>
           <a:p>
             <a:r>
+              <a:rPr lang="en-US" dirty="0">
+                <a:latin typeface="CCMeanwhile" pitchFamily="2" charset="77"/>
+              </a:rPr>
+              <a:t>Topics</a:t>
+            </a:r>
+          </a:p>
+        </p:txBody>
+      </p:sp>
+      <p:sp>
+        <p:nvSpPr>
+          <p:cNvPr id="3" name="Content Placeholder 2">
+            <a:extLst>
+              <a:ext uri="{FF2B5EF4-FFF2-40B4-BE49-F238E27FC236}">
+                <a16:creationId xmlns:a16="http://schemas.microsoft.com/office/drawing/2014/main" id="{E4B28F3F-4C28-D141-924E-EF8725BFCC8D}"/>
+              </a:ext>
+            </a:extLst>
+          </p:cNvPr>
+          <p:cNvSpPr>
+            <a:spLocks noGrp="1"/>
+          </p:cNvSpPr>
+          <p:nvPr>
+            <p:ph idx="1"/>
+          </p:nvPr>
+        </p:nvSpPr>
+        <p:spPr/>
+        <p:txBody>
+          <a:bodyPr>
+            <a:normAutofit fontScale="92500" lnSpcReduction="20000"/>
+          </a:bodyPr>
+          <a:lstStyle/>
+          <a:p>
+            <a:r>
               <a:rPr lang="en-US" dirty="0"/>
-              <a:t>Topics</a:t>
-            </a:r>
-          </a:p>
-        </p:txBody>
-      </p:sp>
-      <p:sp>
-        <p:nvSpPr>
-          <p:cNvPr id="3" name="Content Placeholder 2">
-            <a:extLst>
-              <a:ext uri="{FF2B5EF4-FFF2-40B4-BE49-F238E27FC236}">
-                <a16:creationId xmlns:a16="http://schemas.microsoft.com/office/drawing/2014/main" id="{E4B28F3F-4C28-D141-924E-EF8725BFCC8D}"/>
-              </a:ext>
-            </a:extLst>
-          </p:cNvPr>
-          <p:cNvSpPr>
-            <a:spLocks noGrp="1"/>
-          </p:cNvSpPr>
-          <p:nvPr>
-            <p:ph idx="1"/>
+              <a:t>Description of the Problem</a:t>
+            </a:r>
+          </a:p>
+          <a:p>
+            <a:r>
+              <a:rPr lang="en-US" dirty="0"/>
+              <a:t>Data Source</a:t>
+            </a:r>
+          </a:p>
+          <a:p>
+            <a:r>
+              <a:rPr lang="en-US" dirty="0"/>
+              <a:t>Features In Data Source Used In Model</a:t>
+            </a:r>
+          </a:p>
+          <a:p>
+            <a:r>
+              <a:rPr lang="en-US" dirty="0"/>
+              <a:t>Synthesized Features</a:t>
+            </a:r>
+          </a:p>
+          <a:p>
+            <a:r>
+              <a:rPr lang="en-US" dirty="0"/>
+              <a:t>Top 5 Positive and Negative Correlation Features</a:t>
+            </a:r>
+          </a:p>
+          <a:p>
+            <a:r>
+              <a:rPr lang="en-US" dirty="0"/>
+              <a:t>Linear Equation with Coefficients</a:t>
+            </a:r>
+          </a:p>
+          <a:p>
+            <a:r>
+              <a:rPr lang="en-US" dirty="0"/>
+              <a:t>Final Test Score</a:t>
+            </a:r>
+          </a:p>
+          <a:p>
+            <a:r>
+              <a:rPr lang="en-US" dirty="0"/>
+              <a:t>Residual Plot, Distribution of Error, QQ Plot</a:t>
+            </a:r>
+          </a:p>
+          <a:p>
+            <a:r>
+              <a:rPr lang="en-US" dirty="0"/>
+              <a:t>Future Work</a:t>
+            </a:r>
+          </a:p>
+          <a:p>
+            <a:r>
+              <a:rPr lang="en-US" dirty="0"/>
+              <a:t>Appendix</a:t>
+            </a:r>
+          </a:p>
+          <a:p>
+            <a:endParaRPr lang="en-US" dirty="0"/>
+          </a:p>
+        </p:txBody>
+      </p:sp>
+      <p:sp>
+        <p:nvSpPr>
+          <p:cNvPr id="4" name="Slide Number Placeholder 3">
+            <a:extLst>
+              <a:ext uri="{FF2B5EF4-FFF2-40B4-BE49-F238E27FC236}">
+                <a16:creationId xmlns:a16="http://schemas.microsoft.com/office/drawing/2014/main" id="{6515D300-2C0A-C64E-BBD6-FCB400F573EF}"/>
+              </a:ext>
+            </a:extLst>
+          </p:cNvPr>
+          <p:cNvSpPr>
+            <a:spLocks noGrp="1"/>
+          </p:cNvSpPr>
+          <p:nvPr>
+            <p:ph type="sldNum" sz="quarter" idx="12"/>
           </p:nvPr>
         </p:nvSpPr>
         <p:spPr/>
@@ -3457,7 +6770,11 @@
           <a:bodyPr/>
           <a:lstStyle/>
           <a:p>
-            <a:endParaRPr lang="en-US"/>
+            <a:fld id="{8FD628FE-D6DE-D844-B3CE-80CC651E15E2}" type="slidenum">
+              <a:rPr lang="en-US" smtClean="0"/>
+              <a:t>2</a:t>
+            </a:fld>
+            <a:endParaRPr lang="en-US" dirty="0"/>
           </a:p>
         </p:txBody>
       </p:sp>
@@ -3465,6 +6782,1314 @@
     <p:extLst>
       <p:ext uri="{BB962C8B-B14F-4D97-AF65-F5344CB8AC3E}">
         <p14:creationId xmlns:p14="http://schemas.microsoft.com/office/powerpoint/2010/main" val="3345922666"/>
+      </p:ext>
+    </p:extLst>
+  </p:cSld>
+  <p:clrMapOvr>
+    <a:masterClrMapping/>
+  </p:clrMapOvr>
+</p:sld>
+</file>
+
+<file path=ppt/slides/slide3.xml><?xml version="1.0" encoding="utf-8"?>
+<p:sld xmlns:a="http://schemas.openxmlformats.org/drawingml/2006/main" xmlns:r="http://schemas.openxmlformats.org/officeDocument/2006/relationships" xmlns:p="http://schemas.openxmlformats.org/presentationml/2006/main">
+  <p:cSld>
+    <p:spTree>
+      <p:nvGrpSpPr>
+        <p:cNvPr id="1" name=""/>
+        <p:cNvGrpSpPr/>
+        <p:nvPr/>
+      </p:nvGrpSpPr>
+      <p:grpSpPr>
+        <a:xfrm>
+          <a:off x="0" y="0"/>
+          <a:ext cx="0" cy="0"/>
+          <a:chOff x="0" y="0"/>
+          <a:chExt cx="0" cy="0"/>
+        </a:xfrm>
+      </p:grpSpPr>
+      <p:sp>
+        <p:nvSpPr>
+          <p:cNvPr id="2" name="Title 1">
+            <a:extLst>
+              <a:ext uri="{FF2B5EF4-FFF2-40B4-BE49-F238E27FC236}">
+                <a16:creationId xmlns:a16="http://schemas.microsoft.com/office/drawing/2014/main" id="{E223CB1D-3763-5244-B1D1-666CDFDF6524}"/>
+              </a:ext>
+            </a:extLst>
+          </p:cNvPr>
+          <p:cNvSpPr>
+            <a:spLocks noGrp="1"/>
+          </p:cNvSpPr>
+          <p:nvPr>
+            <p:ph type="title"/>
+          </p:nvPr>
+        </p:nvSpPr>
+        <p:spPr/>
+        <p:txBody>
+          <a:bodyPr/>
+          <a:lstStyle/>
+          <a:p>
+            <a:r>
+              <a:rPr lang="en-US" dirty="0">
+                <a:latin typeface="CCMeanwhile" pitchFamily="2" charset="77"/>
+              </a:rPr>
+              <a:t>Description of the Problem</a:t>
+            </a:r>
+          </a:p>
+        </p:txBody>
+      </p:sp>
+      <p:sp>
+        <p:nvSpPr>
+          <p:cNvPr id="3" name="Content Placeholder 2">
+            <a:extLst>
+              <a:ext uri="{FF2B5EF4-FFF2-40B4-BE49-F238E27FC236}">
+                <a16:creationId xmlns:a16="http://schemas.microsoft.com/office/drawing/2014/main" id="{B534EEE2-BA82-EB43-B8F4-5A8DB24A524E}"/>
+              </a:ext>
+            </a:extLst>
+          </p:cNvPr>
+          <p:cNvSpPr>
+            <a:spLocks noGrp="1"/>
+          </p:cNvSpPr>
+          <p:nvPr>
+            <p:ph idx="1"/>
+          </p:nvPr>
+        </p:nvSpPr>
+        <p:spPr>
+          <a:xfrm>
+            <a:off x="838199" y="1825625"/>
+            <a:ext cx="10937789" cy="894557"/>
+          </a:xfrm>
+        </p:spPr>
+        <p:txBody>
+          <a:bodyPr/>
+          <a:lstStyle/>
+          <a:p>
+            <a:r>
+              <a:rPr lang="en-US" dirty="0"/>
+              <a:t>There are many ideas of how to make a good movie:</a:t>
+            </a:r>
+          </a:p>
+          <a:p>
+            <a:endParaRPr lang="en-US" dirty="0"/>
+          </a:p>
+        </p:txBody>
+      </p:sp>
+      <p:pic>
+        <p:nvPicPr>
+          <p:cNvPr id="5" name="Picture 4" descr="A person wearing a suit and tie&#10;&#10;Description automatically generated">
+            <a:extLst>
+              <a:ext uri="{FF2B5EF4-FFF2-40B4-BE49-F238E27FC236}">
+                <a16:creationId xmlns:a16="http://schemas.microsoft.com/office/drawing/2014/main" id="{D7F028A4-69E4-814C-9EAB-DDF9FA9ED48D}"/>
+              </a:ext>
+            </a:extLst>
+          </p:cNvPr>
+          <p:cNvPicPr>
+            <a:picLocks noChangeAspect="1"/>
+          </p:cNvPicPr>
+          <p:nvPr/>
+        </p:nvPicPr>
+        <p:blipFill>
+          <a:blip r:embed="rId2"/>
+          <a:stretch>
+            <a:fillRect/>
+          </a:stretch>
+        </p:blipFill>
+        <p:spPr>
+          <a:xfrm>
+            <a:off x="1310846" y="2720182"/>
+            <a:ext cx="3086100" cy="2032000"/>
+          </a:xfrm>
+          <a:prstGeom prst="rect">
+            <a:avLst/>
+          </a:prstGeom>
+        </p:spPr>
+      </p:pic>
+      <p:pic>
+        <p:nvPicPr>
+          <p:cNvPr id="7" name="Picture 6" descr="A picture containing person, person, photo, wearing&#10;&#10;Description automatically generated">
+            <a:extLst>
+              <a:ext uri="{FF2B5EF4-FFF2-40B4-BE49-F238E27FC236}">
+                <a16:creationId xmlns:a16="http://schemas.microsoft.com/office/drawing/2014/main" id="{06692F77-B1A3-D648-89FE-253A6D3826F0}"/>
+              </a:ext>
+            </a:extLst>
+          </p:cNvPr>
+          <p:cNvPicPr>
+            <a:picLocks noChangeAspect="1"/>
+          </p:cNvPicPr>
+          <p:nvPr/>
+        </p:nvPicPr>
+        <p:blipFill>
+          <a:blip r:embed="rId3"/>
+          <a:stretch>
+            <a:fillRect/>
+          </a:stretch>
+        </p:blipFill>
+        <p:spPr>
+          <a:xfrm>
+            <a:off x="5246473" y="2262982"/>
+            <a:ext cx="5257800" cy="2946400"/>
+          </a:xfrm>
+          <a:prstGeom prst="rect">
+            <a:avLst/>
+          </a:prstGeom>
+        </p:spPr>
+      </p:pic>
+      <p:sp>
+        <p:nvSpPr>
+          <p:cNvPr id="9" name="Slide Number Placeholder 8">
+            <a:extLst>
+              <a:ext uri="{FF2B5EF4-FFF2-40B4-BE49-F238E27FC236}">
+                <a16:creationId xmlns:a16="http://schemas.microsoft.com/office/drawing/2014/main" id="{323BE30E-F35A-354A-8B72-D166C4C46CF3}"/>
+              </a:ext>
+            </a:extLst>
+          </p:cNvPr>
+          <p:cNvSpPr>
+            <a:spLocks noGrp="1"/>
+          </p:cNvSpPr>
+          <p:nvPr>
+            <p:ph type="sldNum" sz="quarter" idx="12"/>
+          </p:nvPr>
+        </p:nvSpPr>
+        <p:spPr/>
+        <p:txBody>
+          <a:bodyPr/>
+          <a:lstStyle/>
+          <a:p>
+            <a:fld id="{8FD628FE-D6DE-D844-B3CE-80CC651E15E2}" type="slidenum">
+              <a:rPr lang="en-US" smtClean="0"/>
+              <a:t>3</a:t>
+            </a:fld>
+            <a:endParaRPr lang="en-US" dirty="0"/>
+          </a:p>
+        </p:txBody>
+      </p:sp>
+    </p:spTree>
+    <p:extLst>
+      <p:ext uri="{BB962C8B-B14F-4D97-AF65-F5344CB8AC3E}">
+        <p14:creationId xmlns:p14="http://schemas.microsoft.com/office/powerpoint/2010/main" val="3233749340"/>
+      </p:ext>
+    </p:extLst>
+  </p:cSld>
+  <p:clrMapOvr>
+    <a:masterClrMapping/>
+  </p:clrMapOvr>
+</p:sld>
+</file>
+
+<file path=ppt/slides/slide4.xml><?xml version="1.0" encoding="utf-8"?>
+<p:sld xmlns:a="http://schemas.openxmlformats.org/drawingml/2006/main" xmlns:r="http://schemas.openxmlformats.org/officeDocument/2006/relationships" xmlns:p="http://schemas.openxmlformats.org/presentationml/2006/main">
+  <p:cSld>
+    <p:spTree>
+      <p:nvGrpSpPr>
+        <p:cNvPr id="1" name=""/>
+        <p:cNvGrpSpPr/>
+        <p:nvPr/>
+      </p:nvGrpSpPr>
+      <p:grpSpPr>
+        <a:xfrm>
+          <a:off x="0" y="0"/>
+          <a:ext cx="0" cy="0"/>
+          <a:chOff x="0" y="0"/>
+          <a:chExt cx="0" cy="0"/>
+        </a:xfrm>
+      </p:grpSpPr>
+      <p:sp>
+        <p:nvSpPr>
+          <p:cNvPr id="2" name="Title 1">
+            <a:extLst>
+              <a:ext uri="{FF2B5EF4-FFF2-40B4-BE49-F238E27FC236}">
+                <a16:creationId xmlns:a16="http://schemas.microsoft.com/office/drawing/2014/main" id="{EA405642-8628-034B-B4AC-030132783CCF}"/>
+              </a:ext>
+            </a:extLst>
+          </p:cNvPr>
+          <p:cNvSpPr>
+            <a:spLocks noGrp="1"/>
+          </p:cNvSpPr>
+          <p:nvPr>
+            <p:ph type="title"/>
+          </p:nvPr>
+        </p:nvSpPr>
+        <p:spPr/>
+        <p:txBody>
+          <a:bodyPr/>
+          <a:lstStyle/>
+          <a:p>
+            <a:pPr algn="ctr"/>
+            <a:r>
+              <a:rPr lang="en-US" dirty="0">
+                <a:latin typeface="CCMeanwhile" pitchFamily="2" charset="77"/>
+              </a:rPr>
+              <a:t>Description of the Problem</a:t>
+            </a:r>
+          </a:p>
+        </p:txBody>
+      </p:sp>
+      <p:sp>
+        <p:nvSpPr>
+          <p:cNvPr id="4" name="Content Placeholder 2">
+            <a:extLst>
+              <a:ext uri="{FF2B5EF4-FFF2-40B4-BE49-F238E27FC236}">
+                <a16:creationId xmlns:a16="http://schemas.microsoft.com/office/drawing/2014/main" id="{FB79A8E5-E8FF-3241-A93D-5B842A36BFEB}"/>
+              </a:ext>
+            </a:extLst>
+          </p:cNvPr>
+          <p:cNvSpPr txBox="1">
+            <a:spLocks noGrp="1"/>
+          </p:cNvSpPr>
+          <p:nvPr>
+            <p:ph idx="1"/>
+          </p:nvPr>
+        </p:nvSpPr>
+        <p:spPr>
+          <a:prstGeom prst="rect">
+            <a:avLst/>
+          </a:prstGeom>
+        </p:spPr>
+        <p:txBody>
+          <a:bodyPr vert="horz" lIns="91440" tIns="45720" rIns="91440" bIns="45720" rtlCol="0">
+            <a:normAutofit/>
+          </a:bodyPr>
+          <a:lstStyle>
+            <a:lvl1pPr marL="228600" indent="-228600" algn="l" defTabSz="914400" rtl="0" eaLnBrk="1" latinLnBrk="0" hangingPunct="1">
+              <a:lnSpc>
+                <a:spcPct val="90000"/>
+              </a:lnSpc>
+              <a:spcBef>
+                <a:spcPts val="1000"/>
+              </a:spcBef>
+              <a:buFont typeface="Arial" panose="020B0604020202020204" pitchFamily="34" charset="0"/>
+              <a:buChar char="•"/>
+              <a:defRPr sz="2800" kern="1200">
+                <a:solidFill>
+                  <a:schemeClr val="tx1"/>
+                </a:solidFill>
+                <a:latin typeface="+mn-lt"/>
+                <a:ea typeface="+mn-ea"/>
+                <a:cs typeface="+mn-cs"/>
+              </a:defRPr>
+            </a:lvl1pPr>
+            <a:lvl2pPr marL="685800" indent="-228600" algn="l" defTabSz="914400" rtl="0" eaLnBrk="1" latinLnBrk="0" hangingPunct="1">
+              <a:lnSpc>
+                <a:spcPct val="90000"/>
+              </a:lnSpc>
+              <a:spcBef>
+                <a:spcPts val="500"/>
+              </a:spcBef>
+              <a:buFont typeface="Arial" panose="020B0604020202020204" pitchFamily="34" charset="0"/>
+              <a:buChar char="•"/>
+              <a:defRPr sz="2400" kern="1200">
+                <a:solidFill>
+                  <a:schemeClr val="tx1"/>
+                </a:solidFill>
+                <a:latin typeface="+mn-lt"/>
+                <a:ea typeface="+mn-ea"/>
+                <a:cs typeface="+mn-cs"/>
+              </a:defRPr>
+            </a:lvl2pPr>
+            <a:lvl3pPr marL="1143000" indent="-228600" algn="l" defTabSz="914400" rtl="0" eaLnBrk="1" latinLnBrk="0" hangingPunct="1">
+              <a:lnSpc>
+                <a:spcPct val="90000"/>
+              </a:lnSpc>
+              <a:spcBef>
+                <a:spcPts val="500"/>
+              </a:spcBef>
+              <a:buFont typeface="Arial" panose="020B0604020202020204" pitchFamily="34" charset="0"/>
+              <a:buChar char="•"/>
+              <a:defRPr sz="2000" kern="1200">
+                <a:solidFill>
+                  <a:schemeClr val="tx1"/>
+                </a:solidFill>
+                <a:latin typeface="+mn-lt"/>
+                <a:ea typeface="+mn-ea"/>
+                <a:cs typeface="+mn-cs"/>
+              </a:defRPr>
+            </a:lvl3pPr>
+            <a:lvl4pPr marL="1600200" indent="-228600" algn="l" defTabSz="914400" rtl="0" eaLnBrk="1" latinLnBrk="0" hangingPunct="1">
+              <a:lnSpc>
+                <a:spcPct val="90000"/>
+              </a:lnSpc>
+              <a:spcBef>
+                <a:spcPts val="500"/>
+              </a:spcBef>
+              <a:buFont typeface="Arial" panose="020B0604020202020204" pitchFamily="34" charset="0"/>
+              <a:buChar char="•"/>
+              <a:defRPr sz="1800" kern="1200">
+                <a:solidFill>
+                  <a:schemeClr val="tx1"/>
+                </a:solidFill>
+                <a:latin typeface="+mn-lt"/>
+                <a:ea typeface="+mn-ea"/>
+                <a:cs typeface="+mn-cs"/>
+              </a:defRPr>
+            </a:lvl4pPr>
+            <a:lvl5pPr marL="2057400" indent="-228600" algn="l" defTabSz="914400" rtl="0" eaLnBrk="1" latinLnBrk="0" hangingPunct="1">
+              <a:lnSpc>
+                <a:spcPct val="90000"/>
+              </a:lnSpc>
+              <a:spcBef>
+                <a:spcPts val="500"/>
+              </a:spcBef>
+              <a:buFont typeface="Arial" panose="020B0604020202020204" pitchFamily="34" charset="0"/>
+              <a:buChar char="•"/>
+              <a:defRPr sz="1800" kern="1200">
+                <a:solidFill>
+                  <a:schemeClr val="tx1"/>
+                </a:solidFill>
+                <a:latin typeface="+mn-lt"/>
+                <a:ea typeface="+mn-ea"/>
+                <a:cs typeface="+mn-cs"/>
+              </a:defRPr>
+            </a:lvl5pPr>
+            <a:lvl6pPr marL="2514600" indent="-228600" algn="l" defTabSz="914400" rtl="0" eaLnBrk="1" latinLnBrk="0" hangingPunct="1">
+              <a:lnSpc>
+                <a:spcPct val="90000"/>
+              </a:lnSpc>
+              <a:spcBef>
+                <a:spcPts val="500"/>
+              </a:spcBef>
+              <a:buFont typeface="Arial" panose="020B0604020202020204" pitchFamily="34" charset="0"/>
+              <a:buChar char="•"/>
+              <a:defRPr sz="1800" kern="1200">
+                <a:solidFill>
+                  <a:schemeClr val="tx1"/>
+                </a:solidFill>
+                <a:latin typeface="+mn-lt"/>
+                <a:ea typeface="+mn-ea"/>
+                <a:cs typeface="+mn-cs"/>
+              </a:defRPr>
+            </a:lvl6pPr>
+            <a:lvl7pPr marL="2971800" indent="-228600" algn="l" defTabSz="914400" rtl="0" eaLnBrk="1" latinLnBrk="0" hangingPunct="1">
+              <a:lnSpc>
+                <a:spcPct val="90000"/>
+              </a:lnSpc>
+              <a:spcBef>
+                <a:spcPts val="500"/>
+              </a:spcBef>
+              <a:buFont typeface="Arial" panose="020B0604020202020204" pitchFamily="34" charset="0"/>
+              <a:buChar char="•"/>
+              <a:defRPr sz="1800" kern="1200">
+                <a:solidFill>
+                  <a:schemeClr val="tx1"/>
+                </a:solidFill>
+                <a:latin typeface="+mn-lt"/>
+                <a:ea typeface="+mn-ea"/>
+                <a:cs typeface="+mn-cs"/>
+              </a:defRPr>
+            </a:lvl7pPr>
+            <a:lvl8pPr marL="3429000" indent="-228600" algn="l" defTabSz="914400" rtl="0" eaLnBrk="1" latinLnBrk="0" hangingPunct="1">
+              <a:lnSpc>
+                <a:spcPct val="90000"/>
+              </a:lnSpc>
+              <a:spcBef>
+                <a:spcPts val="500"/>
+              </a:spcBef>
+              <a:buFont typeface="Arial" panose="020B0604020202020204" pitchFamily="34" charset="0"/>
+              <a:buChar char="•"/>
+              <a:defRPr sz="1800" kern="1200">
+                <a:solidFill>
+                  <a:schemeClr val="tx1"/>
+                </a:solidFill>
+                <a:latin typeface="+mn-lt"/>
+                <a:ea typeface="+mn-ea"/>
+                <a:cs typeface="+mn-cs"/>
+              </a:defRPr>
+            </a:lvl8pPr>
+            <a:lvl9pPr marL="3886200" indent="-228600" algn="l" defTabSz="914400" rtl="0" eaLnBrk="1" latinLnBrk="0" hangingPunct="1">
+              <a:lnSpc>
+                <a:spcPct val="90000"/>
+              </a:lnSpc>
+              <a:spcBef>
+                <a:spcPts val="500"/>
+              </a:spcBef>
+              <a:buFont typeface="Arial" panose="020B0604020202020204" pitchFamily="34" charset="0"/>
+              <a:buChar char="•"/>
+              <a:defRPr sz="1800" kern="1200">
+                <a:solidFill>
+                  <a:schemeClr val="tx1"/>
+                </a:solidFill>
+                <a:latin typeface="+mn-lt"/>
+                <a:ea typeface="+mn-ea"/>
+                <a:cs typeface="+mn-cs"/>
+              </a:defRPr>
+            </a:lvl9pPr>
+          </a:lstStyle>
+          <a:p>
+            <a:r>
+              <a:rPr lang="en-US" dirty="0"/>
+              <a:t>The problem is that these are not easily quantifiable.</a:t>
+            </a:r>
+          </a:p>
+          <a:p>
+            <a:r>
+              <a:rPr lang="en-US" dirty="0"/>
+              <a:t>Many content creation companies (like Netflix) want be able to make movie making/buy decisions faster and with greater efficacy and over a larger volume of movie proposals.</a:t>
+            </a:r>
+          </a:p>
+          <a:p>
+            <a:r>
+              <a:rPr lang="en-US" dirty="0"/>
+              <a:t>This project develops a model that uses as inputs features of movies that can be </a:t>
+            </a:r>
+            <a:r>
+              <a:rPr lang="en-US" i="1" dirty="0"/>
+              <a:t>well known on or before its release date </a:t>
+            </a:r>
+            <a:r>
+              <a:rPr lang="en-US" dirty="0"/>
+              <a:t>to </a:t>
+            </a:r>
+            <a:r>
+              <a:rPr lang="en-US" i="1" dirty="0"/>
+              <a:t>predict</a:t>
+            </a:r>
+            <a:r>
+              <a:rPr lang="en-US" dirty="0"/>
+              <a:t> if the movie will be well liked by viewers.</a:t>
+            </a:r>
+          </a:p>
+          <a:p>
+            <a:endParaRPr lang="en-US" dirty="0"/>
+          </a:p>
+        </p:txBody>
+      </p:sp>
+      <p:sp>
+        <p:nvSpPr>
+          <p:cNvPr id="5" name="Slide Number Placeholder 4">
+            <a:extLst>
+              <a:ext uri="{FF2B5EF4-FFF2-40B4-BE49-F238E27FC236}">
+                <a16:creationId xmlns:a16="http://schemas.microsoft.com/office/drawing/2014/main" id="{CA697449-989D-7243-BF1C-CA630156A551}"/>
+              </a:ext>
+            </a:extLst>
+          </p:cNvPr>
+          <p:cNvSpPr>
+            <a:spLocks noGrp="1"/>
+          </p:cNvSpPr>
+          <p:nvPr>
+            <p:ph type="sldNum" sz="quarter" idx="12"/>
+          </p:nvPr>
+        </p:nvSpPr>
+        <p:spPr/>
+        <p:txBody>
+          <a:bodyPr/>
+          <a:lstStyle/>
+          <a:p>
+            <a:fld id="{8FD628FE-D6DE-D844-B3CE-80CC651E15E2}" type="slidenum">
+              <a:rPr lang="en-US" smtClean="0"/>
+              <a:t>4</a:t>
+            </a:fld>
+            <a:endParaRPr lang="en-US" dirty="0"/>
+          </a:p>
+        </p:txBody>
+      </p:sp>
+    </p:spTree>
+    <p:extLst>
+      <p:ext uri="{BB962C8B-B14F-4D97-AF65-F5344CB8AC3E}">
+        <p14:creationId xmlns:p14="http://schemas.microsoft.com/office/powerpoint/2010/main" val="3542028721"/>
+      </p:ext>
+    </p:extLst>
+  </p:cSld>
+  <p:clrMapOvr>
+    <a:masterClrMapping/>
+  </p:clrMapOvr>
+</p:sld>
+</file>
+
+<file path=ppt/slides/slide5.xml><?xml version="1.0" encoding="utf-8"?>
+<p:sld xmlns:a="http://schemas.openxmlformats.org/drawingml/2006/main" xmlns:r="http://schemas.openxmlformats.org/officeDocument/2006/relationships" xmlns:p="http://schemas.openxmlformats.org/presentationml/2006/main">
+  <p:cSld>
+    <p:spTree>
+      <p:nvGrpSpPr>
+        <p:cNvPr id="1" name=""/>
+        <p:cNvGrpSpPr/>
+        <p:nvPr/>
+      </p:nvGrpSpPr>
+      <p:grpSpPr>
+        <a:xfrm>
+          <a:off x="0" y="0"/>
+          <a:ext cx="0" cy="0"/>
+          <a:chOff x="0" y="0"/>
+          <a:chExt cx="0" cy="0"/>
+        </a:xfrm>
+      </p:grpSpPr>
+      <p:sp>
+        <p:nvSpPr>
+          <p:cNvPr id="2" name="Title 1">
+            <a:extLst>
+              <a:ext uri="{FF2B5EF4-FFF2-40B4-BE49-F238E27FC236}">
+                <a16:creationId xmlns:a16="http://schemas.microsoft.com/office/drawing/2014/main" id="{0B577E52-2A26-7146-A1E1-8D8CD22635EF}"/>
+              </a:ext>
+            </a:extLst>
+          </p:cNvPr>
+          <p:cNvSpPr>
+            <a:spLocks noGrp="1"/>
+          </p:cNvSpPr>
+          <p:nvPr>
+            <p:ph type="title"/>
+          </p:nvPr>
+        </p:nvSpPr>
+        <p:spPr/>
+        <p:txBody>
+          <a:bodyPr/>
+          <a:lstStyle/>
+          <a:p>
+            <a:pPr algn="ctr"/>
+            <a:r>
+              <a:rPr lang="en-US" dirty="0">
+                <a:latin typeface="CCMeanwhile" pitchFamily="2" charset="77"/>
+              </a:rPr>
+              <a:t>Description of the Problem</a:t>
+            </a:r>
+          </a:p>
+        </p:txBody>
+      </p:sp>
+      <p:sp>
+        <p:nvSpPr>
+          <p:cNvPr id="3" name="Content Placeholder 2">
+            <a:extLst>
+              <a:ext uri="{FF2B5EF4-FFF2-40B4-BE49-F238E27FC236}">
+                <a16:creationId xmlns:a16="http://schemas.microsoft.com/office/drawing/2014/main" id="{715C4477-68C6-CC4D-A77D-34014BDBBFD4}"/>
+              </a:ext>
+            </a:extLst>
+          </p:cNvPr>
+          <p:cNvSpPr>
+            <a:spLocks noGrp="1"/>
+          </p:cNvSpPr>
+          <p:nvPr>
+            <p:ph idx="1"/>
+          </p:nvPr>
+        </p:nvSpPr>
+        <p:spPr/>
+        <p:txBody>
+          <a:bodyPr/>
+          <a:lstStyle/>
+          <a:p>
+            <a:r>
+              <a:rPr lang="en-US" dirty="0"/>
+              <a:t>This model could then assist executives by doing a quick first pass scoring of large volumes of movie proposals.</a:t>
+            </a:r>
+          </a:p>
+          <a:p>
+            <a:r>
+              <a:rPr lang="en-US" dirty="0"/>
+              <a:t>This would enable movie executives to then focus valuable deep analysis time on already quantitatively promising movies.</a:t>
+            </a:r>
+          </a:p>
+          <a:p>
+            <a:endParaRPr lang="en-US" dirty="0"/>
+          </a:p>
+        </p:txBody>
+      </p:sp>
+      <p:sp>
+        <p:nvSpPr>
+          <p:cNvPr id="4" name="Slide Number Placeholder 3">
+            <a:extLst>
+              <a:ext uri="{FF2B5EF4-FFF2-40B4-BE49-F238E27FC236}">
+                <a16:creationId xmlns:a16="http://schemas.microsoft.com/office/drawing/2014/main" id="{6E2ED450-8E66-6D44-8A4F-96361EC66DC1}"/>
+              </a:ext>
+            </a:extLst>
+          </p:cNvPr>
+          <p:cNvSpPr>
+            <a:spLocks noGrp="1"/>
+          </p:cNvSpPr>
+          <p:nvPr>
+            <p:ph type="sldNum" sz="quarter" idx="12"/>
+          </p:nvPr>
+        </p:nvSpPr>
+        <p:spPr/>
+        <p:txBody>
+          <a:bodyPr/>
+          <a:lstStyle/>
+          <a:p>
+            <a:fld id="{8FD628FE-D6DE-D844-B3CE-80CC651E15E2}" type="slidenum">
+              <a:rPr lang="en-US" smtClean="0"/>
+              <a:t>5</a:t>
+            </a:fld>
+            <a:endParaRPr lang="en-US" dirty="0"/>
+          </a:p>
+        </p:txBody>
+      </p:sp>
+    </p:spTree>
+    <p:extLst>
+      <p:ext uri="{BB962C8B-B14F-4D97-AF65-F5344CB8AC3E}">
+        <p14:creationId xmlns:p14="http://schemas.microsoft.com/office/powerpoint/2010/main" val="2963513293"/>
+      </p:ext>
+    </p:extLst>
+  </p:cSld>
+  <p:clrMapOvr>
+    <a:masterClrMapping/>
+  </p:clrMapOvr>
+</p:sld>
+</file>
+
+<file path=ppt/slides/slide6.xml><?xml version="1.0" encoding="utf-8"?>
+<p:sld xmlns:a="http://schemas.openxmlformats.org/drawingml/2006/main" xmlns:r="http://schemas.openxmlformats.org/officeDocument/2006/relationships" xmlns:p="http://schemas.openxmlformats.org/presentationml/2006/main">
+  <p:cSld>
+    <p:spTree>
+      <p:nvGrpSpPr>
+        <p:cNvPr id="1" name=""/>
+        <p:cNvGrpSpPr/>
+        <p:nvPr/>
+      </p:nvGrpSpPr>
+      <p:grpSpPr>
+        <a:xfrm>
+          <a:off x="0" y="0"/>
+          <a:ext cx="0" cy="0"/>
+          <a:chOff x="0" y="0"/>
+          <a:chExt cx="0" cy="0"/>
+        </a:xfrm>
+      </p:grpSpPr>
+      <p:sp>
+        <p:nvSpPr>
+          <p:cNvPr id="2" name="Title 1">
+            <a:extLst>
+              <a:ext uri="{FF2B5EF4-FFF2-40B4-BE49-F238E27FC236}">
+                <a16:creationId xmlns:a16="http://schemas.microsoft.com/office/drawing/2014/main" id="{4F72A4C7-2C7E-DB4B-8EBA-914FF534A55F}"/>
+              </a:ext>
+            </a:extLst>
+          </p:cNvPr>
+          <p:cNvSpPr>
+            <a:spLocks noGrp="1"/>
+          </p:cNvSpPr>
+          <p:nvPr>
+            <p:ph type="title"/>
+          </p:nvPr>
+        </p:nvSpPr>
+        <p:spPr/>
+        <p:txBody>
+          <a:bodyPr/>
+          <a:lstStyle/>
+          <a:p>
+            <a:pPr algn="ctr"/>
+            <a:r>
+              <a:rPr lang="en-US" dirty="0">
+                <a:latin typeface="CCMeanwhile" pitchFamily="2" charset="77"/>
+              </a:rPr>
+              <a:t>Data Source</a:t>
+            </a:r>
+          </a:p>
+        </p:txBody>
+      </p:sp>
+      <p:sp>
+        <p:nvSpPr>
+          <p:cNvPr id="3" name="Content Placeholder 2">
+            <a:extLst>
+              <a:ext uri="{FF2B5EF4-FFF2-40B4-BE49-F238E27FC236}">
+                <a16:creationId xmlns:a16="http://schemas.microsoft.com/office/drawing/2014/main" id="{3277AA31-062A-3544-8893-B1FD16E9648F}"/>
+              </a:ext>
+            </a:extLst>
+          </p:cNvPr>
+          <p:cNvSpPr>
+            <a:spLocks noGrp="1"/>
+          </p:cNvSpPr>
+          <p:nvPr>
+            <p:ph idx="1"/>
+          </p:nvPr>
+        </p:nvSpPr>
+        <p:spPr/>
+        <p:txBody>
+          <a:bodyPr/>
+          <a:lstStyle/>
+          <a:p>
+            <a:r>
+              <a:rPr lang="en-US" dirty="0"/>
+              <a:t>The starting data set are 4000 movies released in the US with an MPAA rating between January 1, 2010 and December 31, 2019.</a:t>
+            </a:r>
+          </a:p>
+          <a:p>
+            <a:r>
+              <a:rPr lang="en-US" dirty="0"/>
+              <a:t>This original data set was then cleaned to 2127 movies that had all required data fields defined.</a:t>
+            </a:r>
+          </a:p>
+          <a:p>
+            <a:r>
+              <a:rPr lang="en-US" dirty="0"/>
+              <a:t>The data was scraped from imdb.com using Python </a:t>
+            </a:r>
+            <a:r>
+              <a:rPr lang="en-US" dirty="0">
+                <a:latin typeface="Courier New" panose="02070309020205020404" pitchFamily="49" charset="0"/>
+              </a:rPr>
+              <a:t>requests</a:t>
+            </a:r>
+            <a:r>
+              <a:rPr lang="en-US" dirty="0"/>
+              <a:t> and </a:t>
+            </a:r>
+            <a:r>
+              <a:rPr lang="en-US" dirty="0">
+                <a:latin typeface="Courier New" panose="02070309020205020404" pitchFamily="49" charset="0"/>
+              </a:rPr>
+              <a:t>BeautifulSoup</a:t>
+            </a:r>
+            <a:r>
+              <a:rPr lang="en-US" dirty="0"/>
+              <a:t>.</a:t>
+            </a:r>
+          </a:p>
+        </p:txBody>
+      </p:sp>
+      <p:sp>
+        <p:nvSpPr>
+          <p:cNvPr id="4" name="Slide Number Placeholder 3">
+            <a:extLst>
+              <a:ext uri="{FF2B5EF4-FFF2-40B4-BE49-F238E27FC236}">
+                <a16:creationId xmlns:a16="http://schemas.microsoft.com/office/drawing/2014/main" id="{C7D3538B-7ADA-1944-9E21-31177BAF5C81}"/>
+              </a:ext>
+            </a:extLst>
+          </p:cNvPr>
+          <p:cNvSpPr>
+            <a:spLocks noGrp="1"/>
+          </p:cNvSpPr>
+          <p:nvPr>
+            <p:ph type="sldNum" sz="quarter" idx="12"/>
+          </p:nvPr>
+        </p:nvSpPr>
+        <p:spPr/>
+        <p:txBody>
+          <a:bodyPr/>
+          <a:lstStyle/>
+          <a:p>
+            <a:fld id="{8FD628FE-D6DE-D844-B3CE-80CC651E15E2}" type="slidenum">
+              <a:rPr lang="en-US" smtClean="0"/>
+              <a:t>6</a:t>
+            </a:fld>
+            <a:endParaRPr lang="en-US" dirty="0"/>
+          </a:p>
+        </p:txBody>
+      </p:sp>
+    </p:spTree>
+    <p:extLst>
+      <p:ext uri="{BB962C8B-B14F-4D97-AF65-F5344CB8AC3E}">
+        <p14:creationId xmlns:p14="http://schemas.microsoft.com/office/powerpoint/2010/main" val="4124451735"/>
+      </p:ext>
+    </p:extLst>
+  </p:cSld>
+  <p:clrMapOvr>
+    <a:masterClrMapping/>
+  </p:clrMapOvr>
+</p:sld>
+</file>
+
+<file path=ppt/slides/slide7.xml><?xml version="1.0" encoding="utf-8"?>
+<p:sld xmlns:a="http://schemas.openxmlformats.org/drawingml/2006/main" xmlns:r="http://schemas.openxmlformats.org/officeDocument/2006/relationships" xmlns:p="http://schemas.openxmlformats.org/presentationml/2006/main">
+  <p:cSld>
+    <p:spTree>
+      <p:nvGrpSpPr>
+        <p:cNvPr id="1" name=""/>
+        <p:cNvGrpSpPr/>
+        <p:nvPr/>
+      </p:nvGrpSpPr>
+      <p:grpSpPr>
+        <a:xfrm>
+          <a:off x="0" y="0"/>
+          <a:ext cx="0" cy="0"/>
+          <a:chOff x="0" y="0"/>
+          <a:chExt cx="0" cy="0"/>
+        </a:xfrm>
+      </p:grpSpPr>
+      <p:sp>
+        <p:nvSpPr>
+          <p:cNvPr id="2" name="Title 1">
+            <a:extLst>
+              <a:ext uri="{FF2B5EF4-FFF2-40B4-BE49-F238E27FC236}">
+                <a16:creationId xmlns:a16="http://schemas.microsoft.com/office/drawing/2014/main" id="{DA86D287-2564-6343-861E-3D6B167ACA50}"/>
+              </a:ext>
+            </a:extLst>
+          </p:cNvPr>
+          <p:cNvSpPr>
+            <a:spLocks noGrp="1"/>
+          </p:cNvSpPr>
+          <p:nvPr>
+            <p:ph type="title"/>
+          </p:nvPr>
+        </p:nvSpPr>
+        <p:spPr/>
+        <p:txBody>
+          <a:bodyPr/>
+          <a:lstStyle/>
+          <a:p>
+            <a:pPr algn="ctr"/>
+            <a:r>
+              <a:rPr lang="en-US" dirty="0">
+                <a:latin typeface="CCMeanwhile" pitchFamily="2" charset="77"/>
+              </a:rPr>
+              <a:t>Features In Data Source Used In Model</a:t>
+            </a:r>
+          </a:p>
+        </p:txBody>
+      </p:sp>
+      <p:sp>
+        <p:nvSpPr>
+          <p:cNvPr id="3" name="Content Placeholder 2">
+            <a:extLst>
+              <a:ext uri="{FF2B5EF4-FFF2-40B4-BE49-F238E27FC236}">
+                <a16:creationId xmlns:a16="http://schemas.microsoft.com/office/drawing/2014/main" id="{B71DD229-49A5-264C-B693-9DC617447217}"/>
+              </a:ext>
+            </a:extLst>
+          </p:cNvPr>
+          <p:cNvSpPr>
+            <a:spLocks noGrp="1"/>
+          </p:cNvSpPr>
+          <p:nvPr>
+            <p:ph idx="1"/>
+          </p:nvPr>
+        </p:nvSpPr>
+        <p:spPr/>
+        <p:txBody>
+          <a:bodyPr>
+            <a:normAutofit fontScale="77500" lnSpcReduction="20000"/>
+          </a:bodyPr>
+          <a:lstStyle/>
+          <a:p>
+            <a:r>
+              <a:rPr lang="en-US" dirty="0"/>
+              <a:t>The following features were used in the model:</a:t>
+            </a:r>
+          </a:p>
+          <a:p>
+            <a:pPr lvl="1"/>
+            <a:r>
+              <a:rPr lang="en-US" dirty="0"/>
+              <a:t>Runtime: length of the movie in minutes</a:t>
+            </a:r>
+          </a:p>
+          <a:p>
+            <a:pPr lvl="1"/>
+            <a:r>
+              <a:rPr lang="en-US" dirty="0"/>
+              <a:t>Budget: Amount of money it took to make the movie (in US $)</a:t>
+            </a:r>
+          </a:p>
+          <a:p>
+            <a:pPr lvl="1"/>
+            <a:r>
+              <a:rPr lang="en-US" dirty="0"/>
+              <a:t>Release month of the movie: One-hot encoded (12 categories)</a:t>
+            </a:r>
+          </a:p>
+          <a:p>
+            <a:pPr lvl="1"/>
+            <a:r>
+              <a:rPr lang="en-US" dirty="0"/>
+              <a:t>Genre of the movie: One-hot encoded (17 categories)</a:t>
+            </a:r>
+          </a:p>
+          <a:p>
+            <a:pPr lvl="1"/>
+            <a:r>
+              <a:rPr lang="en-US" dirty="0"/>
+              <a:t>MPAA Rating of the Movie: (4 categories)</a:t>
+            </a:r>
+          </a:p>
+          <a:p>
+            <a:pPr lvl="1"/>
+            <a:r>
+              <a:rPr lang="en-US" dirty="0"/>
+              <a:t>One-hot encoded value of the month the movie was released (12 categories encoded</a:t>
+            </a:r>
+          </a:p>
+          <a:p>
+            <a:pPr lvl="1"/>
+            <a:r>
+              <a:rPr lang="en-US" dirty="0"/>
+              <a:t>One-hot encoded value of the genre of the movie (17 categories encoded)</a:t>
+            </a:r>
+          </a:p>
+          <a:p>
+            <a:pPr lvl="1"/>
+            <a:r>
+              <a:rPr lang="en-US" b="1" dirty="0"/>
+              <a:t>Director Star Power</a:t>
+            </a:r>
+            <a:r>
+              <a:rPr lang="en-US" dirty="0"/>
+              <a:t>: 1 point for each Best Director Award for earned or nominated by the director of said movie</a:t>
+            </a:r>
+          </a:p>
+          <a:p>
+            <a:pPr lvl="1"/>
+            <a:r>
+              <a:rPr lang="en-US" b="1" dirty="0"/>
+              <a:t>Cast 1 Star Power</a:t>
+            </a:r>
+            <a:r>
+              <a:rPr lang="en-US" dirty="0"/>
+              <a:t>: 1 point for each Best Actor or Best Actress Award earned or nominated by the 1</a:t>
+            </a:r>
+            <a:r>
+              <a:rPr lang="en-US" baseline="30000" dirty="0"/>
+              <a:t>st</a:t>
+            </a:r>
+            <a:r>
+              <a:rPr lang="en-US" dirty="0"/>
+              <a:t> cast member listed for the movie</a:t>
+            </a:r>
+          </a:p>
+          <a:p>
+            <a:pPr lvl="1"/>
+            <a:r>
+              <a:rPr lang="en-US" b="1" dirty="0"/>
+              <a:t>Cast 2 Star Power</a:t>
+            </a:r>
+            <a:r>
+              <a:rPr lang="en-US" dirty="0"/>
+              <a:t>: 1 point for each Best Actor or Best Actress Award earned or nominated by the 2</a:t>
+            </a:r>
+            <a:r>
+              <a:rPr lang="en-US" baseline="30000" dirty="0"/>
+              <a:t>nd</a:t>
+            </a:r>
+            <a:r>
+              <a:rPr lang="en-US" dirty="0"/>
+              <a:t>  cast member listed for the movie</a:t>
+            </a:r>
+          </a:p>
+          <a:p>
+            <a:pPr lvl="1"/>
+            <a:r>
+              <a:rPr lang="en-US" b="1" dirty="0"/>
+              <a:t>Cast 3 Star Power</a:t>
+            </a:r>
+            <a:r>
+              <a:rPr lang="en-US" dirty="0"/>
+              <a:t>: 1 point for each Best Actor or Best Actress Award earned or nominated by the 3</a:t>
+            </a:r>
+            <a:r>
+              <a:rPr lang="en-US" baseline="30000" dirty="0"/>
+              <a:t>rd</a:t>
+            </a:r>
+            <a:r>
+              <a:rPr lang="en-US" dirty="0"/>
+              <a:t>  cast member listed for the movie</a:t>
+            </a:r>
+          </a:p>
+          <a:p>
+            <a:pPr lvl="1"/>
+            <a:r>
+              <a:rPr lang="en-US" b="1" dirty="0"/>
+              <a:t>Log(Budget): </a:t>
+            </a:r>
+            <a:r>
+              <a:rPr lang="en-US" dirty="0"/>
+              <a:t>Logarithm of the Budget</a:t>
+            </a:r>
+          </a:p>
+          <a:p>
+            <a:pPr lvl="1"/>
+            <a:endParaRPr lang="en-US" dirty="0"/>
+          </a:p>
+          <a:p>
+            <a:pPr lvl="1"/>
+            <a:endParaRPr lang="en-US" dirty="0"/>
+          </a:p>
+          <a:p>
+            <a:pPr lvl="1"/>
+            <a:endParaRPr lang="en-US" dirty="0"/>
+          </a:p>
+        </p:txBody>
+      </p:sp>
+      <p:sp>
+        <p:nvSpPr>
+          <p:cNvPr id="4" name="Slide Number Placeholder 3">
+            <a:extLst>
+              <a:ext uri="{FF2B5EF4-FFF2-40B4-BE49-F238E27FC236}">
+                <a16:creationId xmlns:a16="http://schemas.microsoft.com/office/drawing/2014/main" id="{1C153AE2-6AD4-3A49-8706-42C05CB7E198}"/>
+              </a:ext>
+            </a:extLst>
+          </p:cNvPr>
+          <p:cNvSpPr>
+            <a:spLocks noGrp="1"/>
+          </p:cNvSpPr>
+          <p:nvPr>
+            <p:ph type="sldNum" sz="quarter" idx="12"/>
+          </p:nvPr>
+        </p:nvSpPr>
+        <p:spPr/>
+        <p:txBody>
+          <a:bodyPr/>
+          <a:lstStyle/>
+          <a:p>
+            <a:fld id="{8FD628FE-D6DE-D844-B3CE-80CC651E15E2}" type="slidenum">
+              <a:rPr lang="en-US" smtClean="0"/>
+              <a:t>7</a:t>
+            </a:fld>
+            <a:endParaRPr lang="en-US" dirty="0"/>
+          </a:p>
+        </p:txBody>
+      </p:sp>
+    </p:spTree>
+    <p:extLst>
+      <p:ext uri="{BB962C8B-B14F-4D97-AF65-F5344CB8AC3E}">
+        <p14:creationId xmlns:p14="http://schemas.microsoft.com/office/powerpoint/2010/main" val="490185649"/>
+      </p:ext>
+    </p:extLst>
+  </p:cSld>
+  <p:clrMapOvr>
+    <a:masterClrMapping/>
+  </p:clrMapOvr>
+</p:sld>
+</file>
+
+<file path=ppt/slides/slide8.xml><?xml version="1.0" encoding="utf-8"?>
+<p:sld xmlns:a="http://schemas.openxmlformats.org/drawingml/2006/main" xmlns:r="http://schemas.openxmlformats.org/officeDocument/2006/relationships" xmlns:p="http://schemas.openxmlformats.org/presentationml/2006/main">
+  <p:cSld>
+    <p:spTree>
+      <p:nvGrpSpPr>
+        <p:cNvPr id="1" name=""/>
+        <p:cNvGrpSpPr/>
+        <p:nvPr/>
+      </p:nvGrpSpPr>
+      <p:grpSpPr>
+        <a:xfrm>
+          <a:off x="0" y="0"/>
+          <a:ext cx="0" cy="0"/>
+          <a:chOff x="0" y="0"/>
+          <a:chExt cx="0" cy="0"/>
+        </a:xfrm>
+      </p:grpSpPr>
+      <p:sp>
+        <p:nvSpPr>
+          <p:cNvPr id="2" name="Title 1">
+            <a:extLst>
+              <a:ext uri="{FF2B5EF4-FFF2-40B4-BE49-F238E27FC236}">
+                <a16:creationId xmlns:a16="http://schemas.microsoft.com/office/drawing/2014/main" id="{968354E1-91FD-2346-BACB-CF24AE133A7C}"/>
+              </a:ext>
+            </a:extLst>
+          </p:cNvPr>
+          <p:cNvSpPr>
+            <a:spLocks noGrp="1"/>
+          </p:cNvSpPr>
+          <p:nvPr>
+            <p:ph type="title"/>
+          </p:nvPr>
+        </p:nvSpPr>
+        <p:spPr>
+          <a:xfrm>
+            <a:off x="838200" y="365126"/>
+            <a:ext cx="10515600" cy="475134"/>
+          </a:xfrm>
+        </p:spPr>
+        <p:txBody>
+          <a:bodyPr>
+            <a:normAutofit fontScale="90000"/>
+          </a:bodyPr>
+          <a:lstStyle/>
+          <a:p>
+            <a:pPr algn="ctr"/>
+            <a:r>
+              <a:rPr lang="en-US" sz="2400" dirty="0">
+                <a:latin typeface="CCMeanwhile" pitchFamily="2" charset="77"/>
+              </a:rPr>
+              <a:t>Top 5 Positive and Negative Correlation Features</a:t>
+            </a:r>
+            <a:br>
+              <a:rPr lang="en-US" sz="2400" dirty="0">
+                <a:latin typeface="CCMeanwhile" pitchFamily="2" charset="77"/>
+              </a:rPr>
+            </a:br>
+            <a:endParaRPr lang="en-US" sz="2400" dirty="0">
+              <a:latin typeface="CCMeanwhile" pitchFamily="2" charset="77"/>
+            </a:endParaRPr>
+          </a:p>
+        </p:txBody>
+      </p:sp>
+      <p:pic>
+        <p:nvPicPr>
+          <p:cNvPr id="5" name="Content Placeholder 4" descr="Chart&#10;&#10;Description automatically generated">
+            <a:extLst>
+              <a:ext uri="{FF2B5EF4-FFF2-40B4-BE49-F238E27FC236}">
+                <a16:creationId xmlns:a16="http://schemas.microsoft.com/office/drawing/2014/main" id="{62D17064-FD09-A14A-8500-F48942A81DAF}"/>
+              </a:ext>
+            </a:extLst>
+          </p:cNvPr>
+          <p:cNvPicPr>
+            <a:picLocks noGrp="1" noChangeAspect="1"/>
+          </p:cNvPicPr>
+          <p:nvPr>
+            <p:ph idx="1"/>
+          </p:nvPr>
+        </p:nvPicPr>
+        <p:blipFill>
+          <a:blip r:embed="rId2"/>
+          <a:stretch>
+            <a:fillRect/>
+          </a:stretch>
+        </p:blipFill>
+        <p:spPr>
+          <a:xfrm>
+            <a:off x="2268649" y="-257919"/>
+            <a:ext cx="7821127" cy="7821127"/>
+          </a:xfrm>
+        </p:spPr>
+      </p:pic>
+      <p:sp>
+        <p:nvSpPr>
+          <p:cNvPr id="6" name="Slide Number Placeholder 5">
+            <a:extLst>
+              <a:ext uri="{FF2B5EF4-FFF2-40B4-BE49-F238E27FC236}">
+                <a16:creationId xmlns:a16="http://schemas.microsoft.com/office/drawing/2014/main" id="{2DE82AD2-FC4C-4640-BD9D-94054D57A4E9}"/>
+              </a:ext>
+            </a:extLst>
+          </p:cNvPr>
+          <p:cNvSpPr>
+            <a:spLocks noGrp="1"/>
+          </p:cNvSpPr>
+          <p:nvPr>
+            <p:ph type="sldNum" sz="quarter" idx="12"/>
+          </p:nvPr>
+        </p:nvSpPr>
+        <p:spPr/>
+        <p:txBody>
+          <a:bodyPr/>
+          <a:lstStyle/>
+          <a:p>
+            <a:fld id="{8FD628FE-D6DE-D844-B3CE-80CC651E15E2}" type="slidenum">
+              <a:rPr lang="en-US" smtClean="0"/>
+              <a:t>8</a:t>
+            </a:fld>
+            <a:endParaRPr lang="en-US" dirty="0"/>
+          </a:p>
+        </p:txBody>
+      </p:sp>
+    </p:spTree>
+    <p:extLst>
+      <p:ext uri="{BB962C8B-B14F-4D97-AF65-F5344CB8AC3E}">
+        <p14:creationId xmlns:p14="http://schemas.microsoft.com/office/powerpoint/2010/main" val="2014569478"/>
+      </p:ext>
+    </p:extLst>
+  </p:cSld>
+  <p:clrMapOvr>
+    <a:masterClrMapping/>
+  </p:clrMapOvr>
+</p:sld>
+</file>
+
+<file path=ppt/slides/slide9.xml><?xml version="1.0" encoding="utf-8"?>
+<p:sld xmlns:a="http://schemas.openxmlformats.org/drawingml/2006/main" xmlns:r="http://schemas.openxmlformats.org/officeDocument/2006/relationships" xmlns:p="http://schemas.openxmlformats.org/presentationml/2006/main">
+  <p:cSld>
+    <p:spTree>
+      <p:nvGrpSpPr>
+        <p:cNvPr id="1" name=""/>
+        <p:cNvGrpSpPr/>
+        <p:nvPr/>
+      </p:nvGrpSpPr>
+      <p:grpSpPr>
+        <a:xfrm>
+          <a:off x="0" y="0"/>
+          <a:ext cx="0" cy="0"/>
+          <a:chOff x="0" y="0"/>
+          <a:chExt cx="0" cy="0"/>
+        </a:xfrm>
+      </p:grpSpPr>
+      <p:pic>
+        <p:nvPicPr>
+          <p:cNvPr id="5" name="Content Placeholder 4" descr="Chart, funnel chart&#10;&#10;Description automatically generated">
+            <a:extLst>
+              <a:ext uri="{FF2B5EF4-FFF2-40B4-BE49-F238E27FC236}">
+                <a16:creationId xmlns:a16="http://schemas.microsoft.com/office/drawing/2014/main" id="{40D18D95-D201-BD45-ADB1-F27781A1D96B}"/>
+              </a:ext>
+            </a:extLst>
+          </p:cNvPr>
+          <p:cNvPicPr>
+            <a:picLocks noGrp="1" noChangeAspect="1"/>
+          </p:cNvPicPr>
+          <p:nvPr>
+            <p:ph idx="1"/>
+          </p:nvPr>
+        </p:nvPicPr>
+        <p:blipFill>
+          <a:blip r:embed="rId2"/>
+          <a:stretch>
+            <a:fillRect/>
+          </a:stretch>
+        </p:blipFill>
+        <p:spPr>
+          <a:xfrm>
+            <a:off x="2622871" y="-139101"/>
+            <a:ext cx="7682664" cy="7682664"/>
+          </a:xfrm>
+        </p:spPr>
+      </p:pic>
+      <p:sp>
+        <p:nvSpPr>
+          <p:cNvPr id="6" name="Title 1">
+            <a:extLst>
+              <a:ext uri="{FF2B5EF4-FFF2-40B4-BE49-F238E27FC236}">
+                <a16:creationId xmlns:a16="http://schemas.microsoft.com/office/drawing/2014/main" id="{5443FA03-34AA-5A47-AE66-9CEEEDE783BB}"/>
+              </a:ext>
+            </a:extLst>
+          </p:cNvPr>
+          <p:cNvSpPr>
+            <a:spLocks noGrp="1"/>
+          </p:cNvSpPr>
+          <p:nvPr>
+            <p:ph type="title"/>
+          </p:nvPr>
+        </p:nvSpPr>
+        <p:spPr>
+          <a:xfrm>
+            <a:off x="838200" y="365126"/>
+            <a:ext cx="10515600" cy="475134"/>
+          </a:xfrm>
+        </p:spPr>
+        <p:txBody>
+          <a:bodyPr>
+            <a:normAutofit fontScale="90000"/>
+          </a:bodyPr>
+          <a:lstStyle/>
+          <a:p>
+            <a:pPr algn="ctr"/>
+            <a:r>
+              <a:rPr lang="en-US" sz="2400" dirty="0">
+                <a:latin typeface="CCMeanwhile" pitchFamily="2" charset="77"/>
+              </a:rPr>
+              <a:t>Top 5 Positive and Negative Correlation Features</a:t>
+            </a:r>
+            <a:br>
+              <a:rPr lang="en-US" sz="2400" dirty="0">
+                <a:latin typeface="CCMeanwhile" pitchFamily="2" charset="77"/>
+              </a:rPr>
+            </a:br>
+            <a:endParaRPr lang="en-US" sz="2400" dirty="0">
+              <a:latin typeface="CCMeanwhile" pitchFamily="2" charset="77"/>
+            </a:endParaRPr>
+          </a:p>
+        </p:txBody>
+      </p:sp>
+      <p:sp>
+        <p:nvSpPr>
+          <p:cNvPr id="7" name="Slide Number Placeholder 6">
+            <a:extLst>
+              <a:ext uri="{FF2B5EF4-FFF2-40B4-BE49-F238E27FC236}">
+                <a16:creationId xmlns:a16="http://schemas.microsoft.com/office/drawing/2014/main" id="{93BE8759-92F8-0F4F-BB60-6C6FE2368D9A}"/>
+              </a:ext>
+            </a:extLst>
+          </p:cNvPr>
+          <p:cNvSpPr>
+            <a:spLocks noGrp="1"/>
+          </p:cNvSpPr>
+          <p:nvPr>
+            <p:ph type="sldNum" sz="quarter" idx="12"/>
+          </p:nvPr>
+        </p:nvSpPr>
+        <p:spPr/>
+        <p:txBody>
+          <a:bodyPr/>
+          <a:lstStyle/>
+          <a:p>
+            <a:fld id="{8FD628FE-D6DE-D844-B3CE-80CC651E15E2}" type="slidenum">
+              <a:rPr lang="en-US" smtClean="0"/>
+              <a:t>9</a:t>
+            </a:fld>
+            <a:endParaRPr lang="en-US" dirty="0"/>
+          </a:p>
+        </p:txBody>
+      </p:sp>
+    </p:spTree>
+    <p:extLst>
+      <p:ext uri="{BB962C8B-B14F-4D97-AF65-F5344CB8AC3E}">
+        <p14:creationId xmlns:p14="http://schemas.microsoft.com/office/powerpoint/2010/main" val="2321023624"/>
       </p:ext>
     </p:extLst>
   </p:cSld>
@@ -3767,4 +8392,299 @@
     </a:ext>
   </a:extLst>
 </a:theme>
+</file>
+
+<file path=ppt/theme/theme2.xml><?xml version="1.0" encoding="utf-8"?>
+<a:theme xmlns:a="http://schemas.openxmlformats.org/drawingml/2006/main" name="Office Theme">
+  <a:themeElements>
+    <a:clrScheme name="Office">
+      <a:dk1>
+        <a:sysClr val="windowText" lastClr="000000"/>
+      </a:dk1>
+      <a:lt1>
+        <a:sysClr val="window" lastClr="FFFFFF"/>
+      </a:lt1>
+      <a:dk2>
+        <a:srgbClr val="44546A"/>
+      </a:dk2>
+      <a:lt2>
+        <a:srgbClr val="E7E6E6"/>
+      </a:lt2>
+      <a:accent1>
+        <a:srgbClr val="4472C4"/>
+      </a:accent1>
+      <a:accent2>
+        <a:srgbClr val="ED7D31"/>
+      </a:accent2>
+      <a:accent3>
+        <a:srgbClr val="A5A5A5"/>
+      </a:accent3>
+      <a:accent4>
+        <a:srgbClr val="FFC000"/>
+      </a:accent4>
+      <a:accent5>
+        <a:srgbClr val="5B9BD5"/>
+      </a:accent5>
+      <a:accent6>
+        <a:srgbClr val="70AD47"/>
+      </a:accent6>
+      <a:hlink>
+        <a:srgbClr val="0563C1"/>
+      </a:hlink>
+      <a:folHlink>
+        <a:srgbClr val="954F72"/>
+      </a:folHlink>
+    </a:clrScheme>
+    <a:fontScheme name="Office">
+      <a:majorFont>
+        <a:latin typeface="Calibri Light" panose="020F0302020204030204"/>
+        <a:ea typeface=""/>
+        <a:cs typeface=""/>
+        <a:font script="Jpan" typeface="游ゴシック Light"/>
+        <a:font script="Hang" typeface="맑은 고딕"/>
+        <a:font script="Hans" typeface="等线 Light"/>
+        <a:font script="Hant" typeface="新細明體"/>
+        <a:font script="Arab" typeface="Times New Roman"/>
+        <a:font script="Hebr" typeface="Times New Roman"/>
+        <a:font script="Thai" typeface="Angsana New"/>
+        <a:font script="Ethi" typeface="Nyala"/>
+        <a:font script="Beng" typeface="Vrinda"/>
+        <a:font script="Gujr" typeface="Shruti"/>
+        <a:font script="Khmr" typeface="MoolBoran"/>
+        <a:font script="Knda" typeface="Tunga"/>
+        <a:font script="Guru" typeface="Raavi"/>
+        <a:font script="Cans" typeface="Euphemia"/>
+        <a:font script="Cher" typeface="Plantagenet Cherokee"/>
+        <a:font script="Yiii" typeface="Microsoft Yi Baiti"/>
+        <a:font script="Tibt" typeface="Microsoft Himalaya"/>
+        <a:font script="Thaa" typeface="MV Boli"/>
+        <a:font script="Deva" typeface="Mangal"/>
+        <a:font script="Telu" typeface="Gautami"/>
+        <a:font script="Taml" typeface="Latha"/>
+        <a:font script="Syrc" typeface="Estrangelo Edessa"/>
+        <a:font script="Orya" typeface="Kalinga"/>
+        <a:font script="Mlym" typeface="Kartika"/>
+        <a:font script="Laoo" typeface="DokChampa"/>
+        <a:font script="Sinh" typeface="Iskoola Pota"/>
+        <a:font script="Mong" typeface="Mongolian Baiti"/>
+        <a:font script="Viet" typeface="Times New Roman"/>
+        <a:font script="Uigh" typeface="Microsoft Uighur"/>
+        <a:font script="Geor" typeface="Sylfaen"/>
+        <a:font script="Armn" typeface="Arial"/>
+        <a:font script="Bugi" typeface="Leelawadee UI"/>
+        <a:font script="Bopo" typeface="Microsoft JhengHei"/>
+        <a:font script="Java" typeface="Javanese Text"/>
+        <a:font script="Lisu" typeface="Segoe UI"/>
+        <a:font script="Mymr" typeface="Myanmar Text"/>
+        <a:font script="Nkoo" typeface="Ebrima"/>
+        <a:font script="Olck" typeface="Nirmala UI"/>
+        <a:font script="Osma" typeface="Ebrima"/>
+        <a:font script="Phag" typeface="Phagspa"/>
+        <a:font script="Syrn" typeface="Estrangelo Edessa"/>
+        <a:font script="Syrj" typeface="Estrangelo Edessa"/>
+        <a:font script="Syre" typeface="Estrangelo Edessa"/>
+        <a:font script="Sora" typeface="Nirmala UI"/>
+        <a:font script="Tale" typeface="Microsoft Tai Le"/>
+        <a:font script="Talu" typeface="Microsoft New Tai Lue"/>
+        <a:font script="Tfng" typeface="Ebrima"/>
+      </a:majorFont>
+      <a:minorFont>
+        <a:latin typeface="Calibri" panose="020F0502020204030204"/>
+        <a:ea typeface=""/>
+        <a:cs typeface=""/>
+        <a:font script="Jpan" typeface="游ゴシック"/>
+        <a:font script="Hang" typeface="맑은 고딕"/>
+        <a:font script="Hans" typeface="等线"/>
+        <a:font script="Hant" typeface="新細明體"/>
+        <a:font script="Arab" typeface="Arial"/>
+        <a:font script="Hebr" typeface="Arial"/>
+        <a:font script="Thai" typeface="Cordia New"/>
+        <a:font script="Ethi" typeface="Nyala"/>
+        <a:font script="Beng" typeface="Vrinda"/>
+        <a:font script="Gujr" typeface="Shruti"/>
+        <a:font script="Khmr" typeface="DaunPenh"/>
+        <a:font script="Knda" typeface="Tunga"/>
+        <a:font script="Guru" typeface="Raavi"/>
+        <a:font script="Cans" typeface="Euphemia"/>
+        <a:font script="Cher" typeface="Plantagenet Cherokee"/>
+        <a:font script="Yiii" typeface="Microsoft Yi Baiti"/>
+        <a:font script="Tibt" typeface="Microsoft Himalaya"/>
+        <a:font script="Thaa" typeface="MV Boli"/>
+        <a:font script="Deva" typeface="Mangal"/>
+        <a:font script="Telu" typeface="Gautami"/>
+        <a:font script="Taml" typeface="Latha"/>
+        <a:font script="Syrc" typeface="Estrangelo Edessa"/>
+        <a:font script="Orya" typeface="Kalinga"/>
+        <a:font script="Mlym" typeface="Kartika"/>
+        <a:font script="Laoo" typeface="DokChampa"/>
+        <a:font script="Sinh" typeface="Iskoola Pota"/>
+        <a:font script="Mong" typeface="Mongolian Baiti"/>
+        <a:font script="Viet" typeface="Arial"/>
+        <a:font script="Uigh" typeface="Microsoft Uighur"/>
+        <a:font script="Geor" typeface="Sylfaen"/>
+        <a:font script="Armn" typeface="Arial"/>
+        <a:font script="Bugi" typeface="Leelawadee UI"/>
+        <a:font script="Bopo" typeface="Microsoft JhengHei"/>
+        <a:font script="Java" typeface="Javanese Text"/>
+        <a:font script="Lisu" typeface="Segoe UI"/>
+        <a:font script="Mymr" typeface="Myanmar Text"/>
+        <a:font script="Nkoo" typeface="Ebrima"/>
+        <a:font script="Olck" typeface="Nirmala UI"/>
+        <a:font script="Osma" typeface="Ebrima"/>
+        <a:font script="Phag" typeface="Phagspa"/>
+        <a:font script="Syrn" typeface="Estrangelo Edessa"/>
+        <a:font script="Syrj" typeface="Estrangelo Edessa"/>
+        <a:font script="Syre" typeface="Estrangelo Edessa"/>
+        <a:font script="Sora" typeface="Nirmala UI"/>
+        <a:font script="Tale" typeface="Microsoft Tai Le"/>
+        <a:font script="Talu" typeface="Microsoft New Tai Lue"/>
+        <a:font script="Tfng" typeface="Ebrima"/>
+      </a:minorFont>
+    </a:fontScheme>
+    <a:fmtScheme name="Office">
+      <a:fillStyleLst>
+        <a:solidFill>
+          <a:schemeClr val="phClr"/>
+        </a:solidFill>
+        <a:gradFill rotWithShape="1">
+          <a:gsLst>
+            <a:gs pos="0">
+              <a:schemeClr val="phClr">
+                <a:lumMod val="110000"/>
+                <a:satMod val="105000"/>
+                <a:tint val="67000"/>
+              </a:schemeClr>
+            </a:gs>
+            <a:gs pos="50000">
+              <a:schemeClr val="phClr">
+                <a:lumMod val="105000"/>
+                <a:satMod val="103000"/>
+                <a:tint val="73000"/>
+              </a:schemeClr>
+            </a:gs>
+            <a:gs pos="100000">
+              <a:schemeClr val="phClr">
+                <a:lumMod val="105000"/>
+                <a:satMod val="109000"/>
+                <a:tint val="81000"/>
+              </a:schemeClr>
+            </a:gs>
+          </a:gsLst>
+          <a:lin ang="5400000" scaled="0"/>
+        </a:gradFill>
+        <a:gradFill rotWithShape="1">
+          <a:gsLst>
+            <a:gs pos="0">
+              <a:schemeClr val="phClr">
+                <a:satMod val="103000"/>
+                <a:lumMod val="102000"/>
+                <a:tint val="94000"/>
+              </a:schemeClr>
+            </a:gs>
+            <a:gs pos="50000">
+              <a:schemeClr val="phClr">
+                <a:satMod val="110000"/>
+                <a:lumMod val="100000"/>
+                <a:shade val="100000"/>
+              </a:schemeClr>
+            </a:gs>
+            <a:gs pos="100000">
+              <a:schemeClr val="phClr">
+                <a:lumMod val="99000"/>
+                <a:satMod val="120000"/>
+                <a:shade val="78000"/>
+              </a:schemeClr>
+            </a:gs>
+          </a:gsLst>
+          <a:lin ang="5400000" scaled="0"/>
+        </a:gradFill>
+      </a:fillStyleLst>
+      <a:lnStyleLst>
+        <a:ln w="6350" cap="flat" cmpd="sng" algn="ctr">
+          <a:solidFill>
+            <a:schemeClr val="phClr"/>
+          </a:solidFill>
+          <a:prstDash val="solid"/>
+          <a:miter lim="800000"/>
+        </a:ln>
+        <a:ln w="12700" cap="flat" cmpd="sng" algn="ctr">
+          <a:solidFill>
+            <a:schemeClr val="phClr"/>
+          </a:solidFill>
+          <a:prstDash val="solid"/>
+          <a:miter lim="800000"/>
+        </a:ln>
+        <a:ln w="19050" cap="flat" cmpd="sng" algn="ctr">
+          <a:solidFill>
+            <a:schemeClr val="phClr"/>
+          </a:solidFill>
+          <a:prstDash val="solid"/>
+          <a:miter lim="800000"/>
+        </a:ln>
+      </a:lnStyleLst>
+      <a:effectStyleLst>
+        <a:effectStyle>
+          <a:effectLst/>
+        </a:effectStyle>
+        <a:effectStyle>
+          <a:effectLst/>
+        </a:effectStyle>
+        <a:effectStyle>
+          <a:effectLst>
+            <a:outerShdw blurRad="57150" dist="19050" dir="5400000" algn="ctr" rotWithShape="0">
+              <a:srgbClr val="000000">
+                <a:alpha val="63000"/>
+              </a:srgbClr>
+            </a:outerShdw>
+          </a:effectLst>
+        </a:effectStyle>
+      </a:effectStyleLst>
+      <a:bgFillStyleLst>
+        <a:solidFill>
+          <a:schemeClr val="phClr"/>
+        </a:solidFill>
+        <a:solidFill>
+          <a:schemeClr val="phClr">
+            <a:tint val="95000"/>
+            <a:satMod val="170000"/>
+          </a:schemeClr>
+        </a:solidFill>
+        <a:gradFill rotWithShape="1">
+          <a:gsLst>
+            <a:gs pos="0">
+              <a:schemeClr val="phClr">
+                <a:tint val="93000"/>
+                <a:satMod val="150000"/>
+                <a:shade val="98000"/>
+                <a:lumMod val="102000"/>
+              </a:schemeClr>
+            </a:gs>
+            <a:gs pos="50000">
+              <a:schemeClr val="phClr">
+                <a:tint val="98000"/>
+                <a:satMod val="130000"/>
+                <a:shade val="90000"/>
+                <a:lumMod val="103000"/>
+              </a:schemeClr>
+            </a:gs>
+            <a:gs pos="100000">
+              <a:schemeClr val="phClr">
+                <a:shade val="63000"/>
+                <a:satMod val="120000"/>
+              </a:schemeClr>
+            </a:gs>
+          </a:gsLst>
+          <a:lin ang="5400000" scaled="0"/>
+        </a:gradFill>
+      </a:bgFillStyleLst>
+    </a:fmtScheme>
+  </a:themeElements>
+  <a:objectDefaults/>
+  <a:extraClrSchemeLst/>
+  <a:extLst>
+    <a:ext uri="{05A4C25C-085E-4340-85A3-A5531E510DB2}">
+      <thm15:themeFamily xmlns:thm15="http://schemas.microsoft.com/office/thememl/2012/main" name="Office Theme" id="{62F939B6-93AF-4DB8-9C6B-D6C7DFDC589F}" vid="{4A3C46E8-61CC-4603-A589-7422A47A8E4A}"/>
+    </a:ext>
+  </a:extLst>
+</a:theme>
 </file>
--- a/Michael_Green_Metis_Project2.pptx
+++ b/Michael_Green_Metis_Project2.pptx
@@ -122,6 +122,11 @@
       </a:defRPr>
     </a:lvl9pPr>
   </p:defaultTextStyle>
+  <p:extLst>
+    <p:ext uri="{EFAFB233-063F-42B5-8137-9DF3F51BA10A}">
+      <p15:sldGuideLst xmlns:p15="http://schemas.microsoft.com/office/powerpoint/2012/main"/>
+    </p:ext>
+  </p:extLst>
 </p:presentation>
 </file>
 
@@ -3887,8 +3892,8 @@
           </a:p>
         </p:txBody>
       </p:sp>
-      <mc:AlternateContent xmlns:mc="http://schemas.openxmlformats.org/markup-compatibility/2006">
-        <mc:Choice xmlns:a14="http://schemas.microsoft.com/office/drawing/2010/main" Requires="a14">
+      <mc:AlternateContent xmlns:mc="http://schemas.openxmlformats.org/markup-compatibility/2006" xmlns:a14="http://schemas.microsoft.com/office/drawing/2010/main">
+        <mc:Choice Requires="a14">
           <p:sp>
             <p:nvSpPr>
               <p:cNvPr id="3" name="Content Placeholder 2">
@@ -4077,7 +4082,7 @@
                         <a:rPr lang="en-US" sz="1300" b="0" i="0" smtClean="0">
                           <a:latin typeface="Courier" pitchFamily="2" charset="0"/>
                         </a:rPr>
-                        <m:t> - 0.1492</m:t>
+                        <m:t> − 0.1492</m:t>
                       </m:r>
                       <m:r>
                         <m:rPr>
@@ -4160,7 +4165,7 @@
                     <m:oMath xmlns:m="http://schemas.openxmlformats.org/officeDocument/2006/math">
                       <m:r>
                         <a:rPr lang="en-US" sz="1300" b="0" i="1" smtClean="0">
-                          <a:latin typeface="Courier" pitchFamily="2" charset="0"/>
+                          <a:latin typeface="Cambria Math" panose="02040503050406030204" pitchFamily="18" charset="0"/>
                         </a:rPr>
                         <m:t>–</m:t>
                       </m:r>
@@ -4215,7 +4220,7 @@
                         <a:rPr lang="en-US" sz="1300" b="0" i="0" smtClean="0">
                           <a:latin typeface="Courier" pitchFamily="2" charset="0"/>
                         </a:rPr>
-                        <m:t>-0.0672</m:t>
+                        <m:t>−0.0672</m:t>
                       </m:r>
                       <m:r>
                         <m:rPr>
@@ -4254,7 +4259,7 @@
                     <m:oMath xmlns:m="http://schemas.openxmlformats.org/officeDocument/2006/math">
                       <m:r>
                         <a:rPr lang="en-US" sz="1300" b="0" i="1" smtClean="0">
-                          <a:latin typeface="Courier" pitchFamily="2" charset="0"/>
+                          <a:latin typeface="Cambria Math" panose="02040503050406030204" pitchFamily="18" charset="0"/>
                         </a:rPr>
                         <m:t>–</m:t>
                       </m:r>
@@ -4304,7 +4309,7 @@
                     <m:oMath xmlns:m="http://schemas.openxmlformats.org/officeDocument/2006/math">
                       <m:r>
                         <a:rPr lang="en-US" sz="1300" b="0" i="1" smtClean="0">
-                          <a:latin typeface="Courier" pitchFamily="2" charset="0"/>
+                          <a:latin typeface="Cambria Math" panose="02040503050406030204" pitchFamily="18" charset="0"/>
                         </a:rPr>
                         <m:t>–</m:t>
                       </m:r>
@@ -4354,7 +4359,7 @@
                     <m:oMath xmlns:m="http://schemas.openxmlformats.org/officeDocument/2006/math">
                       <m:r>
                         <a:rPr lang="en-US" sz="1300" b="0" i="1" smtClean="0">
-                          <a:latin typeface="Courier" pitchFamily="2" charset="0"/>
+                          <a:latin typeface="Cambria Math" panose="02040503050406030204" pitchFamily="18" charset="0"/>
                         </a:rPr>
                         <m:t>–</m:t>
                       </m:r>
@@ -4829,7 +4834,7 @@
                         <a:rPr lang="en-US" sz="1300" b="0" i="0" smtClean="0">
                           <a:latin typeface="Courier" pitchFamily="2" charset="0"/>
                         </a:rPr>
-                        <m:t>- 0.3144</m:t>
+                        <m:t>− 0.3144</m:t>
                       </m:r>
                       <m:r>
                         <m:rPr>
@@ -4873,7 +4878,7 @@
                         <a:rPr lang="en-US" sz="1300" b="0" i="0" smtClean="0">
                           <a:latin typeface="Courier" pitchFamily="2" charset="0"/>
                         </a:rPr>
-                        <m:t>- 0.42562</m:t>
+                        <m:t>− 0.42562</m:t>
                       </m:r>
                       <m:r>
                         <m:rPr>
@@ -4912,7 +4917,7 @@
                     <m:oMath xmlns:m="http://schemas.openxmlformats.org/officeDocument/2006/math">
                       <m:r>
                         <a:rPr lang="en-US" sz="1300" b="0" i="1" smtClean="0">
-                          <a:latin typeface="Courier" pitchFamily="2" charset="0"/>
+                          <a:latin typeface="Cambria Math" panose="02040503050406030204" pitchFamily="18" charset="0"/>
                         </a:rPr>
                         <m:t>–</m:t>
                       </m:r>
@@ -5161,7 +5166,7 @@
                         <a:rPr lang="en-US" sz="1300" b="0" i="0" smtClean="0">
                           <a:latin typeface="Courier" pitchFamily="2" charset="0"/>
                         </a:rPr>
-                        <m:t>-</m:t>
+                        <m:t>−</m:t>
                       </m:r>
                       <m:r>
                         <m:rPr>
@@ -5244,7 +5249,7 @@
                     <m:oMath xmlns:m="http://schemas.openxmlformats.org/officeDocument/2006/math">
                       <m:r>
                         <a:rPr lang="en-US" sz="1300" b="0" i="1" smtClean="0">
-                          <a:latin typeface="Courier" pitchFamily="2" charset="0"/>
+                          <a:latin typeface="Cambria Math" panose="02040503050406030204" pitchFamily="18" charset="0"/>
                         </a:rPr>
                         <m:t>–</m:t>
                       </m:r>
@@ -5294,7 +5299,7 @@
                     <m:oMath xmlns:m="http://schemas.openxmlformats.org/officeDocument/2006/math">
                       <m:r>
                         <a:rPr lang="en-US" sz="1300" b="0" i="1" smtClean="0">
-                          <a:latin typeface="Courier" pitchFamily="2" charset="0"/>
+                          <a:latin typeface="Cambria Math" panose="02040503050406030204" pitchFamily="18" charset="0"/>
                         </a:rPr>
                         <m:t>–</m:t>
                       </m:r>
@@ -5344,7 +5349,7 @@
                     <m:oMath xmlns:m="http://schemas.openxmlformats.org/officeDocument/2006/math">
                       <m:r>
                         <a:rPr lang="en-US" sz="1300" b="0" i="1" smtClean="0">
-                          <a:latin typeface="Courier" pitchFamily="2" charset="0"/>
+                          <a:latin typeface="Cambria Math" panose="02040503050406030204" pitchFamily="18" charset="0"/>
                         </a:rPr>
                         <m:t>–</m:t>
                       </m:r>
@@ -5423,7 +5428,7 @@
                         <a:rPr lang="en-US" sz="1300" b="0" i="0" smtClean="0">
                           <a:latin typeface="Courier" pitchFamily="2" charset="0"/>
                         </a:rPr>
-                        <m:t>-13 </m:t>
+                        <m:t>−13 </m:t>
                       </m:r>
                     </m:oMath>
                   </m:oMathPara>
@@ -5444,7 +5449,7 @@
                     <m:oMath xmlns:m="http://schemas.openxmlformats.org/officeDocument/2006/math">
                       <m:r>
                         <a:rPr lang="en-US" sz="1300" b="0" i="1" smtClean="0">
-                          <a:latin typeface="Courier" pitchFamily="2" charset="0"/>
+                          <a:latin typeface="Cambria Math" panose="02040503050406030204" pitchFamily="18" charset="0"/>
                         </a:rPr>
                         <m:t>–</m:t>
                       </m:r>
@@ -5509,7 +5514,7 @@
                         <a:rPr lang="en-US" sz="1300" b="0" i="0" smtClean="0">
                           <a:latin typeface="Courier" pitchFamily="2" charset="0"/>
                         </a:rPr>
-                        <m:t> + 0.10356*</m:t>
+                        <m:t> + 0.10356∗</m:t>
                       </m:r>
                       <m:r>
                         <m:rPr>
@@ -5545,7 +5550,7 @@
                         <a:rPr lang="en-US" sz="1300" b="0" i="0" smtClean="0">
                           <a:latin typeface="Courier" pitchFamily="2" charset="0"/>
                         </a:rPr>
-                        <m:t> +0*(</m:t>
+                        <m:t> +0∗(</m:t>
                       </m:r>
                       <m:r>
                         <m:rPr>
@@ -5673,7 +5678,7 @@
             </p:txBody>
           </p:sp>
         </mc:Choice>
-        <mc:Fallback>
+        <mc:Fallback xmlns="">
           <p:sp>
             <p:nvSpPr>
               <p:cNvPr id="3" name="Content Placeholder 2">
@@ -5883,15 +5888,6 @@
                 </a:pPr>
                 <a:endParaRPr lang="en-US" sz="5400" dirty="0"/>
               </a:p>
-              <a:p>
-                <a:pPr marL="0" indent="0">
-                  <a:buNone/>
-                </a:pPr>
-                <a:r>
-                  <a:rPr lang="en-US" sz="5400" dirty="0"/>
-                  <a:t>Better than guessing, where you have a 1/100 chance of getting it right.</a:t>
-                </a:r>
-              </a:p>
             </p:txBody>
           </p:sp>
         </mc:Choice>
@@ -5916,7 +5912,7 @@
               <a:blipFill>
                 <a:blip r:embed="rId3"/>
                 <a:stretch>
-                  <a:fillRect l="-3136" t="-581" b="-1453"/>
+                  <a:fillRect t="-581"/>
                 </a:stretch>
               </a:blipFill>
             </p:spPr>

--- a/Michael_Green_Metis_Project2.pptx
+++ b/Michael_Green_Metis_Project2.pptx
@@ -7634,7 +7634,7 @@
         <p:spPr/>
         <p:txBody>
           <a:bodyPr>
-            <a:normAutofit fontScale="77500" lnSpcReduction="20000"/>
+            <a:normAutofit fontScale="85000" lnSpcReduction="20000"/>
           </a:bodyPr>
           <a:lstStyle/>
           <a:p>
@@ -7675,22 +7675,13 @@
             <a:pPr lvl="1"/>
             <a:r>
               <a:rPr lang="en-US" dirty="0"/>
-              <a:t>MPAA Rating of the Movie: (4 categories)</a:t>
-            </a:r>
-          </a:p>
-          <a:p>
-            <a:pPr lvl="1"/>
-            <a:r>
-              <a:rPr lang="en-US" dirty="0"/>
-              <a:t>One-hot encoded value of the month the movie was released (12 categories encoded</a:t>
-            </a:r>
-          </a:p>
-          <a:p>
-            <a:pPr lvl="1"/>
-            <a:r>
-              <a:rPr lang="en-US" dirty="0"/>
-              <a:t>One-hot encoded value of the genre of the movie (17 categories encoded)</a:t>
-            </a:r>
+              <a:t>MPAA Rating of the Movie: (4 </a:t>
+            </a:r>
+            <a:r>
+              <a:rPr lang="en-US"/>
+              <a:t>categories)</a:t>
+            </a:r>
+            <a:endParaRPr lang="en-US" dirty="0"/>
           </a:p>
           <a:p>
             <a:pPr lvl="1"/>

--- a/Michael_Green_Metis_Project2.pptx
+++ b/Michael_Green_Metis_Project2.pptx
@@ -3892,1836 +3892,6 @@
           </a:p>
         </p:txBody>
       </p:sp>
-      <mc:AlternateContent xmlns:mc="http://schemas.openxmlformats.org/markup-compatibility/2006" xmlns:a14="http://schemas.microsoft.com/office/drawing/2010/main">
-        <mc:Choice Requires="a14">
-          <p:sp>
-            <p:nvSpPr>
-              <p:cNvPr id="3" name="Content Placeholder 2">
-                <a:extLst>
-                  <a:ext uri="{FF2B5EF4-FFF2-40B4-BE49-F238E27FC236}">
-                    <a16:creationId xmlns:a16="http://schemas.microsoft.com/office/drawing/2014/main" id="{5694EFCD-EC71-C84D-A1D5-98B3236420DF}"/>
-                  </a:ext>
-                </a:extLst>
-              </p:cNvPr>
-              <p:cNvSpPr>
-                <a:spLocks noGrp="1"/>
-              </p:cNvSpPr>
-              <p:nvPr>
-                <p:ph idx="1"/>
-              </p:nvPr>
-            </p:nvSpPr>
-            <p:spPr>
-              <a:xfrm>
-                <a:off x="528204" y="921760"/>
-                <a:ext cx="11135591" cy="5790767"/>
-              </a:xfrm>
-            </p:spPr>
-            <p:txBody>
-              <a:bodyPr>
-                <a:normAutofit fontScale="92500"/>
-              </a:bodyPr>
-              <a:lstStyle/>
-              <a:p>
-                <a:pPr marL="0" indent="0">
-                  <a:buNone/>
-                </a:pPr>
-                <a14:m>
-                  <m:oMathPara xmlns:m="http://schemas.openxmlformats.org/officeDocument/2006/math">
-                    <m:oMathParaPr>
-                      <m:jc m:val="centerGroup"/>
-                    </m:oMathParaPr>
-                    <m:oMath xmlns:m="http://schemas.openxmlformats.org/officeDocument/2006/math">
-                      <m:r>
-                        <a:rPr lang="en-US" sz="1300" b="0" i="1" smtClean="0">
-                          <a:latin typeface="Cambria Math" panose="02040503050406030204" pitchFamily="18" charset="0"/>
-                        </a:rPr>
-                        <m:t>𝑦</m:t>
-                      </m:r>
-                      <m:r>
-                        <a:rPr lang="en-US" sz="1300" b="0" i="1" smtClean="0">
-                          <a:latin typeface="Cambria Math" panose="02040503050406030204" pitchFamily="18" charset="0"/>
-                        </a:rPr>
-                        <m:t>=</m:t>
-                      </m:r>
-                      <m:r>
-                        <m:rPr>
-                          <m:nor/>
-                        </m:rPr>
-                        <a:rPr lang="en-US" sz="1300" smtClean="0">
-                          <a:latin typeface="Courier" pitchFamily="2" charset="0"/>
-                        </a:rPr>
-                        <m:t>0.0258</m:t>
-                      </m:r>
-                      <m:r>
-                        <m:rPr>
-                          <m:nor/>
-                        </m:rPr>
-                        <a:rPr lang="en-US" sz="1300" b="0" i="0" smtClean="0">
-                          <a:latin typeface="Courier" pitchFamily="2" charset="0"/>
-                        </a:rPr>
-                        <m:t>runtime</m:t>
-                      </m:r>
-                      <m:r>
-                        <m:rPr>
-                          <m:nor/>
-                        </m:rPr>
-                        <a:rPr lang="en-US" sz="1300" b="0" i="0" smtClean="0">
-                          <a:latin typeface="Courier" pitchFamily="2" charset="0"/>
-                        </a:rPr>
-                        <m:t> </m:t>
-                      </m:r>
-                    </m:oMath>
-                  </m:oMathPara>
-                </a14:m>
-                <a:endParaRPr lang="en-US" sz="1300" b="0" i="0" dirty="0">
-                  <a:latin typeface="Courier" pitchFamily="2" charset="0"/>
-                </a:endParaRPr>
-              </a:p>
-              <a:p>
-                <a:pPr marL="0" indent="0">
-                  <a:buNone/>
-                </a:pPr>
-                <a14:m>
-                  <m:oMathPara xmlns:m="http://schemas.openxmlformats.org/officeDocument/2006/math">
-                    <m:oMathParaPr>
-                      <m:jc m:val="centerGroup"/>
-                    </m:oMathParaPr>
-                    <m:oMath xmlns:m="http://schemas.openxmlformats.org/officeDocument/2006/math">
-                      <m:r>
-                        <m:rPr>
-                          <m:nor/>
-                        </m:rPr>
-                        <a:rPr lang="en-US" sz="1300" b="0" i="0" smtClean="0">
-                          <a:latin typeface="Courier" pitchFamily="2" charset="0"/>
-                        </a:rPr>
-                        <m:t>+ 1.878</m:t>
-                      </m:r>
-                      <m:r>
-                        <m:rPr>
-                          <m:nor/>
-                        </m:rPr>
-                        <a:rPr lang="en-US" sz="1300" b="0" i="0" smtClean="0">
-                          <a:latin typeface="Courier" pitchFamily="2" charset="0"/>
-                        </a:rPr>
-                        <m:t>budget</m:t>
-                      </m:r>
-                      <m:r>
-                        <m:rPr>
-                          <m:nor/>
-                        </m:rPr>
-                        <a:rPr lang="en-US" sz="1300" b="0" i="0" smtClean="0">
-                          <a:latin typeface="Courier" pitchFamily="2" charset="0"/>
-                        </a:rPr>
-                        <m:t> </m:t>
-                      </m:r>
-                    </m:oMath>
-                  </m:oMathPara>
-                </a14:m>
-                <a:endParaRPr lang="en-US" sz="1300" b="0" i="0" dirty="0">
-                  <a:latin typeface="Courier" pitchFamily="2" charset="0"/>
-                </a:endParaRPr>
-              </a:p>
-              <a:p>
-                <a:pPr marL="0" indent="0">
-                  <a:buNone/>
-                </a:pPr>
-                <a14:m>
-                  <m:oMathPara xmlns:m="http://schemas.openxmlformats.org/officeDocument/2006/math">
-                    <m:oMathParaPr>
-                      <m:jc m:val="centerGroup"/>
-                    </m:oMathParaPr>
-                    <m:oMath xmlns:m="http://schemas.openxmlformats.org/officeDocument/2006/math">
-                      <m:r>
-                        <m:rPr>
-                          <m:nor/>
-                        </m:rPr>
-                        <a:rPr lang="en-US" sz="1300" b="0" i="0" smtClean="0">
-                          <a:latin typeface="Courier" pitchFamily="2" charset="0"/>
-                        </a:rPr>
-                        <m:t>+ 0.0449</m:t>
-                      </m:r>
-                      <m:r>
-                        <m:rPr>
-                          <m:nor/>
-                        </m:rPr>
-                        <a:rPr lang="en-US" sz="1300" b="0" i="0" smtClean="0">
-                          <a:latin typeface="Courier" pitchFamily="2" charset="0"/>
-                        </a:rPr>
-                        <m:t>August</m:t>
-                      </m:r>
-                      <m:r>
-                        <m:rPr>
-                          <m:nor/>
-                        </m:rPr>
-                        <a:rPr lang="en-US" sz="1300" b="0" i="0" smtClean="0">
-                          <a:latin typeface="Courier" pitchFamily="2" charset="0"/>
-                        </a:rPr>
-                        <m:t> </m:t>
-                      </m:r>
-                    </m:oMath>
-                  </m:oMathPara>
-                </a14:m>
-                <a:endParaRPr lang="en-US" sz="1300" b="0" i="0" dirty="0">
-                  <a:latin typeface="Courier" pitchFamily="2" charset="0"/>
-                </a:endParaRPr>
-              </a:p>
-              <a:p>
-                <a:pPr marL="0" indent="0">
-                  <a:buNone/>
-                </a:pPr>
-                <a14:m>
-                  <m:oMathPara xmlns:m="http://schemas.openxmlformats.org/officeDocument/2006/math">
-                    <m:oMathParaPr>
-                      <m:jc m:val="centerGroup"/>
-                    </m:oMathParaPr>
-                    <m:oMath xmlns:m="http://schemas.openxmlformats.org/officeDocument/2006/math">
-                      <m:r>
-                        <m:rPr>
-                          <m:nor/>
-                        </m:rPr>
-                        <a:rPr lang="en-US" sz="1300" b="0" i="0" smtClean="0">
-                          <a:latin typeface="Courier" pitchFamily="2" charset="0"/>
-                        </a:rPr>
-                        <m:t> − 0.1492</m:t>
-                      </m:r>
-                      <m:r>
-                        <m:rPr>
-                          <m:nor/>
-                        </m:rPr>
-                        <a:rPr lang="en-US" sz="1300" b="0" i="0" smtClean="0">
-                          <a:latin typeface="Courier" pitchFamily="2" charset="0"/>
-                        </a:rPr>
-                        <m:t>December</m:t>
-                      </m:r>
-                      <m:r>
-                        <m:rPr>
-                          <m:nor/>
-                        </m:rPr>
-                        <a:rPr lang="en-US" sz="1300" b="0" i="0" smtClean="0">
-                          <a:latin typeface="Courier" pitchFamily="2" charset="0"/>
-                        </a:rPr>
-                        <m:t> </m:t>
-                      </m:r>
-                    </m:oMath>
-                  </m:oMathPara>
-                </a14:m>
-                <a:endParaRPr lang="en-US" sz="1300" b="0" i="0" dirty="0">
-                  <a:latin typeface="Courier" pitchFamily="2" charset="0"/>
-                </a:endParaRPr>
-              </a:p>
-              <a:p>
-                <a:pPr marL="0" indent="0">
-                  <a:buNone/>
-                </a:pPr>
-                <a14:m>
-                  <m:oMathPara xmlns:m="http://schemas.openxmlformats.org/officeDocument/2006/math">
-                    <m:oMathParaPr>
-                      <m:jc m:val="centerGroup"/>
-                    </m:oMathParaPr>
-                    <m:oMath xmlns:m="http://schemas.openxmlformats.org/officeDocument/2006/math">
-                      <m:r>
-                        <m:rPr>
-                          <m:nor/>
-                        </m:rPr>
-                        <a:rPr lang="en-US" sz="1300" b="0" i="0" smtClean="0">
-                          <a:latin typeface="Courier" pitchFamily="2" charset="0"/>
-                        </a:rPr>
-                        <m:t>0.1206</m:t>
-                      </m:r>
-                      <m:r>
-                        <m:rPr>
-                          <m:nor/>
-                        </m:rPr>
-                        <a:rPr lang="en-US" sz="1300" b="0" i="0" smtClean="0">
-                          <a:latin typeface="Courier" pitchFamily="2" charset="0"/>
-                        </a:rPr>
-                        <m:t>February</m:t>
-                      </m:r>
-                      <m:r>
-                        <m:rPr>
-                          <m:nor/>
-                        </m:rPr>
-                        <a:rPr lang="en-US" sz="1300" b="0" i="0" smtClean="0">
-                          <a:latin typeface="Courier" pitchFamily="2" charset="0"/>
-                        </a:rPr>
-                        <m:t> </m:t>
-                      </m:r>
-                    </m:oMath>
-                  </m:oMathPara>
-                </a14:m>
-                <a:endParaRPr lang="en-US" sz="1300" b="0" i="0" dirty="0">
-                  <a:latin typeface="Courier" pitchFamily="2" charset="0"/>
-                </a:endParaRPr>
-              </a:p>
-              <a:p>
-                <a:pPr marL="0" indent="0">
-                  <a:buNone/>
-                </a:pPr>
-                <a14:m>
-                  <m:oMathPara xmlns:m="http://schemas.openxmlformats.org/officeDocument/2006/math">
-                    <m:oMathParaPr>
-                      <m:jc m:val="centerGroup"/>
-                    </m:oMathParaPr>
-                    <m:oMath xmlns:m="http://schemas.openxmlformats.org/officeDocument/2006/math">
-                      <m:r>
-                        <a:rPr lang="en-US" sz="1300" b="0" i="1" smtClean="0">
-                          <a:latin typeface="Cambria Math" panose="02040503050406030204" pitchFamily="18" charset="0"/>
-                        </a:rPr>
-                        <m:t>–</m:t>
-                      </m:r>
-                      <m:r>
-                        <m:rPr>
-                          <m:nor/>
-                        </m:rPr>
-                        <a:rPr lang="en-US" sz="1300" b="0" i="0" smtClean="0">
-                          <a:latin typeface="Courier" pitchFamily="2" charset="0"/>
-                        </a:rPr>
-                        <m:t> 0.0363</m:t>
-                      </m:r>
-                      <m:r>
-                        <m:rPr>
-                          <m:nor/>
-                        </m:rPr>
-                        <a:rPr lang="en-US" sz="1300" b="0" i="0" smtClean="0">
-                          <a:latin typeface="Courier" pitchFamily="2" charset="0"/>
-                        </a:rPr>
-                        <m:t>January</m:t>
-                      </m:r>
-                      <m:r>
-                        <m:rPr>
-                          <m:nor/>
-                        </m:rPr>
-                        <a:rPr lang="en-US" sz="1300" b="0" i="0" smtClean="0">
-                          <a:latin typeface="Courier" pitchFamily="2" charset="0"/>
-                        </a:rPr>
-                        <m:t> </m:t>
-                      </m:r>
-                    </m:oMath>
-                  </m:oMathPara>
-                </a14:m>
-                <a:endParaRPr lang="en-US" sz="1300" b="0" i="0" dirty="0">
-                  <a:latin typeface="Courier" pitchFamily="2" charset="0"/>
-                </a:endParaRPr>
-              </a:p>
-              <a:p>
-                <a:pPr marL="0" indent="0">
-                  <a:buNone/>
-                </a:pPr>
-                <a14:m>
-                  <m:oMathPara xmlns:m="http://schemas.openxmlformats.org/officeDocument/2006/math">
-                    <m:oMathParaPr>
-                      <m:jc m:val="centerGroup"/>
-                    </m:oMathParaPr>
-                    <m:oMath xmlns:m="http://schemas.openxmlformats.org/officeDocument/2006/math">
-                      <m:r>
-                        <m:rPr>
-                          <m:nor/>
-                        </m:rPr>
-                        <a:rPr lang="en-US" sz="1300" b="0" i="0" smtClean="0">
-                          <a:latin typeface="Courier" pitchFamily="2" charset="0"/>
-                        </a:rPr>
-                        <m:t>−0.0672</m:t>
-                      </m:r>
-                      <m:r>
-                        <m:rPr>
-                          <m:nor/>
-                        </m:rPr>
-                        <a:rPr lang="en-US" sz="1300" b="0" i="0" smtClean="0">
-                          <a:latin typeface="Courier" pitchFamily="2" charset="0"/>
-                        </a:rPr>
-                        <m:t>July</m:t>
-                      </m:r>
-                      <m:r>
-                        <m:rPr>
-                          <m:nor/>
-                        </m:rPr>
-                        <a:rPr lang="en-US" sz="1300" b="0" i="0" smtClean="0">
-                          <a:latin typeface="Courier" pitchFamily="2" charset="0"/>
-                        </a:rPr>
-                        <m:t> </m:t>
-                      </m:r>
-                    </m:oMath>
-                  </m:oMathPara>
-                </a14:m>
-                <a:endParaRPr lang="en-US" sz="1300" b="0" i="0" dirty="0">
-                  <a:latin typeface="Courier" pitchFamily="2" charset="0"/>
-                </a:endParaRPr>
-              </a:p>
-              <a:p>
-                <a:pPr marL="0" indent="0">
-                  <a:buNone/>
-                </a:pPr>
-                <a14:m>
-                  <m:oMathPara xmlns:m="http://schemas.openxmlformats.org/officeDocument/2006/math">
-                    <m:oMathParaPr>
-                      <m:jc m:val="centerGroup"/>
-                    </m:oMathParaPr>
-                    <m:oMath xmlns:m="http://schemas.openxmlformats.org/officeDocument/2006/math">
-                      <m:r>
-                        <a:rPr lang="en-US" sz="1300" b="0" i="1" smtClean="0">
-                          <a:latin typeface="Cambria Math" panose="02040503050406030204" pitchFamily="18" charset="0"/>
-                        </a:rPr>
-                        <m:t>–</m:t>
-                      </m:r>
-                      <m:r>
-                        <m:rPr>
-                          <m:nor/>
-                        </m:rPr>
-                        <a:rPr lang="en-US" sz="1300" b="0" i="0" smtClean="0">
-                          <a:latin typeface="Courier" pitchFamily="2" charset="0"/>
-                        </a:rPr>
-                        <m:t> 0.0296</m:t>
-                      </m:r>
-                      <m:r>
-                        <m:rPr>
-                          <m:nor/>
-                        </m:rPr>
-                        <a:rPr lang="en-US" sz="1300" b="0" i="0" smtClean="0">
-                          <a:latin typeface="Courier" pitchFamily="2" charset="0"/>
-                        </a:rPr>
-                        <m:t>June</m:t>
-                      </m:r>
-                      <m:r>
-                        <m:rPr>
-                          <m:nor/>
-                        </m:rPr>
-                        <a:rPr lang="en-US" sz="1300" b="0" i="0" smtClean="0">
-                          <a:latin typeface="Courier" pitchFamily="2" charset="0"/>
-                        </a:rPr>
-                        <m:t> </m:t>
-                      </m:r>
-                    </m:oMath>
-                  </m:oMathPara>
-                </a14:m>
-                <a:endParaRPr lang="en-US" sz="1300" b="0" i="0" dirty="0">
-                  <a:latin typeface="Courier" pitchFamily="2" charset="0"/>
-                </a:endParaRPr>
-              </a:p>
-              <a:p>
-                <a:pPr marL="0" indent="0">
-                  <a:buNone/>
-                </a:pPr>
-                <a14:m>
-                  <m:oMathPara xmlns:m="http://schemas.openxmlformats.org/officeDocument/2006/math">
-                    <m:oMathParaPr>
-                      <m:jc m:val="centerGroup"/>
-                    </m:oMathParaPr>
-                    <m:oMath xmlns:m="http://schemas.openxmlformats.org/officeDocument/2006/math">
-                      <m:r>
-                        <a:rPr lang="en-US" sz="1300" b="0" i="1" smtClean="0">
-                          <a:latin typeface="Cambria Math" panose="02040503050406030204" pitchFamily="18" charset="0"/>
-                        </a:rPr>
-                        <m:t>–</m:t>
-                      </m:r>
-                      <m:r>
-                        <m:rPr>
-                          <m:nor/>
-                        </m:rPr>
-                        <a:rPr lang="en-US" sz="1300" b="0" i="0" smtClean="0">
-                          <a:latin typeface="Courier" pitchFamily="2" charset="0"/>
-                        </a:rPr>
-                        <m:t> 0.0638</m:t>
-                      </m:r>
-                      <m:r>
-                        <m:rPr>
-                          <m:nor/>
-                        </m:rPr>
-                        <a:rPr lang="en-US" sz="1300" b="0" i="0" smtClean="0">
-                          <a:latin typeface="Courier" pitchFamily="2" charset="0"/>
-                        </a:rPr>
-                        <m:t>March</m:t>
-                      </m:r>
-                      <m:r>
-                        <m:rPr>
-                          <m:nor/>
-                        </m:rPr>
-                        <a:rPr lang="en-US" sz="1300" b="0" i="0" smtClean="0">
-                          <a:latin typeface="Courier" pitchFamily="2" charset="0"/>
-                        </a:rPr>
-                        <m:t> </m:t>
-                      </m:r>
-                    </m:oMath>
-                  </m:oMathPara>
-                </a14:m>
-                <a:endParaRPr lang="en-US" sz="1300" b="0" i="0" dirty="0">
-                  <a:latin typeface="Courier" pitchFamily="2" charset="0"/>
-                </a:endParaRPr>
-              </a:p>
-              <a:p>
-                <a:pPr marL="0" indent="0">
-                  <a:buNone/>
-                </a:pPr>
-                <a14:m>
-                  <m:oMathPara xmlns:m="http://schemas.openxmlformats.org/officeDocument/2006/math">
-                    <m:oMathParaPr>
-                      <m:jc m:val="centerGroup"/>
-                    </m:oMathParaPr>
-                    <m:oMath xmlns:m="http://schemas.openxmlformats.org/officeDocument/2006/math">
-                      <m:r>
-                        <a:rPr lang="en-US" sz="1300" b="0" i="1" smtClean="0">
-                          <a:latin typeface="Cambria Math" panose="02040503050406030204" pitchFamily="18" charset="0"/>
-                        </a:rPr>
-                        <m:t>–</m:t>
-                      </m:r>
-                      <m:r>
-                        <m:rPr>
-                          <m:nor/>
-                        </m:rPr>
-                        <a:rPr lang="en-US" sz="1300" b="0" i="0" smtClean="0">
-                          <a:latin typeface="Courier" pitchFamily="2" charset="0"/>
-                        </a:rPr>
-                        <m:t> 0.1692</m:t>
-                      </m:r>
-                      <m:r>
-                        <m:rPr>
-                          <m:nor/>
-                        </m:rPr>
-                        <a:rPr lang="en-US" sz="1300" b="0" i="0" smtClean="0">
-                          <a:latin typeface="Courier" pitchFamily="2" charset="0"/>
-                        </a:rPr>
-                        <m:t>May</m:t>
-                      </m:r>
-                      <m:r>
-                        <m:rPr>
-                          <m:nor/>
-                        </m:rPr>
-                        <a:rPr lang="en-US" sz="1300" b="0" i="0" smtClean="0">
-                          <a:latin typeface="Courier" pitchFamily="2" charset="0"/>
-                        </a:rPr>
-                        <m:t> </m:t>
-                      </m:r>
-                    </m:oMath>
-                  </m:oMathPara>
-                </a14:m>
-                <a:endParaRPr lang="en-US" sz="1300" b="0" i="0" dirty="0">
-                  <a:latin typeface="Courier" pitchFamily="2" charset="0"/>
-                </a:endParaRPr>
-              </a:p>
-              <a:p>
-                <a:pPr marL="0" indent="0">
-                  <a:buNone/>
-                </a:pPr>
-                <a14:m>
-                  <m:oMathPara xmlns:m="http://schemas.openxmlformats.org/officeDocument/2006/math">
-                    <m:oMathParaPr>
-                      <m:jc m:val="centerGroup"/>
-                    </m:oMathParaPr>
-                    <m:oMath xmlns:m="http://schemas.openxmlformats.org/officeDocument/2006/math">
-                      <m:r>
-                        <a:rPr lang="en-US" sz="1300" b="0" i="1" smtClean="0">
-                          <a:latin typeface="Cambria Math" panose="02040503050406030204" pitchFamily="18" charset="0"/>
-                        </a:rPr>
-                        <m:t>+</m:t>
-                      </m:r>
-                      <m:r>
-                        <m:rPr>
-                          <m:nor/>
-                        </m:rPr>
-                        <a:rPr lang="en-US" sz="1300" b="0" i="0" smtClean="0">
-                          <a:latin typeface="Courier" pitchFamily="2" charset="0"/>
-                        </a:rPr>
-                        <m:t> 0.06582</m:t>
-                      </m:r>
-                      <m:r>
-                        <m:rPr>
-                          <m:nor/>
-                        </m:rPr>
-                        <a:rPr lang="en-US" sz="1300" b="0" i="0" smtClean="0">
-                          <a:latin typeface="Courier" pitchFamily="2" charset="0"/>
-                        </a:rPr>
-                        <m:t>November</m:t>
-                      </m:r>
-                      <m:r>
-                        <m:rPr>
-                          <m:nor/>
-                        </m:rPr>
-                        <a:rPr lang="en-US" sz="1300" b="0" i="0" smtClean="0">
-                          <a:latin typeface="Courier" pitchFamily="2" charset="0"/>
-                        </a:rPr>
-                        <m:t> </m:t>
-                      </m:r>
-                    </m:oMath>
-                  </m:oMathPara>
-                </a14:m>
-                <a:endParaRPr lang="en-US" sz="1300" b="0" i="0" dirty="0">
-                  <a:latin typeface="Courier" pitchFamily="2" charset="0"/>
-                </a:endParaRPr>
-              </a:p>
-              <a:p>
-                <a:pPr marL="0" indent="0">
-                  <a:buNone/>
-                </a:pPr>
-                <a14:m>
-                  <m:oMathPara xmlns:m="http://schemas.openxmlformats.org/officeDocument/2006/math">
-                    <m:oMathParaPr>
-                      <m:jc m:val="centerGroup"/>
-                    </m:oMathParaPr>
-                    <m:oMath xmlns:m="http://schemas.openxmlformats.org/officeDocument/2006/math">
-                      <m:r>
-                        <a:rPr lang="en-US" sz="1300" b="0" i="1" smtClean="0">
-                          <a:latin typeface="Cambria Math" panose="02040503050406030204" pitchFamily="18" charset="0"/>
-                        </a:rPr>
-                        <m:t>+</m:t>
-                      </m:r>
-                      <m:r>
-                        <m:rPr>
-                          <m:nor/>
-                        </m:rPr>
-                        <a:rPr lang="en-US" sz="1300" b="0" i="0" smtClean="0">
-                          <a:latin typeface="Courier" pitchFamily="2" charset="0"/>
-                        </a:rPr>
-                        <m:t> 0.0294</m:t>
-                      </m:r>
-                      <m:r>
-                        <m:rPr>
-                          <m:nor/>
-                        </m:rPr>
-                        <a:rPr lang="en-US" sz="1300" b="0" i="0" smtClean="0">
-                          <a:latin typeface="Courier" pitchFamily="2" charset="0"/>
-                        </a:rPr>
-                        <m:t>October</m:t>
-                      </m:r>
-                      <m:r>
-                        <m:rPr>
-                          <m:nor/>
-                        </m:rPr>
-                        <a:rPr lang="en-US" sz="1300" b="0" i="0" smtClean="0">
-                          <a:latin typeface="Courier" pitchFamily="2" charset="0"/>
-                        </a:rPr>
-                        <m:t> </m:t>
-                      </m:r>
-                    </m:oMath>
-                  </m:oMathPara>
-                </a14:m>
-                <a:endParaRPr lang="en-US" sz="1300" b="0" i="0" dirty="0">
-                  <a:latin typeface="Courier" pitchFamily="2" charset="0"/>
-                </a:endParaRPr>
-              </a:p>
-              <a:p>
-                <a:pPr marL="0" indent="0">
-                  <a:buNone/>
-                </a:pPr>
-                <a14:m>
-                  <m:oMathPara xmlns:m="http://schemas.openxmlformats.org/officeDocument/2006/math">
-                    <m:oMathParaPr>
-                      <m:jc m:val="centerGroup"/>
-                    </m:oMathParaPr>
-                    <m:oMath xmlns:m="http://schemas.openxmlformats.org/officeDocument/2006/math">
-                      <m:r>
-                        <a:rPr lang="en-US" sz="1300" b="0" i="1" smtClean="0">
-                          <a:latin typeface="Cambria Math" panose="02040503050406030204" pitchFamily="18" charset="0"/>
-                        </a:rPr>
-                        <m:t>+</m:t>
-                      </m:r>
-                      <m:r>
-                        <m:rPr>
-                          <m:nor/>
-                        </m:rPr>
-                        <a:rPr lang="en-US" sz="1300" b="0" i="0" smtClean="0">
-                          <a:latin typeface="Courier" pitchFamily="2" charset="0"/>
-                        </a:rPr>
-                        <m:t> 0.005259</m:t>
-                      </m:r>
-                      <m:r>
-                        <m:rPr>
-                          <m:nor/>
-                        </m:rPr>
-                        <a:rPr lang="en-US" sz="1300" b="0" i="0" smtClean="0">
-                          <a:latin typeface="Courier" pitchFamily="2" charset="0"/>
-                        </a:rPr>
-                        <m:t>September</m:t>
-                      </m:r>
-                      <m:r>
-                        <m:rPr>
-                          <m:nor/>
-                        </m:rPr>
-                        <a:rPr lang="en-US" sz="1300" b="0" i="0" smtClean="0">
-                          <a:latin typeface="Courier" pitchFamily="2" charset="0"/>
-                        </a:rPr>
-                        <m:t> </m:t>
-                      </m:r>
-                    </m:oMath>
-                  </m:oMathPara>
-                </a14:m>
-                <a:endParaRPr lang="en-US" sz="1300" b="0" i="0" dirty="0">
-                  <a:latin typeface="Courier" pitchFamily="2" charset="0"/>
-                </a:endParaRPr>
-              </a:p>
-              <a:p>
-                <a:pPr marL="0" indent="0">
-                  <a:buNone/>
-                </a:pPr>
-                <a14:m>
-                  <m:oMathPara xmlns:m="http://schemas.openxmlformats.org/officeDocument/2006/math">
-                    <m:oMathParaPr>
-                      <m:jc m:val="centerGroup"/>
-                    </m:oMathParaPr>
-                    <m:oMath xmlns:m="http://schemas.openxmlformats.org/officeDocument/2006/math">
-                      <m:r>
-                        <a:rPr lang="en-US" sz="1300" b="0" i="1" smtClean="0">
-                          <a:latin typeface="Cambria Math" panose="02040503050406030204" pitchFamily="18" charset="0"/>
-                        </a:rPr>
-                        <m:t>+</m:t>
-                      </m:r>
-                      <m:r>
-                        <m:rPr>
-                          <m:nor/>
-                        </m:rPr>
-                        <a:rPr lang="en-US" sz="1300" b="0" i="0" smtClean="0">
-                          <a:latin typeface="Courier" pitchFamily="2" charset="0"/>
-                        </a:rPr>
-                        <m:t> 0.3251</m:t>
-                      </m:r>
-                      <m:r>
-                        <m:rPr>
-                          <m:nor/>
-                        </m:rPr>
-                        <a:rPr lang="en-US" sz="1300" b="0" i="0" smtClean="0">
-                          <a:latin typeface="Courier" pitchFamily="2" charset="0"/>
-                        </a:rPr>
-                        <m:t>Adventure</m:t>
-                      </m:r>
-                      <m:r>
-                        <m:rPr>
-                          <m:nor/>
-                        </m:rPr>
-                        <a:rPr lang="en-US" sz="1300" b="0" i="0" smtClean="0">
-                          <a:latin typeface="Courier" pitchFamily="2" charset="0"/>
-                        </a:rPr>
-                        <m:t> </m:t>
-                      </m:r>
-                    </m:oMath>
-                  </m:oMathPara>
-                </a14:m>
-                <a:endParaRPr lang="en-US" sz="1300" b="0" i="0" dirty="0">
-                  <a:latin typeface="Courier" pitchFamily="2" charset="0"/>
-                </a:endParaRPr>
-              </a:p>
-              <a:p>
-                <a:pPr marL="0" indent="0">
-                  <a:buNone/>
-                </a:pPr>
-                <a14:m>
-                  <m:oMathPara xmlns:m="http://schemas.openxmlformats.org/officeDocument/2006/math">
-                    <m:oMathParaPr>
-                      <m:jc m:val="centerGroup"/>
-                    </m:oMathParaPr>
-                    <m:oMath xmlns:m="http://schemas.openxmlformats.org/officeDocument/2006/math">
-                      <m:r>
-                        <m:rPr>
-                          <m:nor/>
-                        </m:rPr>
-                        <a:rPr lang="en-US" sz="1300" b="0" i="0" smtClean="0">
-                          <a:latin typeface="Courier" pitchFamily="2" charset="0"/>
-                        </a:rPr>
-                        <m:t>+ 0.8829</m:t>
-                      </m:r>
-                      <m:r>
-                        <m:rPr>
-                          <m:nor/>
-                        </m:rPr>
-                        <a:rPr lang="en-US" sz="1300" b="0" i="0" smtClean="0">
-                          <a:latin typeface="Courier" pitchFamily="2" charset="0"/>
-                        </a:rPr>
-                        <m:t>Animation</m:t>
-                      </m:r>
-                      <m:r>
-                        <m:rPr>
-                          <m:nor/>
-                        </m:rPr>
-                        <a:rPr lang="en-US" sz="1300" b="0" i="0" smtClean="0">
-                          <a:latin typeface="Courier" pitchFamily="2" charset="0"/>
-                        </a:rPr>
-                        <m:t> </m:t>
-                      </m:r>
-                    </m:oMath>
-                  </m:oMathPara>
-                </a14:m>
-                <a:endParaRPr lang="en-US" sz="1300" b="0" i="0" dirty="0">
-                  <a:latin typeface="Courier" pitchFamily="2" charset="0"/>
-                </a:endParaRPr>
-              </a:p>
-              <a:p>
-                <a:pPr marL="0" indent="0">
-                  <a:buNone/>
-                </a:pPr>
-                <a14:m>
-                  <m:oMathPara xmlns:m="http://schemas.openxmlformats.org/officeDocument/2006/math">
-                    <m:oMathParaPr>
-                      <m:jc m:val="centerGroup"/>
-                    </m:oMathParaPr>
-                    <m:oMath xmlns:m="http://schemas.openxmlformats.org/officeDocument/2006/math">
-                      <m:r>
-                        <m:rPr>
-                          <m:nor/>
-                        </m:rPr>
-                        <a:rPr lang="en-US" sz="1300" b="0" i="0" smtClean="0">
-                          <a:latin typeface="Courier" pitchFamily="2" charset="0"/>
-                        </a:rPr>
-                        <m:t>+ 0.7957</m:t>
-                      </m:r>
-                      <m:r>
-                        <m:rPr>
-                          <m:nor/>
-                        </m:rPr>
-                        <a:rPr lang="en-US" sz="1300" b="0" i="0" smtClean="0">
-                          <a:latin typeface="Courier" pitchFamily="2" charset="0"/>
-                        </a:rPr>
-                        <m:t>Biography</m:t>
-                      </m:r>
-                      <m:r>
-                        <m:rPr>
-                          <m:nor/>
-                        </m:rPr>
-                        <a:rPr lang="en-US" sz="1300" b="0" i="0" smtClean="0">
-                          <a:latin typeface="Courier" pitchFamily="2" charset="0"/>
-                        </a:rPr>
-                        <m:t> </m:t>
-                      </m:r>
-                    </m:oMath>
-                  </m:oMathPara>
-                </a14:m>
-                <a:endParaRPr lang="en-US" sz="1300" b="0" i="0" dirty="0">
-                  <a:latin typeface="Courier" pitchFamily="2" charset="0"/>
-                </a:endParaRPr>
-              </a:p>
-              <a:p>
-                <a:pPr marL="0" indent="0">
-                  <a:buNone/>
-                </a:pPr>
-                <a14:m>
-                  <m:oMathPara xmlns:m="http://schemas.openxmlformats.org/officeDocument/2006/math">
-                    <m:oMathParaPr>
-                      <m:jc m:val="centerGroup"/>
-                    </m:oMathParaPr>
-                    <m:oMath xmlns:m="http://schemas.openxmlformats.org/officeDocument/2006/math">
-                      <m:r>
-                        <m:rPr>
-                          <m:nor/>
-                        </m:rPr>
-                        <a:rPr lang="en-US" sz="1300" b="0" i="0" smtClean="0">
-                          <a:latin typeface="Courier" pitchFamily="2" charset="0"/>
-                        </a:rPr>
-                        <m:t>+ 0.2936</m:t>
-                      </m:r>
-                      <m:r>
-                        <m:rPr>
-                          <m:nor/>
-                        </m:rPr>
-                        <a:rPr lang="en-US" sz="1300" b="0" i="0" smtClean="0">
-                          <a:latin typeface="Courier" pitchFamily="2" charset="0"/>
-                        </a:rPr>
-                        <m:t>Comedy</m:t>
-                      </m:r>
-                      <m:r>
-                        <m:rPr>
-                          <m:nor/>
-                        </m:rPr>
-                        <a:rPr lang="en-US" sz="1300" b="0" i="0" smtClean="0">
-                          <a:latin typeface="Courier" pitchFamily="2" charset="0"/>
-                        </a:rPr>
-                        <m:t> </m:t>
-                      </m:r>
-                    </m:oMath>
-                  </m:oMathPara>
-                </a14:m>
-                <a:endParaRPr lang="en-US" sz="1300" b="0" i="0" dirty="0">
-                  <a:latin typeface="Courier" pitchFamily="2" charset="0"/>
-                </a:endParaRPr>
-              </a:p>
-              <a:p>
-                <a:pPr marL="0" indent="0">
-                  <a:buNone/>
-                </a:pPr>
-                <a14:m>
-                  <m:oMathPara xmlns:m="http://schemas.openxmlformats.org/officeDocument/2006/math">
-                    <m:oMathParaPr>
-                      <m:jc m:val="centerGroup"/>
-                    </m:oMathParaPr>
-                    <m:oMath xmlns:m="http://schemas.openxmlformats.org/officeDocument/2006/math">
-                      <m:r>
-                        <m:rPr>
-                          <m:nor/>
-                        </m:rPr>
-                        <a:rPr lang="en-US" sz="1300" b="0" i="0" smtClean="0">
-                          <a:latin typeface="Courier" pitchFamily="2" charset="0"/>
-                        </a:rPr>
-                        <m:t>+ 0.3785</m:t>
-                      </m:r>
-                      <m:r>
-                        <m:rPr>
-                          <m:nor/>
-                        </m:rPr>
-                        <a:rPr lang="en-US" sz="1300" b="0" i="0" smtClean="0">
-                          <a:latin typeface="Courier" pitchFamily="2" charset="0"/>
-                        </a:rPr>
-                        <m:t>Crime</m:t>
-                      </m:r>
-                      <m:r>
-                        <m:rPr>
-                          <m:nor/>
-                        </m:rPr>
-                        <a:rPr lang="en-US" sz="1300" b="0" i="0" smtClean="0">
-                          <a:latin typeface="Courier" pitchFamily="2" charset="0"/>
-                        </a:rPr>
-                        <m:t> </m:t>
-                      </m:r>
-                    </m:oMath>
-                  </m:oMathPara>
-                </a14:m>
-                <a:endParaRPr lang="en-US" sz="1300" b="0" i="0" dirty="0">
-                  <a:latin typeface="Courier" pitchFamily="2" charset="0"/>
-                </a:endParaRPr>
-              </a:p>
-              <a:p>
-                <a:pPr marL="0" indent="0">
-                  <a:buNone/>
-                </a:pPr>
-                <a14:m>
-                  <m:oMathPara xmlns:m="http://schemas.openxmlformats.org/officeDocument/2006/math">
-                    <m:oMathParaPr>
-                      <m:jc m:val="centerGroup"/>
-                    </m:oMathParaPr>
-                    <m:oMath xmlns:m="http://schemas.openxmlformats.org/officeDocument/2006/math">
-                      <m:r>
-                        <m:rPr>
-                          <m:nor/>
-                        </m:rPr>
-                        <a:rPr lang="en-US" sz="1300" b="0" i="0" smtClean="0">
-                          <a:latin typeface="Courier" pitchFamily="2" charset="0"/>
-                        </a:rPr>
-                        <m:t>+ 0.5407</m:t>
-                      </m:r>
-                      <m:r>
-                        <m:rPr>
-                          <m:nor/>
-                        </m:rPr>
-                        <a:rPr lang="en-US" sz="1300" b="0" i="0" smtClean="0">
-                          <a:latin typeface="Courier" pitchFamily="2" charset="0"/>
-                        </a:rPr>
-                        <m:t>Drama</m:t>
-                      </m:r>
-                      <m:r>
-                        <m:rPr>
-                          <m:nor/>
-                        </m:rPr>
-                        <a:rPr lang="en-US" sz="1300" b="0" i="0" smtClean="0">
-                          <a:latin typeface="Courier" pitchFamily="2" charset="0"/>
-                        </a:rPr>
-                        <m:t> </m:t>
-                      </m:r>
-                    </m:oMath>
-                  </m:oMathPara>
-                </a14:m>
-                <a:endParaRPr lang="en-US" sz="1300" b="0" i="0" dirty="0">
-                  <a:latin typeface="Courier" pitchFamily="2" charset="0"/>
-                </a:endParaRPr>
-              </a:p>
-              <a:p>
-                <a:pPr marL="0" indent="0">
-                  <a:buNone/>
-                </a:pPr>
-                <a14:m>
-                  <m:oMathPara xmlns:m="http://schemas.openxmlformats.org/officeDocument/2006/math">
-                    <m:oMathParaPr>
-                      <m:jc m:val="centerGroup"/>
-                    </m:oMathParaPr>
-                    <m:oMath xmlns:m="http://schemas.openxmlformats.org/officeDocument/2006/math">
-                      <m:r>
-                        <m:rPr>
-                          <m:nor/>
-                        </m:rPr>
-                        <a:rPr lang="en-US" sz="1300" b="0" i="0" smtClean="0">
-                          <a:latin typeface="Courier" pitchFamily="2" charset="0"/>
-                        </a:rPr>
-                        <m:t>− 0.3144</m:t>
-                      </m:r>
-                      <m:r>
-                        <m:rPr>
-                          <m:nor/>
-                        </m:rPr>
-                        <a:rPr lang="en-US" sz="1300" b="0" i="0" smtClean="0">
-                          <a:latin typeface="Courier" pitchFamily="2" charset="0"/>
-                        </a:rPr>
-                        <m:t>Family</m:t>
-                      </m:r>
-                      <m:r>
-                        <m:rPr>
-                          <m:nor/>
-                        </m:rPr>
-                        <a:rPr lang="en-US" sz="1300" b="0" i="0" smtClean="0">
-                          <a:latin typeface="Courier" pitchFamily="2" charset="0"/>
-                        </a:rPr>
-                        <m:t> </m:t>
-                      </m:r>
-                    </m:oMath>
-                  </m:oMathPara>
-                </a14:m>
-                <a:endParaRPr lang="en-US" sz="1300" b="0" i="0" dirty="0">
-                  <a:latin typeface="Courier" pitchFamily="2" charset="0"/>
-                </a:endParaRPr>
-              </a:p>
-              <a:p>
-                <a:pPr marL="0" indent="0">
-                  <a:buNone/>
-                </a:pPr>
-                <a14:m>
-                  <m:oMathPara xmlns:m="http://schemas.openxmlformats.org/officeDocument/2006/math">
-                    <m:oMathParaPr>
-                      <m:jc m:val="centerGroup"/>
-                    </m:oMathParaPr>
-                    <m:oMath xmlns:m="http://schemas.openxmlformats.org/officeDocument/2006/math">
-                      <m:r>
-                        <m:rPr>
-                          <m:nor/>
-                        </m:rPr>
-                        <a:rPr lang="en-US" sz="1300" b="0" i="0" smtClean="0">
-                          <a:latin typeface="Courier" pitchFamily="2" charset="0"/>
-                        </a:rPr>
-                        <m:t>− 0.42562</m:t>
-                      </m:r>
-                      <m:r>
-                        <m:rPr>
-                          <m:nor/>
-                        </m:rPr>
-                        <a:rPr lang="en-US" sz="1300" b="0" i="0" smtClean="0">
-                          <a:latin typeface="Courier" pitchFamily="2" charset="0"/>
-                        </a:rPr>
-                        <m:t>Fantasy</m:t>
-                      </m:r>
-                      <m:r>
-                        <m:rPr>
-                          <m:nor/>
-                        </m:rPr>
-                        <a:rPr lang="en-US" sz="1300" b="0" i="0" smtClean="0">
-                          <a:latin typeface="Courier" pitchFamily="2" charset="0"/>
-                        </a:rPr>
-                        <m:t> </m:t>
-                      </m:r>
-                    </m:oMath>
-                  </m:oMathPara>
-                </a14:m>
-                <a:endParaRPr lang="en-US" sz="1300" b="0" i="0" dirty="0">
-                  <a:latin typeface="Courier" pitchFamily="2" charset="0"/>
-                </a:endParaRPr>
-              </a:p>
-              <a:p>
-                <a:pPr marL="0" indent="0">
-                  <a:buNone/>
-                </a:pPr>
-                <a14:m>
-                  <m:oMathPara xmlns:m="http://schemas.openxmlformats.org/officeDocument/2006/math">
-                    <m:oMathParaPr>
-                      <m:jc m:val="centerGroup"/>
-                    </m:oMathParaPr>
-                    <m:oMath xmlns:m="http://schemas.openxmlformats.org/officeDocument/2006/math">
-                      <m:r>
-                        <a:rPr lang="en-US" sz="1300" b="0" i="1" smtClean="0">
-                          <a:latin typeface="Cambria Math" panose="02040503050406030204" pitchFamily="18" charset="0"/>
-                        </a:rPr>
-                        <m:t>–</m:t>
-                      </m:r>
-                      <m:r>
-                        <m:rPr>
-                          <m:nor/>
-                        </m:rPr>
-                        <a:rPr lang="en-US" sz="1300" b="0" i="0" smtClean="0">
-                          <a:latin typeface="Courier" pitchFamily="2" charset="0"/>
-                        </a:rPr>
-                        <m:t> 0.08323</m:t>
-                      </m:r>
-                      <m:r>
-                        <m:rPr>
-                          <m:nor/>
-                        </m:rPr>
-                        <a:rPr lang="en-US" sz="1300" b="0" i="0" smtClean="0">
-                          <a:latin typeface="Courier" pitchFamily="2" charset="0"/>
-                        </a:rPr>
-                        <m:t>Horror</m:t>
-                      </m:r>
-                      <m:r>
-                        <m:rPr>
-                          <m:nor/>
-                        </m:rPr>
-                        <a:rPr lang="en-US" sz="1300" b="0" i="0" smtClean="0">
-                          <a:latin typeface="Courier" pitchFamily="2" charset="0"/>
-                        </a:rPr>
-                        <m:t> </m:t>
-                      </m:r>
-                    </m:oMath>
-                  </m:oMathPara>
-                </a14:m>
-                <a:endParaRPr lang="en-US" sz="1300" b="0" i="0" dirty="0">
-                  <a:latin typeface="Courier" pitchFamily="2" charset="0"/>
-                </a:endParaRPr>
-              </a:p>
-              <a:p>
-                <a:pPr marL="0" indent="0">
-                  <a:buNone/>
-                </a:pPr>
-                <a14:m>
-                  <m:oMathPara xmlns:m="http://schemas.openxmlformats.org/officeDocument/2006/math">
-                    <m:oMathParaPr>
-                      <m:jc m:val="centerGroup"/>
-                    </m:oMathParaPr>
-                    <m:oMath xmlns:m="http://schemas.openxmlformats.org/officeDocument/2006/math">
-                      <m:r>
-                        <m:rPr>
-                          <m:nor/>
-                        </m:rPr>
-                        <a:rPr lang="en-US" sz="1300" b="0" i="0" smtClean="0">
-                          <a:latin typeface="Courier" pitchFamily="2" charset="0"/>
-                        </a:rPr>
-                        <m:t>+ 1.6462</m:t>
-                      </m:r>
-                      <m:r>
-                        <m:rPr>
-                          <m:nor/>
-                        </m:rPr>
-                        <a:rPr lang="en-US" sz="1300" b="0" i="0" smtClean="0">
-                          <a:latin typeface="Courier" pitchFamily="2" charset="0"/>
-                        </a:rPr>
-                        <m:t>Music</m:t>
-                      </m:r>
-                      <m:r>
-                        <m:rPr>
-                          <m:nor/>
-                        </m:rPr>
-                        <a:rPr lang="en-US" sz="1300" b="0" i="0" smtClean="0">
-                          <a:latin typeface="Courier" pitchFamily="2" charset="0"/>
-                        </a:rPr>
-                        <m:t> </m:t>
-                      </m:r>
-                    </m:oMath>
-                  </m:oMathPara>
-                </a14:m>
-                <a:endParaRPr lang="en-US" sz="1300" b="0" i="0" dirty="0">
-                  <a:latin typeface="Courier" pitchFamily="2" charset="0"/>
-                </a:endParaRPr>
-              </a:p>
-              <a:p>
-                <a:pPr marL="0" indent="0">
-                  <a:buNone/>
-                </a:pPr>
-                <a14:m>
-                  <m:oMathPara xmlns:m="http://schemas.openxmlformats.org/officeDocument/2006/math">
-                    <m:oMathParaPr>
-                      <m:jc m:val="centerGroup"/>
-                    </m:oMathParaPr>
-                    <m:oMath xmlns:m="http://schemas.openxmlformats.org/officeDocument/2006/math">
-                      <m:r>
-                        <m:rPr>
-                          <m:nor/>
-                        </m:rPr>
-                        <a:rPr lang="en-US" sz="1300" b="0" i="0" smtClean="0">
-                          <a:latin typeface="Courier" pitchFamily="2" charset="0"/>
-                        </a:rPr>
-                        <m:t>+ 2.198</m:t>
-                      </m:r>
-                      <m:r>
-                        <m:rPr>
-                          <m:nor/>
-                        </m:rPr>
-                        <a:rPr lang="en-US" sz="1300" b="0" i="0" smtClean="0">
-                          <a:latin typeface="Courier" pitchFamily="2" charset="0"/>
-                        </a:rPr>
-                        <m:t>Musical</m:t>
-                      </m:r>
-                      <m:r>
-                        <m:rPr>
-                          <m:nor/>
-                        </m:rPr>
-                        <a:rPr lang="en-US" sz="1300" b="0" i="0" smtClean="0">
-                          <a:latin typeface="Courier" pitchFamily="2" charset="0"/>
-                        </a:rPr>
-                        <m:t> </m:t>
-                      </m:r>
-                    </m:oMath>
-                  </m:oMathPara>
-                </a14:m>
-                <a:endParaRPr lang="en-US" sz="1300" b="0" i="0" dirty="0">
-                  <a:latin typeface="Courier" pitchFamily="2" charset="0"/>
-                </a:endParaRPr>
-              </a:p>
-              <a:p>
-                <a:pPr marL="0" indent="0">
-                  <a:buNone/>
-                </a:pPr>
-                <a14:m>
-                  <m:oMathPara xmlns:m="http://schemas.openxmlformats.org/officeDocument/2006/math">
-                    <m:oMathParaPr>
-                      <m:jc m:val="centerGroup"/>
-                    </m:oMathParaPr>
-                    <m:oMath xmlns:m="http://schemas.openxmlformats.org/officeDocument/2006/math">
-                      <m:r>
-                        <m:rPr>
-                          <m:nor/>
-                        </m:rPr>
-                        <a:rPr lang="en-US" sz="1300" b="0" i="0" smtClean="0">
-                          <a:latin typeface="Courier" pitchFamily="2" charset="0"/>
-                        </a:rPr>
-                        <m:t>+ 1.003</m:t>
-                      </m:r>
-                      <m:r>
-                        <m:rPr>
-                          <m:nor/>
-                        </m:rPr>
-                        <a:rPr lang="en-US" sz="1300" b="0" i="0" smtClean="0">
-                          <a:latin typeface="Courier" pitchFamily="2" charset="0"/>
-                        </a:rPr>
-                        <m:t>Myster</m:t>
-                      </m:r>
-                      <m:r>
-                        <m:rPr>
-                          <m:nor/>
-                        </m:rPr>
-                        <a:rPr lang="en-US" sz="1300" b="0" i="0" smtClean="0">
-                          <a:latin typeface="Courier" pitchFamily="2" charset="0"/>
-                        </a:rPr>
-                        <m:t> </m:t>
-                      </m:r>
-                    </m:oMath>
-                  </m:oMathPara>
-                </a14:m>
-                <a:endParaRPr lang="en-US" sz="1300" b="0" i="0" dirty="0">
-                  <a:latin typeface="Courier" pitchFamily="2" charset="0"/>
-                </a:endParaRPr>
-              </a:p>
-              <a:p>
-                <a:pPr marL="0" indent="0">
-                  <a:buNone/>
-                </a:pPr>
-                <a14:m>
-                  <m:oMathPara xmlns:m="http://schemas.openxmlformats.org/officeDocument/2006/math">
-                    <m:oMathParaPr>
-                      <m:jc m:val="centerGroup"/>
-                    </m:oMathParaPr>
-                    <m:oMath xmlns:m="http://schemas.openxmlformats.org/officeDocument/2006/math">
-                      <m:r>
-                        <m:rPr>
-                          <m:nor/>
-                        </m:rPr>
-                        <a:rPr lang="en-US" sz="1300" b="0" i="0" smtClean="0">
-                          <a:latin typeface="Courier" pitchFamily="2" charset="0"/>
-                        </a:rPr>
-                        <m:t>+ 0.45469</m:t>
-                      </m:r>
-                      <m:r>
-                        <m:rPr>
-                          <m:nor/>
-                        </m:rPr>
-                        <a:rPr lang="en-US" sz="1300" b="0" i="0" smtClean="0">
-                          <a:latin typeface="Courier" pitchFamily="2" charset="0"/>
-                        </a:rPr>
-                        <m:t>Romance</m:t>
-                      </m:r>
-                      <m:r>
-                        <m:rPr>
-                          <m:nor/>
-                        </m:rPr>
-                        <a:rPr lang="en-US" sz="1300" b="0" i="0" smtClean="0">
-                          <a:latin typeface="Courier" pitchFamily="2" charset="0"/>
-                        </a:rPr>
-                        <m:t> </m:t>
-                      </m:r>
-                    </m:oMath>
-                  </m:oMathPara>
-                </a14:m>
-                <a:endParaRPr lang="en-US" sz="1300" b="0" i="0" dirty="0">
-                  <a:latin typeface="Courier" pitchFamily="2" charset="0"/>
-                </a:endParaRPr>
-              </a:p>
-              <a:p>
-                <a:pPr marL="0" indent="0">
-                  <a:buNone/>
-                </a:pPr>
-                <a14:m>
-                  <m:oMathPara xmlns:m="http://schemas.openxmlformats.org/officeDocument/2006/math">
-                    <m:oMathParaPr>
-                      <m:jc m:val="centerGroup"/>
-                    </m:oMathParaPr>
-                    <m:oMath xmlns:m="http://schemas.openxmlformats.org/officeDocument/2006/math">
-                      <m:r>
-                        <m:rPr>
-                          <m:nor/>
-                        </m:rPr>
-                        <a:rPr lang="en-US" sz="1300" b="0" i="0" smtClean="0">
-                          <a:latin typeface="Courier" pitchFamily="2" charset="0"/>
-                        </a:rPr>
-                        <m:t>+ 0.9918</m:t>
-                      </m:r>
-                      <m:r>
-                        <m:rPr>
-                          <m:nor/>
-                        </m:rPr>
-                        <a:rPr lang="en-US" sz="1300" b="0" i="0" smtClean="0">
-                          <a:latin typeface="Courier" pitchFamily="2" charset="0"/>
-                        </a:rPr>
-                        <m:t>Sci</m:t>
-                      </m:r>
-                      <m:r>
-                        <m:rPr>
-                          <m:nor/>
-                        </m:rPr>
-                        <a:rPr lang="en-US" sz="1300" b="0" i="0" smtClean="0">
-                          <a:latin typeface="Courier" pitchFamily="2" charset="0"/>
-                        </a:rPr>
-                        <m:t>−</m:t>
-                      </m:r>
-                      <m:r>
-                        <m:rPr>
-                          <m:nor/>
-                        </m:rPr>
-                        <a:rPr lang="en-US" sz="1300" b="0" i="0" smtClean="0">
-                          <a:latin typeface="Courier" pitchFamily="2" charset="0"/>
-                        </a:rPr>
-                        <m:t>Fi</m:t>
-                      </m:r>
-                      <m:r>
-                        <m:rPr>
-                          <m:nor/>
-                        </m:rPr>
-                        <a:rPr lang="en-US" sz="1300" b="0" i="0" smtClean="0">
-                          <a:latin typeface="Courier" pitchFamily="2" charset="0"/>
-                        </a:rPr>
-                        <m:t> </m:t>
-                      </m:r>
-                    </m:oMath>
-                  </m:oMathPara>
-                </a14:m>
-                <a:endParaRPr lang="en-US" sz="1300" b="0" i="0" dirty="0">
-                  <a:latin typeface="Courier" pitchFamily="2" charset="0"/>
-                </a:endParaRPr>
-              </a:p>
-              <a:p>
-                <a:pPr marL="0" indent="0">
-                  <a:buNone/>
-                </a:pPr>
-                <a14:m>
-                  <m:oMathPara xmlns:m="http://schemas.openxmlformats.org/officeDocument/2006/math">
-                    <m:oMathParaPr>
-                      <m:jc m:val="centerGroup"/>
-                    </m:oMathParaPr>
-                    <m:oMath xmlns:m="http://schemas.openxmlformats.org/officeDocument/2006/math">
-                      <m:r>
-                        <m:rPr>
-                          <m:nor/>
-                        </m:rPr>
-                        <a:rPr lang="en-US" sz="1300" b="0" i="0" smtClean="0">
-                          <a:latin typeface="Courier" pitchFamily="2" charset="0"/>
-                        </a:rPr>
-                        <m:t>+ 1.93200</m:t>
-                      </m:r>
-                      <m:r>
-                        <m:rPr>
-                          <m:nor/>
-                        </m:rPr>
-                        <a:rPr lang="en-US" sz="1300" b="0" i="0" smtClean="0">
-                          <a:latin typeface="Courier" pitchFamily="2" charset="0"/>
-                        </a:rPr>
-                        <m:t>Sport</m:t>
-                      </m:r>
-                      <m:r>
-                        <m:rPr>
-                          <m:nor/>
-                        </m:rPr>
-                        <a:rPr lang="en-US" sz="1300" b="0" i="0" smtClean="0">
-                          <a:latin typeface="Courier" pitchFamily="2" charset="0"/>
-                        </a:rPr>
-                        <m:t> </m:t>
-                      </m:r>
-                    </m:oMath>
-                  </m:oMathPara>
-                </a14:m>
-                <a:endParaRPr lang="en-US" sz="1300" b="0" i="0" dirty="0">
-                  <a:latin typeface="Courier" pitchFamily="2" charset="0"/>
-                </a:endParaRPr>
-              </a:p>
-              <a:p>
-                <a:pPr marL="0" indent="0">
-                  <a:buNone/>
-                </a:pPr>
-                <a14:m>
-                  <m:oMathPara xmlns:m="http://schemas.openxmlformats.org/officeDocument/2006/math">
-                    <m:oMathParaPr>
-                      <m:jc m:val="centerGroup"/>
-                    </m:oMathParaPr>
-                    <m:oMath xmlns:m="http://schemas.openxmlformats.org/officeDocument/2006/math">
-                      <m:r>
-                        <a:rPr lang="en-US" sz="1300" b="0" i="1" smtClean="0">
-                          <a:latin typeface="Cambria Math" panose="02040503050406030204" pitchFamily="18" charset="0"/>
-                        </a:rPr>
-                        <m:t>–</m:t>
-                      </m:r>
-                      <m:r>
-                        <m:rPr>
-                          <m:nor/>
-                        </m:rPr>
-                        <a:rPr lang="en-US" sz="1300" b="0" i="0" smtClean="0">
-                          <a:latin typeface="Courier" pitchFamily="2" charset="0"/>
-                        </a:rPr>
-                        <m:t> 0.53621</m:t>
-                      </m:r>
-                      <m:r>
-                        <m:rPr>
-                          <m:nor/>
-                        </m:rPr>
-                        <a:rPr lang="en-US" sz="1300" b="0" i="0" smtClean="0">
-                          <a:latin typeface="Courier" pitchFamily="2" charset="0"/>
-                        </a:rPr>
-                        <m:t>Thriller</m:t>
-                      </m:r>
-                      <m:r>
-                        <m:rPr>
-                          <m:nor/>
-                        </m:rPr>
-                        <a:rPr lang="en-US" sz="1300" b="0" i="0" smtClean="0">
-                          <a:latin typeface="Courier" pitchFamily="2" charset="0"/>
-                        </a:rPr>
-                        <m:t> </m:t>
-                      </m:r>
-                    </m:oMath>
-                  </m:oMathPara>
-                </a14:m>
-                <a:endParaRPr lang="en-US" sz="1300" b="0" i="0" dirty="0">
-                  <a:latin typeface="Courier" pitchFamily="2" charset="0"/>
-                </a:endParaRPr>
-              </a:p>
-              <a:p>
-                <a:pPr marL="0" indent="0">
-                  <a:buNone/>
-                </a:pPr>
-                <a14:m>
-                  <m:oMathPara xmlns:m="http://schemas.openxmlformats.org/officeDocument/2006/math">
-                    <m:oMathParaPr>
-                      <m:jc m:val="centerGroup"/>
-                    </m:oMathParaPr>
-                    <m:oMath xmlns:m="http://schemas.openxmlformats.org/officeDocument/2006/math">
-                      <m:r>
-                        <a:rPr lang="en-US" sz="1300" b="0" i="1" smtClean="0">
-                          <a:latin typeface="Cambria Math" panose="02040503050406030204" pitchFamily="18" charset="0"/>
-                        </a:rPr>
-                        <m:t>–</m:t>
-                      </m:r>
-                      <m:r>
-                        <m:rPr>
-                          <m:nor/>
-                        </m:rPr>
-                        <a:rPr lang="en-US" sz="1300" b="0" i="0" smtClean="0">
-                          <a:latin typeface="Courier" pitchFamily="2" charset="0"/>
-                        </a:rPr>
-                        <m:t> 1.778</m:t>
-                      </m:r>
-                      <m:r>
-                        <m:rPr>
-                          <m:nor/>
-                        </m:rPr>
-                        <a:rPr lang="en-US" sz="1300" b="0" i="0" smtClean="0">
-                          <a:latin typeface="Courier" pitchFamily="2" charset="0"/>
-                        </a:rPr>
-                        <m:t>Wester</m:t>
-                      </m:r>
-                      <m:r>
-                        <m:rPr>
-                          <m:nor/>
-                        </m:rPr>
-                        <a:rPr lang="en-US" sz="1300" b="0" i="0" smtClean="0">
-                          <a:latin typeface="Courier" pitchFamily="2" charset="0"/>
-                        </a:rPr>
-                        <m:t> </m:t>
-                      </m:r>
-                    </m:oMath>
-                  </m:oMathPara>
-                </a14:m>
-                <a:endParaRPr lang="en-US" sz="1300" b="0" i="0" dirty="0">
-                  <a:latin typeface="Courier" pitchFamily="2" charset="0"/>
-                </a:endParaRPr>
-              </a:p>
-              <a:p>
-                <a:pPr marL="0" indent="0">
-                  <a:buNone/>
-                </a:pPr>
-                <a14:m>
-                  <m:oMathPara xmlns:m="http://schemas.openxmlformats.org/officeDocument/2006/math">
-                    <m:oMathParaPr>
-                      <m:jc m:val="centerGroup"/>
-                    </m:oMathParaPr>
-                    <m:oMath xmlns:m="http://schemas.openxmlformats.org/officeDocument/2006/math">
-                      <m:r>
-                        <a:rPr lang="en-US" sz="1300" b="0" i="1" smtClean="0">
-                          <a:latin typeface="Cambria Math" panose="02040503050406030204" pitchFamily="18" charset="0"/>
-                        </a:rPr>
-                        <m:t>–</m:t>
-                      </m:r>
-                      <m:r>
-                        <m:rPr>
-                          <m:nor/>
-                        </m:rPr>
-                        <a:rPr lang="en-US" sz="1300" b="0" i="0" smtClean="0">
-                          <a:latin typeface="Courier" pitchFamily="2" charset="0"/>
-                        </a:rPr>
-                        <m:t> 1.146</m:t>
-                      </m:r>
-                      <m:r>
-                        <m:rPr>
-                          <m:nor/>
-                        </m:rPr>
-                        <a:rPr lang="en-US" sz="1300" b="0" i="0" smtClean="0">
-                          <a:latin typeface="Courier" pitchFamily="2" charset="0"/>
-                        </a:rPr>
-                        <m:t>PG</m:t>
-                      </m:r>
-                      <m:r>
-                        <m:rPr>
-                          <m:nor/>
-                        </m:rPr>
-                        <a:rPr lang="en-US" sz="1300" b="0" i="0" smtClean="0">
-                          <a:latin typeface="Courier" pitchFamily="2" charset="0"/>
-                        </a:rPr>
-                        <m:t> </m:t>
-                      </m:r>
-                    </m:oMath>
-                  </m:oMathPara>
-                </a14:m>
-                <a:endParaRPr lang="en-US" sz="1300" b="0" i="0" dirty="0">
-                  <a:latin typeface="Courier" pitchFamily="2" charset="0"/>
-                </a:endParaRPr>
-              </a:p>
-              <a:p>
-                <a:pPr marL="0" indent="0" algn="ctr">
-                  <a:buNone/>
-                </a:pPr>
-                <a14:m>
-                  <m:oMathPara xmlns:m="http://schemas.openxmlformats.org/officeDocument/2006/math">
-                    <m:oMathParaPr>
-                      <m:jc m:val="centerGroup"/>
-                    </m:oMathParaPr>
-                    <m:oMath xmlns:m="http://schemas.openxmlformats.org/officeDocument/2006/math">
-                      <m:r>
-                        <a:rPr lang="en-US" sz="1300" b="0" i="0" smtClean="0">
-                          <a:latin typeface="Cambria Math" panose="02040503050406030204" pitchFamily="18" charset="0"/>
-                        </a:rPr>
-                        <m:t>− </m:t>
-                      </m:r>
-                      <m:r>
-                        <m:rPr>
-                          <m:nor/>
-                        </m:rPr>
-                        <a:rPr lang="en-US" sz="1300" b="0" i="0" smtClean="0">
-                          <a:latin typeface="Courier" pitchFamily="2" charset="0"/>
-                        </a:rPr>
-                        <m:t>0.977</m:t>
-                      </m:r>
-                      <m:r>
-                        <m:rPr>
-                          <m:nor/>
-                        </m:rPr>
-                        <a:rPr lang="en-US" sz="1300" b="0" i="0" smtClean="0">
-                          <a:latin typeface="Courier" pitchFamily="2" charset="0"/>
-                        </a:rPr>
-                        <m:t>PG</m:t>
-                      </m:r>
-                      <m:r>
-                        <m:rPr>
-                          <m:nor/>
-                        </m:rPr>
-                        <a:rPr lang="en-US" sz="1300" b="0" i="0" smtClean="0">
-                          <a:latin typeface="Courier" pitchFamily="2" charset="0"/>
-                        </a:rPr>
-                        <m:t>−13 </m:t>
-                      </m:r>
-                    </m:oMath>
-                  </m:oMathPara>
-                </a14:m>
-                <a:endParaRPr lang="en-US" sz="1300" b="0" i="0" dirty="0">
-                  <a:latin typeface="Courier" pitchFamily="2" charset="0"/>
-                </a:endParaRPr>
-              </a:p>
-              <a:p>
-                <a:pPr marL="0" indent="0">
-                  <a:buNone/>
-                </a:pPr>
-                <a14:m>
-                  <m:oMathPara xmlns:m="http://schemas.openxmlformats.org/officeDocument/2006/math">
-                    <m:oMathParaPr>
-                      <m:jc m:val="centerGroup"/>
-                    </m:oMathParaPr>
-                    <m:oMath xmlns:m="http://schemas.openxmlformats.org/officeDocument/2006/math">
-                      <m:r>
-                        <a:rPr lang="en-US" sz="1300" b="0" i="1" smtClean="0">
-                          <a:latin typeface="Cambria Math" panose="02040503050406030204" pitchFamily="18" charset="0"/>
-                        </a:rPr>
-                        <m:t>–</m:t>
-                      </m:r>
-                      <m:r>
-                        <m:rPr>
-                          <m:nor/>
-                        </m:rPr>
-                        <a:rPr lang="en-US" sz="1300" b="0" i="0" smtClean="0">
-                          <a:latin typeface="Courier" pitchFamily="2" charset="0"/>
-                        </a:rPr>
-                        <m:t> 0.9303</m:t>
-                      </m:r>
-                      <m:r>
-                        <m:rPr>
-                          <m:nor/>
-                        </m:rPr>
-                        <a:rPr lang="en-US" sz="1300" b="0" i="0" smtClean="0">
-                          <a:latin typeface="Courier" pitchFamily="2" charset="0"/>
-                        </a:rPr>
-                        <m:t>R</m:t>
-                      </m:r>
-                      <m:r>
-                        <m:rPr>
-                          <m:nor/>
-                        </m:rPr>
-                        <a:rPr lang="en-US" sz="1300" b="0" i="0" smtClean="0">
-                          <a:latin typeface="Courier" pitchFamily="2" charset="0"/>
-                        </a:rPr>
-                        <m:t> + 0.18929</m:t>
-                      </m:r>
-                      <m:r>
-                        <m:rPr>
-                          <m:nor/>
-                        </m:rPr>
-                        <a:rPr lang="en-US" sz="1300" b="0" i="0" smtClean="0">
-                          <a:latin typeface="Courier" pitchFamily="2" charset="0"/>
-                        </a:rPr>
-                        <m:t>star</m:t>
-                      </m:r>
-                      <m:r>
-                        <m:rPr>
-                          <m:nor/>
-                        </m:rPr>
-                        <a:rPr lang="en-US" sz="1300" b="0" i="0" smtClean="0">
-                          <a:latin typeface="Courier" pitchFamily="2" charset="0"/>
-                        </a:rPr>
-                        <m:t>_</m:t>
-                      </m:r>
-                      <m:r>
-                        <m:rPr>
-                          <m:nor/>
-                        </m:rPr>
-                        <a:rPr lang="en-US" sz="1300" b="0" i="0" smtClean="0">
-                          <a:latin typeface="Courier" pitchFamily="2" charset="0"/>
-                        </a:rPr>
-                        <m:t>power</m:t>
-                      </m:r>
-                      <m:r>
-                        <m:rPr>
-                          <m:nor/>
-                        </m:rPr>
-                        <a:rPr lang="en-US" sz="1300" b="0" i="0" smtClean="0">
-                          <a:latin typeface="Courier" pitchFamily="2" charset="0"/>
-                        </a:rPr>
-                        <m:t> + 0.10356∗</m:t>
-                      </m:r>
-                      <m:r>
-                        <m:rPr>
-                          <m:nor/>
-                        </m:rPr>
-                        <a:rPr lang="en-US" sz="1300" b="0" i="0" smtClean="0">
-                          <a:latin typeface="Courier" pitchFamily="2" charset="0"/>
-                        </a:rPr>
-                        <m:t>cast</m:t>
-                      </m:r>
-                      <m:r>
-                        <m:rPr>
-                          <m:nor/>
-                        </m:rPr>
-                        <a:rPr lang="en-US" sz="1300" b="0" i="0" smtClean="0">
-                          <a:latin typeface="Courier" pitchFamily="2" charset="0"/>
-                        </a:rPr>
-                        <m:t>1_</m:t>
-                      </m:r>
-                      <m:r>
-                        <m:rPr>
-                          <m:nor/>
-                        </m:rPr>
-                        <a:rPr lang="en-US" sz="1300" b="0" i="0" smtClean="0">
-                          <a:latin typeface="Courier" pitchFamily="2" charset="0"/>
-                        </a:rPr>
-                        <m:t>starpower</m:t>
-                      </m:r>
-                      <m:r>
-                        <m:rPr>
-                          <m:nor/>
-                        </m:rPr>
-                        <a:rPr lang="en-US" sz="1300" b="0" i="0" smtClean="0">
-                          <a:latin typeface="Courier" pitchFamily="2" charset="0"/>
-                        </a:rPr>
-                        <m:t> +0∗(</m:t>
-                      </m:r>
-                      <m:r>
-                        <m:rPr>
-                          <m:nor/>
-                        </m:rPr>
-                        <a:rPr lang="en-US" sz="1300" b="0" i="0" smtClean="0">
-                          <a:latin typeface="Courier" pitchFamily="2" charset="0"/>
-                        </a:rPr>
-                        <m:t>cast</m:t>
-                      </m:r>
-                      <m:r>
-                        <m:rPr>
-                          <m:nor/>
-                        </m:rPr>
-                        <a:rPr lang="en-US" sz="1300" b="0" i="0" smtClean="0">
-                          <a:latin typeface="Courier" pitchFamily="2" charset="0"/>
-                        </a:rPr>
-                        <m:t>2_</m:t>
-                      </m:r>
-                      <m:r>
-                        <m:rPr>
-                          <m:nor/>
-                        </m:rPr>
-                        <a:rPr lang="en-US" sz="1300" b="0" i="0" smtClean="0">
-                          <a:latin typeface="Courier" pitchFamily="2" charset="0"/>
-                        </a:rPr>
-                        <m:t>starpower</m:t>
-                      </m:r>
-                      <m:r>
-                        <m:rPr>
-                          <m:nor/>
-                        </m:rPr>
-                        <a:rPr lang="en-US" sz="1300" b="0" i="0" smtClean="0">
-                          <a:latin typeface="Courier" pitchFamily="2" charset="0"/>
-                        </a:rPr>
-                        <m:t> + </m:t>
-                      </m:r>
-                      <m:r>
-                        <m:rPr>
-                          <m:nor/>
-                        </m:rPr>
-                        <a:rPr lang="en-US" sz="1300" b="0" i="0" smtClean="0">
-                          <a:latin typeface="Courier" pitchFamily="2" charset="0"/>
-                        </a:rPr>
-                        <m:t>cast</m:t>
-                      </m:r>
-                      <m:r>
-                        <m:rPr>
-                          <m:nor/>
-                        </m:rPr>
-                        <a:rPr lang="en-US" sz="1300" b="0" i="0" smtClean="0">
-                          <a:latin typeface="Courier" pitchFamily="2" charset="0"/>
-                        </a:rPr>
-                        <m:t>3_</m:t>
-                      </m:r>
-                      <m:r>
-                        <m:rPr>
-                          <m:nor/>
-                        </m:rPr>
-                        <a:rPr lang="en-US" sz="1300" b="0" i="0" smtClean="0">
-                          <a:latin typeface="Courier" pitchFamily="2" charset="0"/>
-                        </a:rPr>
-                        <m:t>starpower</m:t>
-                      </m:r>
-                      <m:r>
-                        <m:rPr>
-                          <m:nor/>
-                        </m:rPr>
-                        <a:rPr lang="en-US" sz="1300" b="0" i="0" smtClean="0">
-                          <a:latin typeface="Courier" pitchFamily="2" charset="0"/>
-                        </a:rPr>
-                        <m:t>) + 0.14988</m:t>
-                      </m:r>
-                      <m:r>
-                        <m:rPr>
-                          <m:nor/>
-                        </m:rPr>
-                        <a:rPr lang="en-US" sz="1300" b="0" i="0" smtClean="0">
-                          <a:latin typeface="Courier" pitchFamily="2" charset="0"/>
-                        </a:rPr>
-                        <m:t>budget</m:t>
-                      </m:r>
-                      <m:r>
-                        <m:rPr>
-                          <m:nor/>
-                        </m:rPr>
-                        <a:rPr lang="en-US" sz="1300" b="0" i="0" smtClean="0">
-                          <a:latin typeface="Courier" pitchFamily="2" charset="0"/>
-                        </a:rPr>
-                        <m:t> </m:t>
-                      </m:r>
-                    </m:oMath>
-                  </m:oMathPara>
-                </a14:m>
-                <a:endParaRPr lang="en-US" sz="1300" b="0" i="0" dirty="0">
-                  <a:latin typeface="Courier" pitchFamily="2" charset="0"/>
-                </a:endParaRPr>
-              </a:p>
-              <a:p>
-                <a:pPr marL="0" indent="0">
-                  <a:buNone/>
-                </a:pPr>
-                <a14:m>
-                  <m:oMathPara xmlns:m="http://schemas.openxmlformats.org/officeDocument/2006/math">
-                    <m:oMathParaPr>
-                      <m:jc m:val="centerGroup"/>
-                    </m:oMathParaPr>
-                    <m:oMath xmlns:m="http://schemas.openxmlformats.org/officeDocument/2006/math">
-                      <m:r>
-                        <m:rPr>
-                          <m:nor/>
-                        </m:rPr>
-                        <a:rPr lang="en-US" sz="1300" b="0" i="0" smtClean="0">
-                          <a:latin typeface="Courier" pitchFamily="2" charset="0"/>
-                        </a:rPr>
-                        <m:t>+ 1.5468</m:t>
-                      </m:r>
-                    </m:oMath>
-                  </m:oMathPara>
-                </a14:m>
-                <a:endParaRPr lang="en-US" sz="1300" dirty="0">
-                  <a:latin typeface="Courier" pitchFamily="2" charset="0"/>
-                </a:endParaRPr>
-              </a:p>
-            </p:txBody>
-          </p:sp>
-        </mc:Choice>
-        <mc:Fallback xmlns="">
-          <p:sp>
-            <p:nvSpPr>
-              <p:cNvPr id="3" name="Content Placeholder 2">
-                <a:extLst>
-                  <a:ext uri="{FF2B5EF4-FFF2-40B4-BE49-F238E27FC236}">
-                    <a16:creationId xmlns:a16="http://schemas.microsoft.com/office/drawing/2014/main" id="{5694EFCD-EC71-C84D-A1D5-98B3236420DF}"/>
-                  </a:ext>
-                </a:extLst>
-              </p:cNvPr>
-              <p:cNvSpPr>
-                <a:spLocks noGrp="1" noRot="1" noChangeAspect="1" noMove="1" noResize="1" noEditPoints="1" noAdjustHandles="1" noChangeArrowheads="1" noChangeShapeType="1" noTextEdit="1"/>
-              </p:cNvSpPr>
-              <p:nvPr>
-                <p:ph idx="1"/>
-              </p:nvPr>
-            </p:nvSpPr>
-            <p:spPr>
-              <a:xfrm>
-                <a:off x="528204" y="921760"/>
-                <a:ext cx="11135591" cy="5790767"/>
-              </a:xfrm>
-              <a:blipFill>
-                <a:blip r:embed="rId2"/>
-                <a:stretch>
-                  <a:fillRect/>
-                </a:stretch>
-              </a:blipFill>
-            </p:spPr>
-            <p:txBody>
-              <a:bodyPr/>
-              <a:lstStyle/>
-              <a:p>
-                <a:r>
-                  <a:rPr lang="en-US">
-                    <a:noFill/>
-                  </a:rPr>
-                  <a:t> </a:t>
-                </a:r>
-              </a:p>
-            </p:txBody>
-          </p:sp>
-        </mc:Fallback>
-      </mc:AlternateContent>
       <p:sp>
         <p:nvSpPr>
           <p:cNvPr id="4" name="Slide Number Placeholder 3">
@@ -5751,6 +3921,65 @@
           </a:p>
         </p:txBody>
       </p:sp>
+      <p:pic>
+        <p:nvPicPr>
+          <p:cNvPr id="9" name="Content Placeholder 8" descr="Text&#10;&#10;Description automatically generated">
+            <a:extLst>
+              <a:ext uri="{FF2B5EF4-FFF2-40B4-BE49-F238E27FC236}">
+                <a16:creationId xmlns:a16="http://schemas.microsoft.com/office/drawing/2014/main" id="{15EB9FC9-C3B2-1B48-BA30-5AA2E532A936}"/>
+              </a:ext>
+            </a:extLst>
+          </p:cNvPr>
+          <p:cNvPicPr>
+            <a:picLocks noGrp="1" noChangeAspect="1"/>
+          </p:cNvPicPr>
+          <p:nvPr>
+            <p:ph idx="1"/>
+          </p:nvPr>
+        </p:nvPicPr>
+        <p:blipFill>
+          <a:blip r:embed="rId2"/>
+          <a:stretch>
+            <a:fillRect/>
+          </a:stretch>
+        </p:blipFill>
+        <p:spPr>
+          <a:xfrm>
+            <a:off x="4810636" y="788982"/>
+            <a:ext cx="2947015" cy="4905099"/>
+          </a:xfrm>
+        </p:spPr>
+      </p:pic>
+      <p:pic>
+        <p:nvPicPr>
+          <p:cNvPr id="11" name="Picture 10" descr="Graphical user interface, text, application, Teams&#10;&#10;Description automatically generated">
+            <a:extLst>
+              <a:ext uri="{FF2B5EF4-FFF2-40B4-BE49-F238E27FC236}">
+                <a16:creationId xmlns:a16="http://schemas.microsoft.com/office/drawing/2014/main" id="{5C06FC6A-BAD4-1745-BD92-DD85740C6339}"/>
+              </a:ext>
+            </a:extLst>
+          </p:cNvPr>
+          <p:cNvPicPr>
+            <a:picLocks noChangeAspect="1"/>
+          </p:cNvPicPr>
+          <p:nvPr/>
+        </p:nvPicPr>
+        <p:blipFill>
+          <a:blip r:embed="rId3"/>
+          <a:stretch>
+            <a:fillRect/>
+          </a:stretch>
+        </p:blipFill>
+        <p:spPr>
+          <a:xfrm>
+            <a:off x="4810635" y="5766088"/>
+            <a:ext cx="2971659" cy="590261"/>
+          </a:xfrm>
+          <a:prstGeom prst="rect">
+            <a:avLst/>
+          </a:prstGeom>
+        </p:spPr>
+      </p:pic>
     </p:spTree>
     <p:extLst>
       <p:ext uri="{BB962C8B-B14F-4D97-AF65-F5344CB8AC3E}">
@@ -5875,7 +4104,13 @@
                         <a:rPr lang="en-US" sz="5400" b="0" i="1" smtClean="0">
                           <a:latin typeface="Cambria Math" panose="02040503050406030204" pitchFamily="18" charset="0"/>
                         </a:rPr>
-                        <m:t>=0.363</m:t>
+                        <m:t>=0.3</m:t>
+                      </m:r>
+                      <m:r>
+                        <a:rPr lang="en-US" sz="5400" b="0" i="1" smtClean="0">
+                          <a:latin typeface="Cambria Math" panose="02040503050406030204" pitchFamily="18" charset="0"/>
+                        </a:rPr>
+                        <m:t>839</m:t>
                       </m:r>
                     </m:oMath>
                   </m:oMathPara>
@@ -6028,35 +4263,6 @@
           </a:p>
         </p:txBody>
       </p:sp>
-      <p:pic>
-        <p:nvPicPr>
-          <p:cNvPr id="5" name="Content Placeholder 4" descr="Chart, scatter chart&#10;&#10;Description automatically generated">
-            <a:extLst>
-              <a:ext uri="{FF2B5EF4-FFF2-40B4-BE49-F238E27FC236}">
-                <a16:creationId xmlns:a16="http://schemas.microsoft.com/office/drawing/2014/main" id="{93C6EB0B-5DDA-6D43-8C48-81E2F2D26D22}"/>
-              </a:ext>
-            </a:extLst>
-          </p:cNvPr>
-          <p:cNvPicPr>
-            <a:picLocks noGrp="1" noChangeAspect="1"/>
-          </p:cNvPicPr>
-          <p:nvPr>
-            <p:ph idx="1"/>
-          </p:nvPr>
-        </p:nvPicPr>
-        <p:blipFill>
-          <a:blip r:embed="rId2"/>
-          <a:stretch>
-            <a:fillRect/>
-          </a:stretch>
-        </p:blipFill>
-        <p:spPr>
-          <a:xfrm>
-            <a:off x="2324624" y="-499965"/>
-            <a:ext cx="8042562" cy="8042562"/>
-          </a:xfrm>
-        </p:spPr>
-      </p:pic>
       <p:sp>
         <p:nvSpPr>
           <p:cNvPr id="6" name="TextBox 5">
@@ -6087,7 +4293,7 @@
           <a:p>
             <a:r>
               <a:rPr lang="en-US" dirty="0"/>
-              <a:t>Mean of the Error = -0.02</a:t>
+              <a:t>Mean of the Error = -0.05</a:t>
             </a:r>
           </a:p>
         </p:txBody>
@@ -6121,6 +4327,36 @@
           </a:p>
         </p:txBody>
       </p:sp>
+      <p:pic>
+        <p:nvPicPr>
+          <p:cNvPr id="11" name="Picture 10" descr="Chart, scatter chart&#10;&#10;Description automatically generated">
+            <a:extLst>
+              <a:ext uri="{FF2B5EF4-FFF2-40B4-BE49-F238E27FC236}">
+                <a16:creationId xmlns:a16="http://schemas.microsoft.com/office/drawing/2014/main" id="{CAE618EB-A49F-E748-8980-C1CE29933BD2}"/>
+              </a:ext>
+            </a:extLst>
+          </p:cNvPr>
+          <p:cNvPicPr>
+            <a:picLocks noChangeAspect="1"/>
+          </p:cNvPicPr>
+          <p:nvPr/>
+        </p:nvPicPr>
+        <p:blipFill>
+          <a:blip r:embed="rId2"/>
+          <a:stretch>
+            <a:fillRect/>
+          </a:stretch>
+        </p:blipFill>
+        <p:spPr>
+          <a:xfrm>
+            <a:off x="2667000" y="-209262"/>
+            <a:ext cx="7774858" cy="7774858"/>
+          </a:xfrm>
+          <a:prstGeom prst="rect">
+            <a:avLst/>
+          </a:prstGeom>
+        </p:spPr>
+      </p:pic>
     </p:spTree>
     <p:extLst>
       <p:ext uri="{BB962C8B-B14F-4D97-AF65-F5344CB8AC3E}">
@@ -6189,12 +4425,41 @@
           </a:p>
         </p:txBody>
       </p:sp>
+      <p:sp>
+        <p:nvSpPr>
+          <p:cNvPr id="6" name="Slide Number Placeholder 5">
+            <a:extLst>
+              <a:ext uri="{FF2B5EF4-FFF2-40B4-BE49-F238E27FC236}">
+                <a16:creationId xmlns:a16="http://schemas.microsoft.com/office/drawing/2014/main" id="{EEE7BABA-5E94-8045-9D8D-93F75A95FCDD}"/>
+              </a:ext>
+            </a:extLst>
+          </p:cNvPr>
+          <p:cNvSpPr>
+            <a:spLocks noGrp="1"/>
+          </p:cNvSpPr>
+          <p:nvPr>
+            <p:ph type="sldNum" sz="quarter" idx="12"/>
+          </p:nvPr>
+        </p:nvSpPr>
+        <p:spPr/>
+        <p:txBody>
+          <a:bodyPr/>
+          <a:lstStyle/>
+          <a:p>
+            <a:fld id="{8FD628FE-D6DE-D844-B3CE-80CC651E15E2}" type="slidenum">
+              <a:rPr lang="en-US" smtClean="0"/>
+              <a:t>13</a:t>
+            </a:fld>
+            <a:endParaRPr lang="en-US" dirty="0"/>
+          </a:p>
+        </p:txBody>
+      </p:sp>
       <p:pic>
         <p:nvPicPr>
-          <p:cNvPr id="5" name="Content Placeholder 4" descr="Logo&#10;&#10;Description automatically generated">
-            <a:extLst>
-              <a:ext uri="{FF2B5EF4-FFF2-40B4-BE49-F238E27FC236}">
-                <a16:creationId xmlns:a16="http://schemas.microsoft.com/office/drawing/2014/main" id="{C3C133CA-4C8F-0A40-A3D2-23491AC33529}"/>
+          <p:cNvPr id="8" name="Content Placeholder 7" descr="A picture containing logo&#10;&#10;Description automatically generated">
+            <a:extLst>
+              <a:ext uri="{FF2B5EF4-FFF2-40B4-BE49-F238E27FC236}">
+                <a16:creationId xmlns:a16="http://schemas.microsoft.com/office/drawing/2014/main" id="{6853528D-5C9D-A241-9D53-55F50D304A98}"/>
               </a:ext>
             </a:extLst>
           </p:cNvPr>
@@ -6213,40 +4478,11 @@
         </p:blipFill>
         <p:spPr>
           <a:xfrm>
-            <a:off x="2568581" y="-70341"/>
-            <a:ext cx="7413619" cy="7413619"/>
+            <a:off x="2236697" y="-510293"/>
+            <a:ext cx="8013432" cy="8013432"/>
           </a:xfrm>
         </p:spPr>
       </p:pic>
-      <p:sp>
-        <p:nvSpPr>
-          <p:cNvPr id="6" name="Slide Number Placeholder 5">
-            <a:extLst>
-              <a:ext uri="{FF2B5EF4-FFF2-40B4-BE49-F238E27FC236}">
-                <a16:creationId xmlns:a16="http://schemas.microsoft.com/office/drawing/2014/main" id="{EEE7BABA-5E94-8045-9D8D-93F75A95FCDD}"/>
-              </a:ext>
-            </a:extLst>
-          </p:cNvPr>
-          <p:cNvSpPr>
-            <a:spLocks noGrp="1"/>
-          </p:cNvSpPr>
-          <p:nvPr>
-            <p:ph type="sldNum" sz="quarter" idx="12"/>
-          </p:nvPr>
-        </p:nvSpPr>
-        <p:spPr/>
-        <p:txBody>
-          <a:bodyPr/>
-          <a:lstStyle/>
-          <a:p>
-            <a:fld id="{8FD628FE-D6DE-D844-B3CE-80CC651E15E2}" type="slidenum">
-              <a:rPr lang="en-US" smtClean="0"/>
-              <a:t>13</a:t>
-            </a:fld>
-            <a:endParaRPr lang="en-US" dirty="0"/>
-          </a:p>
-        </p:txBody>
-      </p:sp>
     </p:spTree>
     <p:extLst>
       <p:ext uri="{BB962C8B-B14F-4D97-AF65-F5344CB8AC3E}">
@@ -6315,12 +4551,41 @@
           </a:p>
         </p:txBody>
       </p:sp>
+      <p:sp>
+        <p:nvSpPr>
+          <p:cNvPr id="12" name="Slide Number Placeholder 11">
+            <a:extLst>
+              <a:ext uri="{FF2B5EF4-FFF2-40B4-BE49-F238E27FC236}">
+                <a16:creationId xmlns:a16="http://schemas.microsoft.com/office/drawing/2014/main" id="{6ADCBEB7-6FA2-7842-A0AE-709B52E320D4}"/>
+              </a:ext>
+            </a:extLst>
+          </p:cNvPr>
+          <p:cNvSpPr>
+            <a:spLocks noGrp="1"/>
+          </p:cNvSpPr>
+          <p:nvPr>
+            <p:ph type="sldNum" sz="quarter" idx="12"/>
+          </p:nvPr>
+        </p:nvSpPr>
+        <p:spPr/>
+        <p:txBody>
+          <a:bodyPr/>
+          <a:lstStyle/>
+          <a:p>
+            <a:fld id="{8FD628FE-D6DE-D844-B3CE-80CC651E15E2}" type="slidenum">
+              <a:rPr lang="en-US" smtClean="0"/>
+              <a:t>14</a:t>
+            </a:fld>
+            <a:endParaRPr lang="en-US" dirty="0"/>
+          </a:p>
+        </p:txBody>
+      </p:sp>
       <p:pic>
         <p:nvPicPr>
-          <p:cNvPr id="11" name="Content Placeholder 10" descr="Chart, line chart&#10;&#10;Description automatically generated">
-            <a:extLst>
-              <a:ext uri="{FF2B5EF4-FFF2-40B4-BE49-F238E27FC236}">
-                <a16:creationId xmlns:a16="http://schemas.microsoft.com/office/drawing/2014/main" id="{4FB758B1-55CE-2849-B268-09EB50339E67}"/>
+          <p:cNvPr id="6" name="Content Placeholder 5" descr="Chart&#10;&#10;Description automatically generated">
+            <a:extLst>
+              <a:ext uri="{FF2B5EF4-FFF2-40B4-BE49-F238E27FC236}">
+                <a16:creationId xmlns:a16="http://schemas.microsoft.com/office/drawing/2014/main" id="{3EB9B431-1ED7-7C4D-BE29-6D54F6BCC4A7}"/>
               </a:ext>
             </a:extLst>
           </p:cNvPr>
@@ -6339,40 +4604,11 @@
         </p:blipFill>
         <p:spPr>
           <a:xfrm>
-            <a:off x="2105609" y="-357249"/>
-            <a:ext cx="7980781" cy="7980781"/>
+            <a:off x="2188003" y="-325509"/>
+            <a:ext cx="7815993" cy="7815993"/>
           </a:xfrm>
         </p:spPr>
       </p:pic>
-      <p:sp>
-        <p:nvSpPr>
-          <p:cNvPr id="12" name="Slide Number Placeholder 11">
-            <a:extLst>
-              <a:ext uri="{FF2B5EF4-FFF2-40B4-BE49-F238E27FC236}">
-                <a16:creationId xmlns:a16="http://schemas.microsoft.com/office/drawing/2014/main" id="{6ADCBEB7-6FA2-7842-A0AE-709B52E320D4}"/>
-              </a:ext>
-            </a:extLst>
-          </p:cNvPr>
-          <p:cNvSpPr>
-            <a:spLocks noGrp="1"/>
-          </p:cNvSpPr>
-          <p:nvPr>
-            <p:ph type="sldNum" sz="quarter" idx="12"/>
-          </p:nvPr>
-        </p:nvSpPr>
-        <p:spPr/>
-        <p:txBody>
-          <a:bodyPr/>
-          <a:lstStyle/>
-          <a:p>
-            <a:fld id="{8FD628FE-D6DE-D844-B3CE-80CC651E15E2}" type="slidenum">
-              <a:rPr lang="en-US" smtClean="0"/>
-              <a:t>14</a:t>
-            </a:fld>
-            <a:endParaRPr lang="en-US" dirty="0"/>
-          </a:p>
-        </p:txBody>
-      </p:sp>
     </p:spTree>
     <p:extLst>
       <p:ext uri="{BB962C8B-B14F-4D97-AF65-F5344CB8AC3E}">
@@ -7881,21 +6117,48 @@
           </a:p>
         </p:txBody>
       </p:sp>
+      <p:sp>
+        <p:nvSpPr>
+          <p:cNvPr id="6" name="Slide Number Placeholder 5">
+            <a:extLst>
+              <a:ext uri="{FF2B5EF4-FFF2-40B4-BE49-F238E27FC236}">
+                <a16:creationId xmlns:a16="http://schemas.microsoft.com/office/drawing/2014/main" id="{2DE82AD2-FC4C-4640-BD9D-94054D57A4E9}"/>
+              </a:ext>
+            </a:extLst>
+          </p:cNvPr>
+          <p:cNvSpPr>
+            <a:spLocks noGrp="1"/>
+          </p:cNvSpPr>
+          <p:nvPr>
+            <p:ph type="sldNum" sz="quarter" idx="12"/>
+          </p:nvPr>
+        </p:nvSpPr>
+        <p:spPr/>
+        <p:txBody>
+          <a:bodyPr/>
+          <a:lstStyle/>
+          <a:p>
+            <a:fld id="{8FD628FE-D6DE-D844-B3CE-80CC651E15E2}" type="slidenum">
+              <a:rPr lang="en-US" smtClean="0"/>
+              <a:t>8</a:t>
+            </a:fld>
+            <a:endParaRPr lang="en-US" dirty="0"/>
+          </a:p>
+        </p:txBody>
+      </p:sp>
       <p:pic>
         <p:nvPicPr>
-          <p:cNvPr id="5" name="Content Placeholder 4" descr="Chart&#10;&#10;Description automatically generated">
-            <a:extLst>
-              <a:ext uri="{FF2B5EF4-FFF2-40B4-BE49-F238E27FC236}">
-                <a16:creationId xmlns:a16="http://schemas.microsoft.com/office/drawing/2014/main" id="{62D17064-FD09-A14A-8500-F48942A81DAF}"/>
+          <p:cNvPr id="12" name="Picture 11" descr="Chart&#10;&#10;Description automatically generated">
+            <a:extLst>
+              <a:ext uri="{FF2B5EF4-FFF2-40B4-BE49-F238E27FC236}">
+                <a16:creationId xmlns:a16="http://schemas.microsoft.com/office/drawing/2014/main" id="{A5C6A7F8-2318-A543-81A1-D04C29A86FA7}"/>
               </a:ext>
             </a:extLst>
           </p:cNvPr>
           <p:cNvPicPr>
-            <a:picLocks noGrp="1" noChangeAspect="1"/>
+            <a:picLocks noChangeAspect="1"/>
           </p:cNvPicPr>
-          <p:nvPr>
-            <p:ph idx="1"/>
-          </p:nvPr>
+          <p:nvPr/>
         </p:nvPicPr>
         <p:blipFill>
           <a:blip r:embed="rId2"/>
@@ -7905,40 +6168,14 @@
         </p:blipFill>
         <p:spPr>
           <a:xfrm>
-            <a:off x="2268649" y="-257919"/>
-            <a:ext cx="7821127" cy="7821127"/>
+            <a:off x="2667000" y="0"/>
+            <a:ext cx="7538884" cy="7538884"/>
           </a:xfrm>
+          <a:prstGeom prst="rect">
+            <a:avLst/>
+          </a:prstGeom>
         </p:spPr>
       </p:pic>
-      <p:sp>
-        <p:nvSpPr>
-          <p:cNvPr id="6" name="Slide Number Placeholder 5">
-            <a:extLst>
-              <a:ext uri="{FF2B5EF4-FFF2-40B4-BE49-F238E27FC236}">
-                <a16:creationId xmlns:a16="http://schemas.microsoft.com/office/drawing/2014/main" id="{2DE82AD2-FC4C-4640-BD9D-94054D57A4E9}"/>
-              </a:ext>
-            </a:extLst>
-          </p:cNvPr>
-          <p:cNvSpPr>
-            <a:spLocks noGrp="1"/>
-          </p:cNvSpPr>
-          <p:nvPr>
-            <p:ph type="sldNum" sz="quarter" idx="12"/>
-          </p:nvPr>
-        </p:nvSpPr>
-        <p:spPr/>
-        <p:txBody>
-          <a:bodyPr/>
-          <a:lstStyle/>
-          <a:p>
-            <a:fld id="{8FD628FE-D6DE-D844-B3CE-80CC651E15E2}" type="slidenum">
-              <a:rPr lang="en-US" smtClean="0"/>
-              <a:t>8</a:t>
-            </a:fld>
-            <a:endParaRPr lang="en-US" dirty="0"/>
-          </a:p>
-        </p:txBody>
-      </p:sp>
     </p:spTree>
     <p:extLst>
       <p:ext uri="{BB962C8B-B14F-4D97-AF65-F5344CB8AC3E}">
@@ -7969,21 +6206,94 @@
           <a:chExt cx="0" cy="0"/>
         </a:xfrm>
       </p:grpSpPr>
+      <p:sp>
+        <p:nvSpPr>
+          <p:cNvPr id="6" name="Title 1">
+            <a:extLst>
+              <a:ext uri="{FF2B5EF4-FFF2-40B4-BE49-F238E27FC236}">
+                <a16:creationId xmlns:a16="http://schemas.microsoft.com/office/drawing/2014/main" id="{5443FA03-34AA-5A47-AE66-9CEEEDE783BB}"/>
+              </a:ext>
+            </a:extLst>
+          </p:cNvPr>
+          <p:cNvSpPr>
+            <a:spLocks noGrp="1"/>
+          </p:cNvSpPr>
+          <p:nvPr>
+            <p:ph type="title"/>
+          </p:nvPr>
+        </p:nvSpPr>
+        <p:spPr>
+          <a:xfrm>
+            <a:off x="838200" y="365126"/>
+            <a:ext cx="10515600" cy="475134"/>
+          </a:xfrm>
+        </p:spPr>
+        <p:txBody>
+          <a:bodyPr>
+            <a:normAutofit fontScale="90000"/>
+          </a:bodyPr>
+          <a:lstStyle/>
+          <a:p>
+            <a:pPr algn="ctr"/>
+            <a:r>
+              <a:rPr lang="en-US" sz="2400" dirty="0">
+                <a:latin typeface="CCMeanwhile" pitchFamily="2" charset="77"/>
+              </a:rPr>
+              <a:t>Top 5 Positive and Negative Correlation Features</a:t>
+            </a:r>
+            <a:br>
+              <a:rPr lang="en-US" sz="2400" dirty="0">
+                <a:latin typeface="CCMeanwhile" pitchFamily="2" charset="77"/>
+              </a:rPr>
+            </a:br>
+            <a:endParaRPr lang="en-US" sz="2400" dirty="0">
+              <a:latin typeface="CCMeanwhile" pitchFamily="2" charset="77"/>
+            </a:endParaRPr>
+          </a:p>
+        </p:txBody>
+      </p:sp>
+      <p:sp>
+        <p:nvSpPr>
+          <p:cNvPr id="7" name="Slide Number Placeholder 6">
+            <a:extLst>
+              <a:ext uri="{FF2B5EF4-FFF2-40B4-BE49-F238E27FC236}">
+                <a16:creationId xmlns:a16="http://schemas.microsoft.com/office/drawing/2014/main" id="{93BE8759-92F8-0F4F-BB60-6C6FE2368D9A}"/>
+              </a:ext>
+            </a:extLst>
+          </p:cNvPr>
+          <p:cNvSpPr>
+            <a:spLocks noGrp="1"/>
+          </p:cNvSpPr>
+          <p:nvPr>
+            <p:ph type="sldNum" sz="quarter" idx="12"/>
+          </p:nvPr>
+        </p:nvSpPr>
+        <p:spPr/>
+        <p:txBody>
+          <a:bodyPr/>
+          <a:lstStyle/>
+          <a:p>
+            <a:fld id="{8FD628FE-D6DE-D844-B3CE-80CC651E15E2}" type="slidenum">
+              <a:rPr lang="en-US" smtClean="0"/>
+              <a:t>9</a:t>
+            </a:fld>
+            <a:endParaRPr lang="en-US" dirty="0"/>
+          </a:p>
+        </p:txBody>
+      </p:sp>
       <p:pic>
         <p:nvPicPr>
-          <p:cNvPr id="5" name="Content Placeholder 4" descr="Chart, funnel chart&#10;&#10;Description automatically generated">
-            <a:extLst>
-              <a:ext uri="{FF2B5EF4-FFF2-40B4-BE49-F238E27FC236}">
-                <a16:creationId xmlns:a16="http://schemas.microsoft.com/office/drawing/2014/main" id="{40D18D95-D201-BD45-ADB1-F27781A1D96B}"/>
+          <p:cNvPr id="8" name="Picture 7" descr="Chart, funnel chart&#10;&#10;Description automatically generated">
+            <a:extLst>
+              <a:ext uri="{FF2B5EF4-FFF2-40B4-BE49-F238E27FC236}">
+                <a16:creationId xmlns:a16="http://schemas.microsoft.com/office/drawing/2014/main" id="{AF325A12-36CD-8948-904B-9B97233D9106}"/>
               </a:ext>
             </a:extLst>
           </p:cNvPr>
           <p:cNvPicPr>
-            <a:picLocks noGrp="1" noChangeAspect="1"/>
+            <a:picLocks noChangeAspect="1"/>
           </p:cNvPicPr>
-          <p:nvPr>
-            <p:ph idx="1"/>
-          </p:nvPr>
+          <p:nvPr/>
         </p:nvPicPr>
         <p:blipFill>
           <a:blip r:embed="rId2"/>
@@ -7993,86 +6303,14 @@
         </p:blipFill>
         <p:spPr>
           <a:xfrm>
-            <a:off x="2622871" y="-139101"/>
-            <a:ext cx="7682664" cy="7682664"/>
+            <a:off x="2175587" y="-130629"/>
+            <a:ext cx="7553131" cy="7553131"/>
           </a:xfrm>
+          <a:prstGeom prst="rect">
+            <a:avLst/>
+          </a:prstGeom>
         </p:spPr>
       </p:pic>
-      <p:sp>
-        <p:nvSpPr>
-          <p:cNvPr id="6" name="Title 1">
-            <a:extLst>
-              <a:ext uri="{FF2B5EF4-FFF2-40B4-BE49-F238E27FC236}">
-                <a16:creationId xmlns:a16="http://schemas.microsoft.com/office/drawing/2014/main" id="{5443FA03-34AA-5A47-AE66-9CEEEDE783BB}"/>
-              </a:ext>
-            </a:extLst>
-          </p:cNvPr>
-          <p:cNvSpPr>
-            <a:spLocks noGrp="1"/>
-          </p:cNvSpPr>
-          <p:nvPr>
-            <p:ph type="title"/>
-          </p:nvPr>
-        </p:nvSpPr>
-        <p:spPr>
-          <a:xfrm>
-            <a:off x="838200" y="365126"/>
-            <a:ext cx="10515600" cy="475134"/>
-          </a:xfrm>
-        </p:spPr>
-        <p:txBody>
-          <a:bodyPr>
-            <a:normAutofit fontScale="90000"/>
-          </a:bodyPr>
-          <a:lstStyle/>
-          <a:p>
-            <a:pPr algn="ctr"/>
-            <a:r>
-              <a:rPr lang="en-US" sz="2400" dirty="0">
-                <a:latin typeface="CCMeanwhile" pitchFamily="2" charset="77"/>
-              </a:rPr>
-              <a:t>Top 5 Positive and Negative Correlation Features</a:t>
-            </a:r>
-            <a:br>
-              <a:rPr lang="en-US" sz="2400" dirty="0">
-                <a:latin typeface="CCMeanwhile" pitchFamily="2" charset="77"/>
-              </a:rPr>
-            </a:br>
-            <a:endParaRPr lang="en-US" sz="2400" dirty="0">
-              <a:latin typeface="CCMeanwhile" pitchFamily="2" charset="77"/>
-            </a:endParaRPr>
-          </a:p>
-        </p:txBody>
-      </p:sp>
-      <p:sp>
-        <p:nvSpPr>
-          <p:cNvPr id="7" name="Slide Number Placeholder 6">
-            <a:extLst>
-              <a:ext uri="{FF2B5EF4-FFF2-40B4-BE49-F238E27FC236}">
-                <a16:creationId xmlns:a16="http://schemas.microsoft.com/office/drawing/2014/main" id="{93BE8759-92F8-0F4F-BB60-6C6FE2368D9A}"/>
-              </a:ext>
-            </a:extLst>
-          </p:cNvPr>
-          <p:cNvSpPr>
-            <a:spLocks noGrp="1"/>
-          </p:cNvSpPr>
-          <p:nvPr>
-            <p:ph type="sldNum" sz="quarter" idx="12"/>
-          </p:nvPr>
-        </p:nvSpPr>
-        <p:spPr/>
-        <p:txBody>
-          <a:bodyPr/>
-          <a:lstStyle/>
-          <a:p>
-            <a:fld id="{8FD628FE-D6DE-D844-B3CE-80CC651E15E2}" type="slidenum">
-              <a:rPr lang="en-US" smtClean="0"/>
-              <a:t>9</a:t>
-            </a:fld>
-            <a:endParaRPr lang="en-US" dirty="0"/>
-          </a:p>
-        </p:txBody>
-      </p:sp>
     </p:spTree>
     <p:extLst>
       <p:ext uri="{BB962C8B-B14F-4D97-AF65-F5344CB8AC3E}">
